--- a/01 Classes/Aula 03 Teoria de Compiladores - Linguagens de programação.pptx
+++ b/01 Classes/Aula 03 Teoria de Compiladores - Linguagens de programação.pptx
@@ -5,18 +5,32 @@
     <p:sldMasterId id="2147483648" r:id="rId1"/>
   </p:sldMasterIdLst>
   <p:notesMasterIdLst>
-    <p:notesMasterId r:id="rId11"/>
+    <p:notesMasterId r:id="rId25"/>
   </p:notesMasterIdLst>
   <p:sldIdLst>
     <p:sldId id="256" r:id="rId2"/>
     <p:sldId id="291" r:id="rId3"/>
     <p:sldId id="343" r:id="rId4"/>
-    <p:sldId id="340" r:id="rId5"/>
-    <p:sldId id="333" r:id="rId6"/>
-    <p:sldId id="323" r:id="rId7"/>
-    <p:sldId id="334" r:id="rId8"/>
-    <p:sldId id="337" r:id="rId9"/>
-    <p:sldId id="309" r:id="rId10"/>
+    <p:sldId id="346" r:id="rId5"/>
+    <p:sldId id="347" r:id="rId6"/>
+    <p:sldId id="344" r:id="rId7"/>
+    <p:sldId id="345" r:id="rId8"/>
+    <p:sldId id="352" r:id="rId9"/>
+    <p:sldId id="351" r:id="rId10"/>
+    <p:sldId id="353" r:id="rId11"/>
+    <p:sldId id="348" r:id="rId12"/>
+    <p:sldId id="349" r:id="rId13"/>
+    <p:sldId id="355" r:id="rId14"/>
+    <p:sldId id="354" r:id="rId15"/>
+    <p:sldId id="350" r:id="rId16"/>
+    <p:sldId id="356" r:id="rId17"/>
+    <p:sldId id="357" r:id="rId18"/>
+    <p:sldId id="340" r:id="rId19"/>
+    <p:sldId id="333" r:id="rId20"/>
+    <p:sldId id="323" r:id="rId21"/>
+    <p:sldId id="334" r:id="rId22"/>
+    <p:sldId id="337" r:id="rId23"/>
+    <p:sldId id="309" r:id="rId24"/>
   </p:sldIdLst>
   <p:sldSz cx="9144000" cy="5143500" type="screen16x9"/>
   <p:notesSz cx="6858000" cy="9144000"/>
@@ -563,6 +577,666 @@
 </p:notes>
 </file>
 
+<file path=ppt/notesSlides/notesSlide10.xml><?xml version="1.0" encoding="utf-8"?>
+<p:notes xmlns:a="http://schemas.openxmlformats.org/drawingml/2006/main" xmlns:r="http://schemas.openxmlformats.org/officeDocument/2006/relationships" xmlns:p="http://schemas.openxmlformats.org/presentationml/2006/main">
+  <p:cSld>
+    <p:spTree>
+      <p:nvGrpSpPr>
+        <p:cNvPr id="1" name=""/>
+        <p:cNvGrpSpPr/>
+        <p:nvPr/>
+      </p:nvGrpSpPr>
+      <p:grpSpPr>
+        <a:xfrm>
+          <a:off x="0" y="0"/>
+          <a:ext cx="0" cy="0"/>
+          <a:chOff x="0" y="0"/>
+          <a:chExt cx="0" cy="0"/>
+        </a:xfrm>
+      </p:grpSpPr>
+      <p:sp>
+        <p:nvSpPr>
+          <p:cNvPr id="2" name="Espaço Reservado para Imagem de Slide 1"/>
+          <p:cNvSpPr>
+            <a:spLocks noGrp="1" noRot="1" noChangeAspect="1"/>
+          </p:cNvSpPr>
+          <p:nvPr>
+            <p:ph type="sldImg"/>
+          </p:nvPr>
+        </p:nvSpPr>
+        <p:spPr>
+          <a:xfrm>
+            <a:off x="381000" y="685800"/>
+            <a:ext cx="6096000" cy="3429000"/>
+          </a:xfrm>
+        </p:spPr>
+      </p:sp>
+      <p:sp>
+        <p:nvSpPr>
+          <p:cNvPr id="3" name="Espaço Reservado para Anotações 2"/>
+          <p:cNvSpPr>
+            <a:spLocks noGrp="1"/>
+          </p:cNvSpPr>
+          <p:nvPr>
+            <p:ph type="body" idx="1"/>
+          </p:nvPr>
+        </p:nvSpPr>
+        <p:spPr/>
+        <p:txBody>
+          <a:bodyPr/>
+          <a:lstStyle/>
+          <a:p>
+            <a:endParaRPr lang="pt-BR" dirty="0"/>
+          </a:p>
+        </p:txBody>
+      </p:sp>
+    </p:spTree>
+    <p:extLst>
+      <p:ext uri="{BB962C8B-B14F-4D97-AF65-F5344CB8AC3E}">
+        <p14:creationId xmlns:p14="http://schemas.microsoft.com/office/powerpoint/2010/main" val="1721163253"/>
+      </p:ext>
+    </p:extLst>
+  </p:cSld>
+  <p:clrMapOvr>
+    <a:masterClrMapping/>
+  </p:clrMapOvr>
+</p:notes>
+</file>
+
+<file path=ppt/notesSlides/notesSlide11.xml><?xml version="1.0" encoding="utf-8"?>
+<p:notes xmlns:a="http://schemas.openxmlformats.org/drawingml/2006/main" xmlns:r="http://schemas.openxmlformats.org/officeDocument/2006/relationships" xmlns:p="http://schemas.openxmlformats.org/presentationml/2006/main">
+  <p:cSld>
+    <p:spTree>
+      <p:nvGrpSpPr>
+        <p:cNvPr id="1" name=""/>
+        <p:cNvGrpSpPr/>
+        <p:nvPr/>
+      </p:nvGrpSpPr>
+      <p:grpSpPr>
+        <a:xfrm>
+          <a:off x="0" y="0"/>
+          <a:ext cx="0" cy="0"/>
+          <a:chOff x="0" y="0"/>
+          <a:chExt cx="0" cy="0"/>
+        </a:xfrm>
+      </p:grpSpPr>
+      <p:sp>
+        <p:nvSpPr>
+          <p:cNvPr id="2" name="Espaço Reservado para Imagem de Slide 1"/>
+          <p:cNvSpPr>
+            <a:spLocks noGrp="1" noRot="1" noChangeAspect="1"/>
+          </p:cNvSpPr>
+          <p:nvPr>
+            <p:ph type="sldImg"/>
+          </p:nvPr>
+        </p:nvSpPr>
+        <p:spPr>
+          <a:xfrm>
+            <a:off x="381000" y="685800"/>
+            <a:ext cx="6096000" cy="3429000"/>
+          </a:xfrm>
+        </p:spPr>
+      </p:sp>
+      <p:sp>
+        <p:nvSpPr>
+          <p:cNvPr id="3" name="Espaço Reservado para Anotações 2"/>
+          <p:cNvSpPr>
+            <a:spLocks noGrp="1"/>
+          </p:cNvSpPr>
+          <p:nvPr>
+            <p:ph type="body" idx="1"/>
+          </p:nvPr>
+        </p:nvSpPr>
+        <p:spPr/>
+        <p:txBody>
+          <a:bodyPr/>
+          <a:lstStyle/>
+          <a:p>
+            <a:endParaRPr lang="pt-BR" dirty="0"/>
+          </a:p>
+        </p:txBody>
+      </p:sp>
+    </p:spTree>
+    <p:extLst>
+      <p:ext uri="{BB962C8B-B14F-4D97-AF65-F5344CB8AC3E}">
+        <p14:creationId xmlns:p14="http://schemas.microsoft.com/office/powerpoint/2010/main" val="2053288397"/>
+      </p:ext>
+    </p:extLst>
+  </p:cSld>
+  <p:clrMapOvr>
+    <a:masterClrMapping/>
+  </p:clrMapOvr>
+</p:notes>
+</file>
+
+<file path=ppt/notesSlides/notesSlide12.xml><?xml version="1.0" encoding="utf-8"?>
+<p:notes xmlns:a="http://schemas.openxmlformats.org/drawingml/2006/main" xmlns:r="http://schemas.openxmlformats.org/officeDocument/2006/relationships" xmlns:p="http://schemas.openxmlformats.org/presentationml/2006/main">
+  <p:cSld>
+    <p:spTree>
+      <p:nvGrpSpPr>
+        <p:cNvPr id="1" name=""/>
+        <p:cNvGrpSpPr/>
+        <p:nvPr/>
+      </p:nvGrpSpPr>
+      <p:grpSpPr>
+        <a:xfrm>
+          <a:off x="0" y="0"/>
+          <a:ext cx="0" cy="0"/>
+          <a:chOff x="0" y="0"/>
+          <a:chExt cx="0" cy="0"/>
+        </a:xfrm>
+      </p:grpSpPr>
+      <p:sp>
+        <p:nvSpPr>
+          <p:cNvPr id="2" name="Espaço Reservado para Imagem de Slide 1"/>
+          <p:cNvSpPr>
+            <a:spLocks noGrp="1" noRot="1" noChangeAspect="1"/>
+          </p:cNvSpPr>
+          <p:nvPr>
+            <p:ph type="sldImg"/>
+          </p:nvPr>
+        </p:nvSpPr>
+        <p:spPr>
+          <a:xfrm>
+            <a:off x="381000" y="685800"/>
+            <a:ext cx="6096000" cy="3429000"/>
+          </a:xfrm>
+        </p:spPr>
+      </p:sp>
+      <p:sp>
+        <p:nvSpPr>
+          <p:cNvPr id="3" name="Espaço Reservado para Anotações 2"/>
+          <p:cNvSpPr>
+            <a:spLocks noGrp="1"/>
+          </p:cNvSpPr>
+          <p:nvPr>
+            <p:ph type="body" idx="1"/>
+          </p:nvPr>
+        </p:nvSpPr>
+        <p:spPr/>
+        <p:txBody>
+          <a:bodyPr/>
+          <a:lstStyle/>
+          <a:p>
+            <a:endParaRPr lang="pt-BR" dirty="0"/>
+          </a:p>
+        </p:txBody>
+      </p:sp>
+    </p:spTree>
+    <p:extLst>
+      <p:ext uri="{BB962C8B-B14F-4D97-AF65-F5344CB8AC3E}">
+        <p14:creationId xmlns:p14="http://schemas.microsoft.com/office/powerpoint/2010/main" val="1032969577"/>
+      </p:ext>
+    </p:extLst>
+  </p:cSld>
+  <p:clrMapOvr>
+    <a:masterClrMapping/>
+  </p:clrMapOvr>
+</p:notes>
+</file>
+
+<file path=ppt/notesSlides/notesSlide13.xml><?xml version="1.0" encoding="utf-8"?>
+<p:notes xmlns:a="http://schemas.openxmlformats.org/drawingml/2006/main" xmlns:r="http://schemas.openxmlformats.org/officeDocument/2006/relationships" xmlns:p="http://schemas.openxmlformats.org/presentationml/2006/main">
+  <p:cSld>
+    <p:spTree>
+      <p:nvGrpSpPr>
+        <p:cNvPr id="1" name=""/>
+        <p:cNvGrpSpPr/>
+        <p:nvPr/>
+      </p:nvGrpSpPr>
+      <p:grpSpPr>
+        <a:xfrm>
+          <a:off x="0" y="0"/>
+          <a:ext cx="0" cy="0"/>
+          <a:chOff x="0" y="0"/>
+          <a:chExt cx="0" cy="0"/>
+        </a:xfrm>
+      </p:grpSpPr>
+      <p:sp>
+        <p:nvSpPr>
+          <p:cNvPr id="2" name="Espaço Reservado para Imagem de Slide 1"/>
+          <p:cNvSpPr>
+            <a:spLocks noGrp="1" noRot="1" noChangeAspect="1"/>
+          </p:cNvSpPr>
+          <p:nvPr>
+            <p:ph type="sldImg"/>
+          </p:nvPr>
+        </p:nvSpPr>
+        <p:spPr>
+          <a:xfrm>
+            <a:off x="381000" y="685800"/>
+            <a:ext cx="6096000" cy="3429000"/>
+          </a:xfrm>
+        </p:spPr>
+      </p:sp>
+      <p:sp>
+        <p:nvSpPr>
+          <p:cNvPr id="3" name="Espaço Reservado para Anotações 2"/>
+          <p:cNvSpPr>
+            <a:spLocks noGrp="1"/>
+          </p:cNvSpPr>
+          <p:nvPr>
+            <p:ph type="body" idx="1"/>
+          </p:nvPr>
+        </p:nvSpPr>
+        <p:spPr/>
+        <p:txBody>
+          <a:bodyPr/>
+          <a:lstStyle/>
+          <a:p>
+            <a:endParaRPr lang="pt-BR" dirty="0"/>
+          </a:p>
+        </p:txBody>
+      </p:sp>
+    </p:spTree>
+    <p:extLst>
+      <p:ext uri="{BB962C8B-B14F-4D97-AF65-F5344CB8AC3E}">
+        <p14:creationId xmlns:p14="http://schemas.microsoft.com/office/powerpoint/2010/main" val="614466011"/>
+      </p:ext>
+    </p:extLst>
+  </p:cSld>
+  <p:clrMapOvr>
+    <a:masterClrMapping/>
+  </p:clrMapOvr>
+</p:notes>
+</file>
+
+<file path=ppt/notesSlides/notesSlide14.xml><?xml version="1.0" encoding="utf-8"?>
+<p:notes xmlns:a="http://schemas.openxmlformats.org/drawingml/2006/main" xmlns:r="http://schemas.openxmlformats.org/officeDocument/2006/relationships" xmlns:p="http://schemas.openxmlformats.org/presentationml/2006/main">
+  <p:cSld>
+    <p:spTree>
+      <p:nvGrpSpPr>
+        <p:cNvPr id="1" name=""/>
+        <p:cNvGrpSpPr/>
+        <p:nvPr/>
+      </p:nvGrpSpPr>
+      <p:grpSpPr>
+        <a:xfrm>
+          <a:off x="0" y="0"/>
+          <a:ext cx="0" cy="0"/>
+          <a:chOff x="0" y="0"/>
+          <a:chExt cx="0" cy="0"/>
+        </a:xfrm>
+      </p:grpSpPr>
+      <p:sp>
+        <p:nvSpPr>
+          <p:cNvPr id="2" name="Espaço Reservado para Imagem de Slide 1"/>
+          <p:cNvSpPr>
+            <a:spLocks noGrp="1" noRot="1" noChangeAspect="1"/>
+          </p:cNvSpPr>
+          <p:nvPr>
+            <p:ph type="sldImg"/>
+          </p:nvPr>
+        </p:nvSpPr>
+        <p:spPr>
+          <a:xfrm>
+            <a:off x="381000" y="685800"/>
+            <a:ext cx="6096000" cy="3429000"/>
+          </a:xfrm>
+        </p:spPr>
+      </p:sp>
+      <p:sp>
+        <p:nvSpPr>
+          <p:cNvPr id="3" name="Espaço Reservado para Anotações 2"/>
+          <p:cNvSpPr>
+            <a:spLocks noGrp="1"/>
+          </p:cNvSpPr>
+          <p:nvPr>
+            <p:ph type="body" idx="1"/>
+          </p:nvPr>
+        </p:nvSpPr>
+        <p:spPr/>
+        <p:txBody>
+          <a:bodyPr/>
+          <a:lstStyle/>
+          <a:p>
+            <a:endParaRPr lang="pt-BR" dirty="0"/>
+          </a:p>
+        </p:txBody>
+      </p:sp>
+    </p:spTree>
+    <p:extLst>
+      <p:ext uri="{BB962C8B-B14F-4D97-AF65-F5344CB8AC3E}">
+        <p14:creationId xmlns:p14="http://schemas.microsoft.com/office/powerpoint/2010/main" val="3648616897"/>
+      </p:ext>
+    </p:extLst>
+  </p:cSld>
+  <p:clrMapOvr>
+    <a:masterClrMapping/>
+  </p:clrMapOvr>
+</p:notes>
+</file>
+
+<file path=ppt/notesSlides/notesSlide15.xml><?xml version="1.0" encoding="utf-8"?>
+<p:notes xmlns:a="http://schemas.openxmlformats.org/drawingml/2006/main" xmlns:r="http://schemas.openxmlformats.org/officeDocument/2006/relationships" xmlns:p="http://schemas.openxmlformats.org/presentationml/2006/main">
+  <p:cSld>
+    <p:spTree>
+      <p:nvGrpSpPr>
+        <p:cNvPr id="1" name=""/>
+        <p:cNvGrpSpPr/>
+        <p:nvPr/>
+      </p:nvGrpSpPr>
+      <p:grpSpPr>
+        <a:xfrm>
+          <a:off x="0" y="0"/>
+          <a:ext cx="0" cy="0"/>
+          <a:chOff x="0" y="0"/>
+          <a:chExt cx="0" cy="0"/>
+        </a:xfrm>
+      </p:grpSpPr>
+      <p:sp>
+        <p:nvSpPr>
+          <p:cNvPr id="2" name="Espaço Reservado para Imagem de Slide 1"/>
+          <p:cNvSpPr>
+            <a:spLocks noGrp="1" noRot="1" noChangeAspect="1"/>
+          </p:cNvSpPr>
+          <p:nvPr>
+            <p:ph type="sldImg"/>
+          </p:nvPr>
+        </p:nvSpPr>
+        <p:spPr>
+          <a:xfrm>
+            <a:off x="381000" y="685800"/>
+            <a:ext cx="6096000" cy="3429000"/>
+          </a:xfrm>
+        </p:spPr>
+      </p:sp>
+      <p:sp>
+        <p:nvSpPr>
+          <p:cNvPr id="3" name="Espaço Reservado para Anotações 2"/>
+          <p:cNvSpPr>
+            <a:spLocks noGrp="1"/>
+          </p:cNvSpPr>
+          <p:nvPr>
+            <p:ph type="body" idx="1"/>
+          </p:nvPr>
+        </p:nvSpPr>
+        <p:spPr/>
+        <p:txBody>
+          <a:bodyPr/>
+          <a:lstStyle/>
+          <a:p>
+            <a:endParaRPr lang="pt-BR" dirty="0"/>
+          </a:p>
+        </p:txBody>
+      </p:sp>
+    </p:spTree>
+    <p:extLst>
+      <p:ext uri="{BB962C8B-B14F-4D97-AF65-F5344CB8AC3E}">
+        <p14:creationId xmlns:p14="http://schemas.microsoft.com/office/powerpoint/2010/main" val="3943203390"/>
+      </p:ext>
+    </p:extLst>
+  </p:cSld>
+  <p:clrMapOvr>
+    <a:masterClrMapping/>
+  </p:clrMapOvr>
+</p:notes>
+</file>
+
+<file path=ppt/notesSlides/notesSlide16.xml><?xml version="1.0" encoding="utf-8"?>
+<p:notes xmlns:a="http://schemas.openxmlformats.org/drawingml/2006/main" xmlns:r="http://schemas.openxmlformats.org/officeDocument/2006/relationships" xmlns:p="http://schemas.openxmlformats.org/presentationml/2006/main">
+  <p:cSld>
+    <p:spTree>
+      <p:nvGrpSpPr>
+        <p:cNvPr id="1" name=""/>
+        <p:cNvGrpSpPr/>
+        <p:nvPr/>
+      </p:nvGrpSpPr>
+      <p:grpSpPr>
+        <a:xfrm>
+          <a:off x="0" y="0"/>
+          <a:ext cx="0" cy="0"/>
+          <a:chOff x="0" y="0"/>
+          <a:chExt cx="0" cy="0"/>
+        </a:xfrm>
+      </p:grpSpPr>
+      <p:sp>
+        <p:nvSpPr>
+          <p:cNvPr id="2" name="Espaço Reservado para Imagem de Slide 1"/>
+          <p:cNvSpPr>
+            <a:spLocks noGrp="1" noRot="1" noChangeAspect="1"/>
+          </p:cNvSpPr>
+          <p:nvPr>
+            <p:ph type="sldImg"/>
+          </p:nvPr>
+        </p:nvSpPr>
+        <p:spPr>
+          <a:xfrm>
+            <a:off x="381000" y="685800"/>
+            <a:ext cx="6096000" cy="3429000"/>
+          </a:xfrm>
+        </p:spPr>
+      </p:sp>
+      <p:sp>
+        <p:nvSpPr>
+          <p:cNvPr id="3" name="Espaço Reservado para Anotações 2"/>
+          <p:cNvSpPr>
+            <a:spLocks noGrp="1"/>
+          </p:cNvSpPr>
+          <p:nvPr>
+            <p:ph type="body" idx="1"/>
+          </p:nvPr>
+        </p:nvSpPr>
+        <p:spPr/>
+        <p:txBody>
+          <a:bodyPr/>
+          <a:lstStyle/>
+          <a:p>
+            <a:endParaRPr lang="pt-BR" dirty="0"/>
+          </a:p>
+        </p:txBody>
+      </p:sp>
+    </p:spTree>
+    <p:extLst>
+      <p:ext uri="{BB962C8B-B14F-4D97-AF65-F5344CB8AC3E}">
+        <p14:creationId xmlns:p14="http://schemas.microsoft.com/office/powerpoint/2010/main" val="4114855807"/>
+      </p:ext>
+    </p:extLst>
+  </p:cSld>
+  <p:clrMapOvr>
+    <a:masterClrMapping/>
+  </p:clrMapOvr>
+</p:notes>
+</file>
+
+<file path=ppt/notesSlides/notesSlide17.xml><?xml version="1.0" encoding="utf-8"?>
+<p:notes xmlns:a="http://schemas.openxmlformats.org/drawingml/2006/main" xmlns:r="http://schemas.openxmlformats.org/officeDocument/2006/relationships" xmlns:p="http://schemas.openxmlformats.org/presentationml/2006/main">
+  <p:cSld>
+    <p:spTree>
+      <p:nvGrpSpPr>
+        <p:cNvPr id="1" name=""/>
+        <p:cNvGrpSpPr/>
+        <p:nvPr/>
+      </p:nvGrpSpPr>
+      <p:grpSpPr>
+        <a:xfrm>
+          <a:off x="0" y="0"/>
+          <a:ext cx="0" cy="0"/>
+          <a:chOff x="0" y="0"/>
+          <a:chExt cx="0" cy="0"/>
+        </a:xfrm>
+      </p:grpSpPr>
+      <p:sp>
+        <p:nvSpPr>
+          <p:cNvPr id="2" name="Espaço Reservado para Imagem de Slide 1"/>
+          <p:cNvSpPr>
+            <a:spLocks noGrp="1" noRot="1" noChangeAspect="1"/>
+          </p:cNvSpPr>
+          <p:nvPr>
+            <p:ph type="sldImg"/>
+          </p:nvPr>
+        </p:nvSpPr>
+        <p:spPr>
+          <a:xfrm>
+            <a:off x="381000" y="685800"/>
+            <a:ext cx="6096000" cy="3429000"/>
+          </a:xfrm>
+        </p:spPr>
+      </p:sp>
+      <p:sp>
+        <p:nvSpPr>
+          <p:cNvPr id="3" name="Espaço Reservado para Anotações 2"/>
+          <p:cNvSpPr>
+            <a:spLocks noGrp="1"/>
+          </p:cNvSpPr>
+          <p:nvPr>
+            <p:ph type="body" idx="1"/>
+          </p:nvPr>
+        </p:nvSpPr>
+        <p:spPr/>
+        <p:txBody>
+          <a:bodyPr/>
+          <a:lstStyle/>
+          <a:p>
+            <a:endParaRPr lang="pt-BR" dirty="0"/>
+          </a:p>
+        </p:txBody>
+      </p:sp>
+    </p:spTree>
+    <p:extLst>
+      <p:ext uri="{BB962C8B-B14F-4D97-AF65-F5344CB8AC3E}">
+        <p14:creationId xmlns:p14="http://schemas.microsoft.com/office/powerpoint/2010/main" val="2025650078"/>
+      </p:ext>
+    </p:extLst>
+  </p:cSld>
+  <p:clrMapOvr>
+    <a:masterClrMapping/>
+  </p:clrMapOvr>
+</p:notes>
+</file>
+
+<file path=ppt/notesSlides/notesSlide18.xml><?xml version="1.0" encoding="utf-8"?>
+<p:notes xmlns:a="http://schemas.openxmlformats.org/drawingml/2006/main" xmlns:r="http://schemas.openxmlformats.org/officeDocument/2006/relationships" xmlns:p="http://schemas.openxmlformats.org/presentationml/2006/main">
+  <p:cSld>
+    <p:spTree>
+      <p:nvGrpSpPr>
+        <p:cNvPr id="1" name=""/>
+        <p:cNvGrpSpPr/>
+        <p:nvPr/>
+      </p:nvGrpSpPr>
+      <p:grpSpPr>
+        <a:xfrm>
+          <a:off x="0" y="0"/>
+          <a:ext cx="0" cy="0"/>
+          <a:chOff x="0" y="0"/>
+          <a:chExt cx="0" cy="0"/>
+        </a:xfrm>
+      </p:grpSpPr>
+      <p:sp>
+        <p:nvSpPr>
+          <p:cNvPr id="2" name="Espaço Reservado para Imagem de Slide 1"/>
+          <p:cNvSpPr>
+            <a:spLocks noGrp="1" noRot="1" noChangeAspect="1"/>
+          </p:cNvSpPr>
+          <p:nvPr>
+            <p:ph type="sldImg"/>
+          </p:nvPr>
+        </p:nvSpPr>
+        <p:spPr>
+          <a:xfrm>
+            <a:off x="381000" y="685800"/>
+            <a:ext cx="6096000" cy="3429000"/>
+          </a:xfrm>
+        </p:spPr>
+      </p:sp>
+      <p:sp>
+        <p:nvSpPr>
+          <p:cNvPr id="3" name="Espaço Reservado para Anotações 2"/>
+          <p:cNvSpPr>
+            <a:spLocks noGrp="1"/>
+          </p:cNvSpPr>
+          <p:nvPr>
+            <p:ph type="body" idx="1"/>
+          </p:nvPr>
+        </p:nvSpPr>
+        <p:spPr/>
+        <p:txBody>
+          <a:bodyPr/>
+          <a:lstStyle/>
+          <a:p>
+            <a:endParaRPr lang="pt-BR" dirty="0"/>
+          </a:p>
+        </p:txBody>
+      </p:sp>
+    </p:spTree>
+    <p:extLst>
+      <p:ext uri="{BB962C8B-B14F-4D97-AF65-F5344CB8AC3E}">
+        <p14:creationId xmlns:p14="http://schemas.microsoft.com/office/powerpoint/2010/main" val="585304384"/>
+      </p:ext>
+    </p:extLst>
+  </p:cSld>
+  <p:clrMapOvr>
+    <a:masterClrMapping/>
+  </p:clrMapOvr>
+</p:notes>
+</file>
+
+<file path=ppt/notesSlides/notesSlide19.xml><?xml version="1.0" encoding="utf-8"?>
+<p:notes xmlns:a="http://schemas.openxmlformats.org/drawingml/2006/main" xmlns:r="http://schemas.openxmlformats.org/officeDocument/2006/relationships" xmlns:p="http://schemas.openxmlformats.org/presentationml/2006/main">
+  <p:cSld>
+    <p:spTree>
+      <p:nvGrpSpPr>
+        <p:cNvPr id="1" name=""/>
+        <p:cNvGrpSpPr/>
+        <p:nvPr/>
+      </p:nvGrpSpPr>
+      <p:grpSpPr>
+        <a:xfrm>
+          <a:off x="0" y="0"/>
+          <a:ext cx="0" cy="0"/>
+          <a:chOff x="0" y="0"/>
+          <a:chExt cx="0" cy="0"/>
+        </a:xfrm>
+      </p:grpSpPr>
+      <p:sp>
+        <p:nvSpPr>
+          <p:cNvPr id="2" name="Espaço Reservado para Imagem de Slide 1"/>
+          <p:cNvSpPr>
+            <a:spLocks noGrp="1" noRot="1" noChangeAspect="1"/>
+          </p:cNvSpPr>
+          <p:nvPr>
+            <p:ph type="sldImg"/>
+          </p:nvPr>
+        </p:nvSpPr>
+        <p:spPr>
+          <a:xfrm>
+            <a:off x="381000" y="685800"/>
+            <a:ext cx="6096000" cy="3429000"/>
+          </a:xfrm>
+        </p:spPr>
+      </p:sp>
+      <p:sp>
+        <p:nvSpPr>
+          <p:cNvPr id="3" name="Espaço Reservado para Anotações 2"/>
+          <p:cNvSpPr>
+            <a:spLocks noGrp="1"/>
+          </p:cNvSpPr>
+          <p:nvPr>
+            <p:ph type="body" idx="1"/>
+          </p:nvPr>
+        </p:nvSpPr>
+        <p:spPr/>
+        <p:txBody>
+          <a:bodyPr/>
+          <a:lstStyle/>
+          <a:p>
+            <a:endParaRPr lang="pt-BR" dirty="0"/>
+          </a:p>
+        </p:txBody>
+      </p:sp>
+    </p:spTree>
+    <p:extLst>
+      <p:ext uri="{BB962C8B-B14F-4D97-AF65-F5344CB8AC3E}">
+        <p14:creationId xmlns:p14="http://schemas.microsoft.com/office/powerpoint/2010/main" val="2709569597"/>
+      </p:ext>
+    </p:extLst>
+  </p:cSld>
+  <p:clrMapOvr>
+    <a:masterClrMapping/>
+  </p:clrMapOvr>
+</p:notes>
+</file>
+
 <file path=ppt/notesSlides/notesSlide2.xml><?xml version="1.0" encoding="utf-8"?>
 <p:notes xmlns:a="http://schemas.openxmlformats.org/drawingml/2006/main" xmlns:r="http://schemas.openxmlformats.org/officeDocument/2006/relationships" xmlns:p="http://schemas.openxmlformats.org/presentationml/2006/main">
   <p:cSld>
@@ -620,6 +1294,138 @@
     <p:extLst>
       <p:ext uri="{BB962C8B-B14F-4D97-AF65-F5344CB8AC3E}">
         <p14:creationId xmlns:p14="http://schemas.microsoft.com/office/powerpoint/2010/main" val="4208151175"/>
+      </p:ext>
+    </p:extLst>
+  </p:cSld>
+  <p:clrMapOvr>
+    <a:masterClrMapping/>
+  </p:clrMapOvr>
+</p:notes>
+</file>
+
+<file path=ppt/notesSlides/notesSlide20.xml><?xml version="1.0" encoding="utf-8"?>
+<p:notes xmlns:a="http://schemas.openxmlformats.org/drawingml/2006/main" xmlns:r="http://schemas.openxmlformats.org/officeDocument/2006/relationships" xmlns:p="http://schemas.openxmlformats.org/presentationml/2006/main">
+  <p:cSld>
+    <p:spTree>
+      <p:nvGrpSpPr>
+        <p:cNvPr id="1" name=""/>
+        <p:cNvGrpSpPr/>
+        <p:nvPr/>
+      </p:nvGrpSpPr>
+      <p:grpSpPr>
+        <a:xfrm>
+          <a:off x="0" y="0"/>
+          <a:ext cx="0" cy="0"/>
+          <a:chOff x="0" y="0"/>
+          <a:chExt cx="0" cy="0"/>
+        </a:xfrm>
+      </p:grpSpPr>
+      <p:sp>
+        <p:nvSpPr>
+          <p:cNvPr id="2" name="Espaço Reservado para Imagem de Slide 1"/>
+          <p:cNvSpPr>
+            <a:spLocks noGrp="1" noRot="1" noChangeAspect="1"/>
+          </p:cNvSpPr>
+          <p:nvPr>
+            <p:ph type="sldImg"/>
+          </p:nvPr>
+        </p:nvSpPr>
+        <p:spPr>
+          <a:xfrm>
+            <a:off x="381000" y="685800"/>
+            <a:ext cx="6096000" cy="3429000"/>
+          </a:xfrm>
+        </p:spPr>
+      </p:sp>
+      <p:sp>
+        <p:nvSpPr>
+          <p:cNvPr id="3" name="Espaço Reservado para Anotações 2"/>
+          <p:cNvSpPr>
+            <a:spLocks noGrp="1"/>
+          </p:cNvSpPr>
+          <p:nvPr>
+            <p:ph type="body" idx="1"/>
+          </p:nvPr>
+        </p:nvSpPr>
+        <p:spPr/>
+        <p:txBody>
+          <a:bodyPr/>
+          <a:lstStyle/>
+          <a:p>
+            <a:endParaRPr lang="pt-BR" dirty="0"/>
+          </a:p>
+        </p:txBody>
+      </p:sp>
+    </p:spTree>
+    <p:extLst>
+      <p:ext uri="{BB962C8B-B14F-4D97-AF65-F5344CB8AC3E}">
+        <p14:creationId xmlns:p14="http://schemas.microsoft.com/office/powerpoint/2010/main" val="2296249050"/>
+      </p:ext>
+    </p:extLst>
+  </p:cSld>
+  <p:clrMapOvr>
+    <a:masterClrMapping/>
+  </p:clrMapOvr>
+</p:notes>
+</file>
+
+<file path=ppt/notesSlides/notesSlide21.xml><?xml version="1.0" encoding="utf-8"?>
+<p:notes xmlns:a="http://schemas.openxmlformats.org/drawingml/2006/main" xmlns:r="http://schemas.openxmlformats.org/officeDocument/2006/relationships" xmlns:p="http://schemas.openxmlformats.org/presentationml/2006/main">
+  <p:cSld>
+    <p:spTree>
+      <p:nvGrpSpPr>
+        <p:cNvPr id="1" name=""/>
+        <p:cNvGrpSpPr/>
+        <p:nvPr/>
+      </p:nvGrpSpPr>
+      <p:grpSpPr>
+        <a:xfrm>
+          <a:off x="0" y="0"/>
+          <a:ext cx="0" cy="0"/>
+          <a:chOff x="0" y="0"/>
+          <a:chExt cx="0" cy="0"/>
+        </a:xfrm>
+      </p:grpSpPr>
+      <p:sp>
+        <p:nvSpPr>
+          <p:cNvPr id="2" name="Espaço Reservado para Imagem de Slide 1"/>
+          <p:cNvSpPr>
+            <a:spLocks noGrp="1" noRot="1" noChangeAspect="1"/>
+          </p:cNvSpPr>
+          <p:nvPr>
+            <p:ph type="sldImg"/>
+          </p:nvPr>
+        </p:nvSpPr>
+        <p:spPr>
+          <a:xfrm>
+            <a:off x="381000" y="685800"/>
+            <a:ext cx="6096000" cy="3429000"/>
+          </a:xfrm>
+        </p:spPr>
+      </p:sp>
+      <p:sp>
+        <p:nvSpPr>
+          <p:cNvPr id="3" name="Espaço Reservado para Anotações 2"/>
+          <p:cNvSpPr>
+            <a:spLocks noGrp="1"/>
+          </p:cNvSpPr>
+          <p:nvPr>
+            <p:ph type="body" idx="1"/>
+          </p:nvPr>
+        </p:nvSpPr>
+        <p:spPr/>
+        <p:txBody>
+          <a:bodyPr/>
+          <a:lstStyle/>
+          <a:p>
+            <a:endParaRPr lang="pt-BR" dirty="0"/>
+          </a:p>
+        </p:txBody>
+      </p:sp>
+    </p:spTree>
+    <p:extLst>
+      <p:ext uri="{BB962C8B-B14F-4D97-AF65-F5344CB8AC3E}">
+        <p14:creationId xmlns:p14="http://schemas.microsoft.com/office/powerpoint/2010/main" val="4290351292"/>
       </p:ext>
     </p:extLst>
   </p:cSld>
@@ -685,7 +1491,7 @@
     </p:spTree>
     <p:extLst>
       <p:ext uri="{BB962C8B-B14F-4D97-AF65-F5344CB8AC3E}">
-        <p14:creationId xmlns:p14="http://schemas.microsoft.com/office/powerpoint/2010/main" val="2025650078"/>
+        <p14:creationId xmlns:p14="http://schemas.microsoft.com/office/powerpoint/2010/main" val="188336405"/>
       </p:ext>
     </p:extLst>
   </p:cSld>
@@ -751,7 +1557,7 @@
     </p:spTree>
     <p:extLst>
       <p:ext uri="{BB962C8B-B14F-4D97-AF65-F5344CB8AC3E}">
-        <p14:creationId xmlns:p14="http://schemas.microsoft.com/office/powerpoint/2010/main" val="585304384"/>
+        <p14:creationId xmlns:p14="http://schemas.microsoft.com/office/powerpoint/2010/main" val="3645487031"/>
       </p:ext>
     </p:extLst>
   </p:cSld>
@@ -817,7 +1623,7 @@
     </p:spTree>
     <p:extLst>
       <p:ext uri="{BB962C8B-B14F-4D97-AF65-F5344CB8AC3E}">
-        <p14:creationId xmlns:p14="http://schemas.microsoft.com/office/powerpoint/2010/main" val="2709569597"/>
+        <p14:creationId xmlns:p14="http://schemas.microsoft.com/office/powerpoint/2010/main" val="2429902072"/>
       </p:ext>
     </p:extLst>
   </p:cSld>
@@ -883,7 +1689,7 @@
     </p:spTree>
     <p:extLst>
       <p:ext uri="{BB962C8B-B14F-4D97-AF65-F5344CB8AC3E}">
-        <p14:creationId xmlns:p14="http://schemas.microsoft.com/office/powerpoint/2010/main" val="2296249050"/>
+        <p14:creationId xmlns:p14="http://schemas.microsoft.com/office/powerpoint/2010/main" val="434886447"/>
       </p:ext>
     </p:extLst>
   </p:cSld>
@@ -949,7 +1755,139 @@
     </p:spTree>
     <p:extLst>
       <p:ext uri="{BB962C8B-B14F-4D97-AF65-F5344CB8AC3E}">
-        <p14:creationId xmlns:p14="http://schemas.microsoft.com/office/powerpoint/2010/main" val="4290351292"/>
+        <p14:creationId xmlns:p14="http://schemas.microsoft.com/office/powerpoint/2010/main" val="704799332"/>
+      </p:ext>
+    </p:extLst>
+  </p:cSld>
+  <p:clrMapOvr>
+    <a:masterClrMapping/>
+  </p:clrMapOvr>
+</p:notes>
+</file>
+
+<file path=ppt/notesSlides/notesSlide8.xml><?xml version="1.0" encoding="utf-8"?>
+<p:notes xmlns:a="http://schemas.openxmlformats.org/drawingml/2006/main" xmlns:r="http://schemas.openxmlformats.org/officeDocument/2006/relationships" xmlns:p="http://schemas.openxmlformats.org/presentationml/2006/main">
+  <p:cSld>
+    <p:spTree>
+      <p:nvGrpSpPr>
+        <p:cNvPr id="1" name=""/>
+        <p:cNvGrpSpPr/>
+        <p:nvPr/>
+      </p:nvGrpSpPr>
+      <p:grpSpPr>
+        <a:xfrm>
+          <a:off x="0" y="0"/>
+          <a:ext cx="0" cy="0"/>
+          <a:chOff x="0" y="0"/>
+          <a:chExt cx="0" cy="0"/>
+        </a:xfrm>
+      </p:grpSpPr>
+      <p:sp>
+        <p:nvSpPr>
+          <p:cNvPr id="2" name="Espaço Reservado para Imagem de Slide 1"/>
+          <p:cNvSpPr>
+            <a:spLocks noGrp="1" noRot="1" noChangeAspect="1"/>
+          </p:cNvSpPr>
+          <p:nvPr>
+            <p:ph type="sldImg"/>
+          </p:nvPr>
+        </p:nvSpPr>
+        <p:spPr>
+          <a:xfrm>
+            <a:off x="381000" y="685800"/>
+            <a:ext cx="6096000" cy="3429000"/>
+          </a:xfrm>
+        </p:spPr>
+      </p:sp>
+      <p:sp>
+        <p:nvSpPr>
+          <p:cNvPr id="3" name="Espaço Reservado para Anotações 2"/>
+          <p:cNvSpPr>
+            <a:spLocks noGrp="1"/>
+          </p:cNvSpPr>
+          <p:nvPr>
+            <p:ph type="body" idx="1"/>
+          </p:nvPr>
+        </p:nvSpPr>
+        <p:spPr/>
+        <p:txBody>
+          <a:bodyPr/>
+          <a:lstStyle/>
+          <a:p>
+            <a:endParaRPr lang="pt-BR" dirty="0"/>
+          </a:p>
+        </p:txBody>
+      </p:sp>
+    </p:spTree>
+    <p:extLst>
+      <p:ext uri="{BB962C8B-B14F-4D97-AF65-F5344CB8AC3E}">
+        <p14:creationId xmlns:p14="http://schemas.microsoft.com/office/powerpoint/2010/main" val="4263727929"/>
+      </p:ext>
+    </p:extLst>
+  </p:cSld>
+  <p:clrMapOvr>
+    <a:masterClrMapping/>
+  </p:clrMapOvr>
+</p:notes>
+</file>
+
+<file path=ppt/notesSlides/notesSlide9.xml><?xml version="1.0" encoding="utf-8"?>
+<p:notes xmlns:a="http://schemas.openxmlformats.org/drawingml/2006/main" xmlns:r="http://schemas.openxmlformats.org/officeDocument/2006/relationships" xmlns:p="http://schemas.openxmlformats.org/presentationml/2006/main">
+  <p:cSld>
+    <p:spTree>
+      <p:nvGrpSpPr>
+        <p:cNvPr id="1" name=""/>
+        <p:cNvGrpSpPr/>
+        <p:nvPr/>
+      </p:nvGrpSpPr>
+      <p:grpSpPr>
+        <a:xfrm>
+          <a:off x="0" y="0"/>
+          <a:ext cx="0" cy="0"/>
+          <a:chOff x="0" y="0"/>
+          <a:chExt cx="0" cy="0"/>
+        </a:xfrm>
+      </p:grpSpPr>
+      <p:sp>
+        <p:nvSpPr>
+          <p:cNvPr id="2" name="Espaço Reservado para Imagem de Slide 1"/>
+          <p:cNvSpPr>
+            <a:spLocks noGrp="1" noRot="1" noChangeAspect="1"/>
+          </p:cNvSpPr>
+          <p:nvPr>
+            <p:ph type="sldImg"/>
+          </p:nvPr>
+        </p:nvSpPr>
+        <p:spPr>
+          <a:xfrm>
+            <a:off x="381000" y="685800"/>
+            <a:ext cx="6096000" cy="3429000"/>
+          </a:xfrm>
+        </p:spPr>
+      </p:sp>
+      <p:sp>
+        <p:nvSpPr>
+          <p:cNvPr id="3" name="Espaço Reservado para Anotações 2"/>
+          <p:cNvSpPr>
+            <a:spLocks noGrp="1"/>
+          </p:cNvSpPr>
+          <p:nvPr>
+            <p:ph type="body" idx="1"/>
+          </p:nvPr>
+        </p:nvSpPr>
+        <p:spPr/>
+        <p:txBody>
+          <a:bodyPr/>
+          <a:lstStyle/>
+          <a:p>
+            <a:endParaRPr lang="pt-BR" dirty="0"/>
+          </a:p>
+        </p:txBody>
+      </p:sp>
+    </p:spTree>
+    <p:extLst>
+      <p:ext uri="{BB962C8B-B14F-4D97-AF65-F5344CB8AC3E}">
+        <p14:creationId xmlns:p14="http://schemas.microsoft.com/office/powerpoint/2010/main" val="230488082"/>
       </p:ext>
     </p:extLst>
   </p:cSld>
@@ -3892,6 +4830,2303 @@
 </p:sld>
 </file>
 
+<file path=ppt/slides/slide10.xml><?xml version="1.0" encoding="utf-8"?>
+<p:sld xmlns:a="http://schemas.openxmlformats.org/drawingml/2006/main" xmlns:r="http://schemas.openxmlformats.org/officeDocument/2006/relationships" xmlns:p="http://schemas.openxmlformats.org/presentationml/2006/main">
+  <p:cSld>
+    <p:spTree>
+      <p:nvGrpSpPr>
+        <p:cNvPr id="1" name=""/>
+        <p:cNvGrpSpPr/>
+        <p:nvPr/>
+      </p:nvGrpSpPr>
+      <p:grpSpPr>
+        <a:xfrm>
+          <a:off x="0" y="0"/>
+          <a:ext cx="0" cy="0"/>
+          <a:chOff x="0" y="0"/>
+          <a:chExt cx="0" cy="0"/>
+        </a:xfrm>
+      </p:grpSpPr>
+      <p:sp>
+        <p:nvSpPr>
+          <p:cNvPr id="6" name="Title 1"/>
+          <p:cNvSpPr>
+            <a:spLocks noGrp="1"/>
+          </p:cNvSpPr>
+          <p:nvPr>
+            <p:ph type="title"/>
+          </p:nvPr>
+        </p:nvSpPr>
+        <p:spPr>
+          <a:xfrm>
+            <a:off x="457200" y="205980"/>
+            <a:ext cx="8229600" cy="857251"/>
+          </a:xfrm>
+        </p:spPr>
+        <p:txBody>
+          <a:bodyPr>
+            <a:normAutofit/>
+          </a:bodyPr>
+          <a:lstStyle/>
+          <a:p>
+            <a:r>
+              <a:rPr lang="en-US" b="1" dirty="0" err="1">
+                <a:solidFill>
+                  <a:srgbClr val="0070C0"/>
+                </a:solidFill>
+              </a:rPr>
+              <a:t>Linguagens</a:t>
+            </a:r>
+            <a:r>
+              <a:rPr lang="en-US" b="1" dirty="0">
+                <a:solidFill>
+                  <a:srgbClr val="0070C0"/>
+                </a:solidFill>
+              </a:rPr>
+              <a:t> de </a:t>
+            </a:r>
+            <a:r>
+              <a:rPr lang="en-US" b="1" dirty="0" err="1">
+                <a:solidFill>
+                  <a:srgbClr val="0070C0"/>
+                </a:solidFill>
+              </a:rPr>
+              <a:t>Programação</a:t>
+            </a:r>
+            <a:endParaRPr lang="en-US" b="1" dirty="0">
+              <a:solidFill>
+                <a:srgbClr val="0070C0"/>
+              </a:solidFill>
+            </a:endParaRPr>
+          </a:p>
+        </p:txBody>
+      </p:sp>
+      <p:sp>
+        <p:nvSpPr>
+          <p:cNvPr id="8" name="Text Placeholder 2"/>
+          <p:cNvSpPr>
+            <a:spLocks noGrp="1"/>
+          </p:cNvSpPr>
+          <p:nvPr>
+            <p:ph type="body" sz="half" idx="1"/>
+          </p:nvPr>
+        </p:nvSpPr>
+        <p:spPr>
+          <a:xfrm>
+            <a:off x="142865" y="1200151"/>
+            <a:ext cx="8865056" cy="3872890"/>
+          </a:xfrm>
+        </p:spPr>
+        <p:txBody>
+          <a:bodyPr>
+            <a:noAutofit/>
+          </a:bodyPr>
+          <a:lstStyle/>
+          <a:p>
+            <a:pPr marL="0" indent="0" algn="just">
+              <a:buNone/>
+            </a:pPr>
+            <a:r>
+              <a:rPr lang="pt-BR" b="1" dirty="0">
+                <a:solidFill>
+                  <a:schemeClr val="tx1"/>
+                </a:solidFill>
+                <a:latin typeface="Times New Roman" panose="02020603050405020304" pitchFamily="18" charset="0"/>
+                <a:cs typeface="Times New Roman" panose="02020603050405020304" pitchFamily="18" charset="0"/>
+              </a:rPr>
+              <a:t>T</a:t>
+            </a:r>
+            <a:r>
+              <a:rPr lang="pt-BR" sz="2800" b="1" dirty="0">
+                <a:solidFill>
+                  <a:schemeClr val="tx1"/>
+                </a:solidFill>
+                <a:latin typeface="Times New Roman" panose="02020603050405020304" pitchFamily="18" charset="0"/>
+                <a:cs typeface="Times New Roman" panose="02020603050405020304" pitchFamily="18" charset="0"/>
+              </a:rPr>
+              <a:t>ipos de Tradutores</a:t>
+            </a:r>
+          </a:p>
+          <a:p>
+            <a:pPr marL="0" indent="0" algn="just">
+              <a:buNone/>
+            </a:pPr>
+            <a:endParaRPr lang="pt-BR" sz="2800" dirty="0">
+              <a:solidFill>
+                <a:schemeClr val="tx1"/>
+              </a:solidFill>
+              <a:latin typeface="Times New Roman" panose="02020603050405020304" pitchFamily="18" charset="0"/>
+              <a:cs typeface="Times New Roman" panose="02020603050405020304" pitchFamily="18" charset="0"/>
+            </a:endParaRPr>
+          </a:p>
+          <a:p>
+            <a:pPr marL="0" indent="0" algn="just">
+              <a:buNone/>
+            </a:pPr>
+            <a:endParaRPr lang="pt-BR" sz="2800" dirty="0">
+              <a:solidFill>
+                <a:schemeClr val="tx1"/>
+              </a:solidFill>
+              <a:latin typeface="Times New Roman" panose="02020603050405020304" pitchFamily="18" charset="0"/>
+              <a:cs typeface="Times New Roman" panose="02020603050405020304" pitchFamily="18" charset="0"/>
+              <a:hlinkClick r:id="rId3"/>
+            </a:endParaRPr>
+          </a:p>
+          <a:p>
+            <a:pPr marL="0" indent="0" algn="just">
+              <a:buNone/>
+            </a:pPr>
+            <a:r>
+              <a:rPr lang="pt-BR" sz="2800" dirty="0">
+                <a:solidFill>
+                  <a:schemeClr val="tx1"/>
+                </a:solidFill>
+                <a:latin typeface="Times New Roman" panose="02020603050405020304" pitchFamily="18" charset="0"/>
+                <a:cs typeface="Times New Roman" panose="02020603050405020304" pitchFamily="18" charset="0"/>
+                <a:hlinkClick r:id="rId3"/>
+              </a:rPr>
+              <a:t>http://www.inf.ufsc.br/~j.barreto/cca/arquitet/arq4.htm</a:t>
+            </a:r>
+            <a:endParaRPr lang="pt-BR" sz="2800" dirty="0">
+              <a:solidFill>
+                <a:schemeClr val="tx1"/>
+              </a:solidFill>
+              <a:latin typeface="Times New Roman" panose="02020603050405020304" pitchFamily="18" charset="0"/>
+              <a:cs typeface="Times New Roman" panose="02020603050405020304" pitchFamily="18" charset="0"/>
+            </a:endParaRPr>
+          </a:p>
+          <a:p>
+            <a:pPr marL="0" indent="0" algn="just">
+              <a:buNone/>
+            </a:pPr>
+            <a:endParaRPr lang="pt-BR" sz="2800" dirty="0">
+              <a:solidFill>
+                <a:schemeClr val="tx1"/>
+              </a:solidFill>
+              <a:latin typeface="Times New Roman" panose="02020603050405020304" pitchFamily="18" charset="0"/>
+              <a:cs typeface="Times New Roman" panose="02020603050405020304" pitchFamily="18" charset="0"/>
+            </a:endParaRPr>
+          </a:p>
+          <a:p>
+            <a:pPr marL="0" indent="0" algn="just">
+              <a:buNone/>
+            </a:pPr>
+            <a:endParaRPr lang="pt-BR" dirty="0">
+              <a:solidFill>
+                <a:schemeClr val="tx1"/>
+              </a:solidFill>
+              <a:latin typeface="Times New Roman" panose="02020603050405020304" pitchFamily="18" charset="0"/>
+              <a:cs typeface="Times New Roman" panose="02020603050405020304" pitchFamily="18" charset="0"/>
+            </a:endParaRPr>
+          </a:p>
+        </p:txBody>
+      </p:sp>
+    </p:spTree>
+    <p:extLst>
+      <p:ext uri="{BB962C8B-B14F-4D97-AF65-F5344CB8AC3E}">
+        <p14:creationId xmlns:p14="http://schemas.microsoft.com/office/powerpoint/2010/main" val="438157218"/>
+      </p:ext>
+    </p:extLst>
+  </p:cSld>
+  <p:clrMapOvr>
+    <a:masterClrMapping/>
+  </p:clrMapOvr>
+  <p:transition spd="med"/>
+</p:sld>
+</file>
+
+<file path=ppt/slides/slide11.xml><?xml version="1.0" encoding="utf-8"?>
+<p:sld xmlns:a="http://schemas.openxmlformats.org/drawingml/2006/main" xmlns:r="http://schemas.openxmlformats.org/officeDocument/2006/relationships" xmlns:p="http://schemas.openxmlformats.org/presentationml/2006/main">
+  <p:cSld>
+    <p:spTree>
+      <p:nvGrpSpPr>
+        <p:cNvPr id="1" name=""/>
+        <p:cNvGrpSpPr/>
+        <p:nvPr/>
+      </p:nvGrpSpPr>
+      <p:grpSpPr>
+        <a:xfrm>
+          <a:off x="0" y="0"/>
+          <a:ext cx="0" cy="0"/>
+          <a:chOff x="0" y="0"/>
+          <a:chExt cx="0" cy="0"/>
+        </a:xfrm>
+      </p:grpSpPr>
+      <p:sp>
+        <p:nvSpPr>
+          <p:cNvPr id="6" name="Title 1"/>
+          <p:cNvSpPr>
+            <a:spLocks noGrp="1"/>
+          </p:cNvSpPr>
+          <p:nvPr>
+            <p:ph type="title"/>
+          </p:nvPr>
+        </p:nvSpPr>
+        <p:spPr>
+          <a:xfrm>
+            <a:off x="457200" y="205980"/>
+            <a:ext cx="8229600" cy="857251"/>
+          </a:xfrm>
+        </p:spPr>
+        <p:txBody>
+          <a:bodyPr>
+            <a:normAutofit/>
+          </a:bodyPr>
+          <a:lstStyle/>
+          <a:p>
+            <a:r>
+              <a:rPr lang="en-US" b="1" dirty="0" err="1">
+                <a:solidFill>
+                  <a:srgbClr val="0070C0"/>
+                </a:solidFill>
+              </a:rPr>
+              <a:t>Linguagens</a:t>
+            </a:r>
+            <a:r>
+              <a:rPr lang="en-US" b="1" dirty="0">
+                <a:solidFill>
+                  <a:srgbClr val="0070C0"/>
+                </a:solidFill>
+              </a:rPr>
+              <a:t> de </a:t>
+            </a:r>
+            <a:r>
+              <a:rPr lang="en-US" b="1" dirty="0" err="1">
+                <a:solidFill>
+                  <a:srgbClr val="0070C0"/>
+                </a:solidFill>
+              </a:rPr>
+              <a:t>Programação</a:t>
+            </a:r>
+            <a:endParaRPr lang="en-US" b="1" dirty="0">
+              <a:solidFill>
+                <a:srgbClr val="0070C0"/>
+              </a:solidFill>
+            </a:endParaRPr>
+          </a:p>
+        </p:txBody>
+      </p:sp>
+      <p:sp>
+        <p:nvSpPr>
+          <p:cNvPr id="8" name="Text Placeholder 2"/>
+          <p:cNvSpPr>
+            <a:spLocks noGrp="1"/>
+          </p:cNvSpPr>
+          <p:nvPr>
+            <p:ph type="body" sz="half" idx="1"/>
+          </p:nvPr>
+        </p:nvSpPr>
+        <p:spPr>
+          <a:xfrm>
+            <a:off x="142865" y="1200151"/>
+            <a:ext cx="8865056" cy="3872890"/>
+          </a:xfrm>
+        </p:spPr>
+        <p:txBody>
+          <a:bodyPr>
+            <a:noAutofit/>
+          </a:bodyPr>
+          <a:lstStyle/>
+          <a:p>
+            <a:pPr marL="0" indent="0" algn="just">
+              <a:buNone/>
+            </a:pPr>
+            <a:r>
+              <a:rPr lang="pt-BR" sz="2400" b="1" dirty="0">
+                <a:solidFill>
+                  <a:schemeClr val="tx1"/>
+                </a:solidFill>
+                <a:latin typeface="Times New Roman" panose="02020603050405020304" pitchFamily="18" charset="0"/>
+                <a:cs typeface="Times New Roman" panose="02020603050405020304" pitchFamily="18" charset="0"/>
+              </a:rPr>
+              <a:t>Estrutura de um compilador</a:t>
+            </a:r>
+          </a:p>
+          <a:p>
+            <a:pPr marL="0" indent="0" algn="just">
+              <a:buNone/>
+            </a:pPr>
+            <a:endParaRPr lang="pt-BR" sz="2400" dirty="0">
+              <a:solidFill>
+                <a:schemeClr val="tx1"/>
+              </a:solidFill>
+              <a:latin typeface="Times New Roman" panose="02020603050405020304" pitchFamily="18" charset="0"/>
+              <a:cs typeface="Times New Roman" panose="02020603050405020304" pitchFamily="18" charset="0"/>
+            </a:endParaRPr>
+          </a:p>
+          <a:p>
+            <a:pPr marL="0" indent="0" algn="just">
+              <a:buNone/>
+            </a:pPr>
+            <a:r>
+              <a:rPr lang="pt-BR" sz="2400" b="1" dirty="0">
+                <a:solidFill>
+                  <a:srgbClr val="FF0000"/>
+                </a:solidFill>
+                <a:latin typeface="Times New Roman" panose="02020603050405020304" pitchFamily="18" charset="0"/>
+                <a:cs typeface="Times New Roman" panose="02020603050405020304" pitchFamily="18" charset="0"/>
+              </a:rPr>
+              <a:t>Fase de análise</a:t>
+            </a:r>
+            <a:r>
+              <a:rPr lang="pt-BR" sz="2400" dirty="0">
+                <a:solidFill>
+                  <a:schemeClr val="tx1"/>
+                </a:solidFill>
+                <a:latin typeface="Times New Roman" panose="02020603050405020304" pitchFamily="18" charset="0"/>
+                <a:cs typeface="Times New Roman" panose="02020603050405020304" pitchFamily="18" charset="0"/>
+              </a:rPr>
+              <a:t>: A análise é constituída geralmente de três fases que são, </a:t>
+            </a:r>
+            <a:r>
+              <a:rPr lang="pt-BR" sz="2400" b="1" dirty="0">
+                <a:solidFill>
+                  <a:schemeClr val="tx1"/>
+                </a:solidFill>
+                <a:latin typeface="Times New Roman" panose="02020603050405020304" pitchFamily="18" charset="0"/>
+                <a:cs typeface="Times New Roman" panose="02020603050405020304" pitchFamily="18" charset="0"/>
+              </a:rPr>
+              <a:t>análise léxica</a:t>
+            </a:r>
+            <a:r>
+              <a:rPr lang="pt-BR" sz="2400" dirty="0">
+                <a:solidFill>
+                  <a:schemeClr val="tx1"/>
+                </a:solidFill>
+                <a:latin typeface="Times New Roman" panose="02020603050405020304" pitchFamily="18" charset="0"/>
+                <a:cs typeface="Times New Roman" panose="02020603050405020304" pitchFamily="18" charset="0"/>
+              </a:rPr>
+              <a:t>, </a:t>
+            </a:r>
+            <a:r>
+              <a:rPr lang="pt-BR" sz="2400" b="1" dirty="0">
+                <a:solidFill>
+                  <a:schemeClr val="tx1"/>
+                </a:solidFill>
+                <a:latin typeface="Times New Roman" panose="02020603050405020304" pitchFamily="18" charset="0"/>
+                <a:cs typeface="Times New Roman" panose="02020603050405020304" pitchFamily="18" charset="0"/>
+              </a:rPr>
+              <a:t>análise sintática e análise semântica.</a:t>
+            </a:r>
+            <a:endParaRPr lang="pt-BR" sz="2400" dirty="0">
+              <a:solidFill>
+                <a:schemeClr val="tx1"/>
+              </a:solidFill>
+              <a:latin typeface="Times New Roman" panose="02020603050405020304" pitchFamily="18" charset="0"/>
+              <a:cs typeface="Times New Roman" panose="02020603050405020304" pitchFamily="18" charset="0"/>
+            </a:endParaRPr>
+          </a:p>
+          <a:p>
+            <a:pPr marL="0" indent="0" algn="just">
+              <a:buNone/>
+            </a:pPr>
+            <a:endParaRPr lang="pt-BR" sz="2400" dirty="0">
+              <a:solidFill>
+                <a:schemeClr val="tx1"/>
+              </a:solidFill>
+              <a:latin typeface="Times New Roman" panose="02020603050405020304" pitchFamily="18" charset="0"/>
+              <a:cs typeface="Times New Roman" panose="02020603050405020304" pitchFamily="18" charset="0"/>
+            </a:endParaRPr>
+          </a:p>
+          <a:p>
+            <a:pPr marL="0" indent="0" algn="just">
+              <a:buNone/>
+            </a:pPr>
+            <a:r>
+              <a:rPr lang="pt-BR" sz="2400" b="1" dirty="0">
+                <a:solidFill>
+                  <a:srgbClr val="FF0000"/>
+                </a:solidFill>
+                <a:latin typeface="Times New Roman" panose="02020603050405020304" pitchFamily="18" charset="0"/>
+                <a:cs typeface="Times New Roman" panose="02020603050405020304" pitchFamily="18" charset="0"/>
+              </a:rPr>
+              <a:t>Fase de síntese</a:t>
+            </a:r>
+            <a:r>
+              <a:rPr lang="pt-BR" sz="2400" dirty="0">
+                <a:solidFill>
+                  <a:schemeClr val="tx1"/>
+                </a:solidFill>
+                <a:latin typeface="Times New Roman" panose="02020603050405020304" pitchFamily="18" charset="0"/>
+                <a:cs typeface="Times New Roman" panose="02020603050405020304" pitchFamily="18" charset="0"/>
+              </a:rPr>
+              <a:t>: A síntese é composta por módulos de geração e otimização de código.</a:t>
+            </a:r>
+          </a:p>
+          <a:p>
+            <a:pPr marL="0" indent="0" algn="just">
+              <a:buNone/>
+            </a:pPr>
+            <a:endParaRPr lang="pt-BR" sz="2400" dirty="0">
+              <a:solidFill>
+                <a:schemeClr val="tx1"/>
+              </a:solidFill>
+              <a:latin typeface="Times New Roman" panose="02020603050405020304" pitchFamily="18" charset="0"/>
+              <a:cs typeface="Times New Roman" panose="02020603050405020304" pitchFamily="18" charset="0"/>
+            </a:endParaRPr>
+          </a:p>
+          <a:p>
+            <a:pPr marL="0" indent="0" algn="just">
+              <a:buNone/>
+            </a:pPr>
+            <a:r>
+              <a:rPr lang="pt-BR" sz="2400">
+                <a:solidFill>
+                  <a:schemeClr val="tx1"/>
+                </a:solidFill>
+                <a:latin typeface="Times New Roman" panose="02020603050405020304" pitchFamily="18" charset="0"/>
+                <a:cs typeface="Times New Roman" panose="02020603050405020304" pitchFamily="18" charset="0"/>
+                <a:hlinkClick r:id="rId3"/>
+              </a:rPr>
+              <a:t>https://bityli.com/MsqHEeU</a:t>
+            </a:r>
+            <a:endParaRPr lang="pt-BR" sz="2400" dirty="0">
+              <a:solidFill>
+                <a:schemeClr val="tx1"/>
+              </a:solidFill>
+              <a:latin typeface="Times New Roman" panose="02020603050405020304" pitchFamily="18" charset="0"/>
+              <a:cs typeface="Times New Roman" panose="02020603050405020304" pitchFamily="18" charset="0"/>
+            </a:endParaRPr>
+          </a:p>
+        </p:txBody>
+      </p:sp>
+    </p:spTree>
+    <p:extLst>
+      <p:ext uri="{BB962C8B-B14F-4D97-AF65-F5344CB8AC3E}">
+        <p14:creationId xmlns:p14="http://schemas.microsoft.com/office/powerpoint/2010/main" val="3099712061"/>
+      </p:ext>
+    </p:extLst>
+  </p:cSld>
+  <p:clrMapOvr>
+    <a:masterClrMapping/>
+  </p:clrMapOvr>
+  <p:transition spd="med"/>
+</p:sld>
+</file>
+
+<file path=ppt/slides/slide12.xml><?xml version="1.0" encoding="utf-8"?>
+<p:sld xmlns:a="http://schemas.openxmlformats.org/drawingml/2006/main" xmlns:r="http://schemas.openxmlformats.org/officeDocument/2006/relationships" xmlns:p="http://schemas.openxmlformats.org/presentationml/2006/main">
+  <p:cSld>
+    <p:spTree>
+      <p:nvGrpSpPr>
+        <p:cNvPr id="1" name=""/>
+        <p:cNvGrpSpPr/>
+        <p:nvPr/>
+      </p:nvGrpSpPr>
+      <p:grpSpPr>
+        <a:xfrm>
+          <a:off x="0" y="0"/>
+          <a:ext cx="0" cy="0"/>
+          <a:chOff x="0" y="0"/>
+          <a:chExt cx="0" cy="0"/>
+        </a:xfrm>
+      </p:grpSpPr>
+      <p:sp>
+        <p:nvSpPr>
+          <p:cNvPr id="6" name="Title 1"/>
+          <p:cNvSpPr>
+            <a:spLocks noGrp="1"/>
+          </p:cNvSpPr>
+          <p:nvPr>
+            <p:ph type="title"/>
+          </p:nvPr>
+        </p:nvSpPr>
+        <p:spPr>
+          <a:xfrm>
+            <a:off x="457200" y="205980"/>
+            <a:ext cx="8229600" cy="857251"/>
+          </a:xfrm>
+        </p:spPr>
+        <p:txBody>
+          <a:bodyPr>
+            <a:normAutofit/>
+          </a:bodyPr>
+          <a:lstStyle/>
+          <a:p>
+            <a:r>
+              <a:rPr lang="en-US" b="1" dirty="0" err="1">
+                <a:solidFill>
+                  <a:srgbClr val="0070C0"/>
+                </a:solidFill>
+              </a:rPr>
+              <a:t>Linguagens</a:t>
+            </a:r>
+            <a:r>
+              <a:rPr lang="en-US" b="1" dirty="0">
+                <a:solidFill>
+                  <a:srgbClr val="0070C0"/>
+                </a:solidFill>
+              </a:rPr>
+              <a:t> de </a:t>
+            </a:r>
+            <a:r>
+              <a:rPr lang="en-US" b="1" dirty="0" err="1">
+                <a:solidFill>
+                  <a:srgbClr val="0070C0"/>
+                </a:solidFill>
+              </a:rPr>
+              <a:t>Programação</a:t>
+            </a:r>
+            <a:endParaRPr lang="en-US" b="1" dirty="0">
+              <a:solidFill>
+                <a:srgbClr val="0070C0"/>
+              </a:solidFill>
+            </a:endParaRPr>
+          </a:p>
+        </p:txBody>
+      </p:sp>
+      <p:sp>
+        <p:nvSpPr>
+          <p:cNvPr id="8" name="Text Placeholder 2"/>
+          <p:cNvSpPr>
+            <a:spLocks noGrp="1"/>
+          </p:cNvSpPr>
+          <p:nvPr>
+            <p:ph type="body" sz="half" idx="1"/>
+          </p:nvPr>
+        </p:nvSpPr>
+        <p:spPr>
+          <a:xfrm>
+            <a:off x="142865" y="1200151"/>
+            <a:ext cx="8865056" cy="3872890"/>
+          </a:xfrm>
+        </p:spPr>
+        <p:txBody>
+          <a:bodyPr>
+            <a:noAutofit/>
+          </a:bodyPr>
+          <a:lstStyle/>
+          <a:p>
+            <a:pPr marL="0" indent="0" algn="just">
+              <a:buNone/>
+            </a:pPr>
+            <a:r>
+              <a:rPr lang="pt-BR" sz="2000" b="1" dirty="0">
+                <a:solidFill>
+                  <a:schemeClr val="tx1"/>
+                </a:solidFill>
+                <a:latin typeface="Times New Roman" panose="02020603050405020304" pitchFamily="18" charset="0"/>
+                <a:cs typeface="Times New Roman" panose="02020603050405020304" pitchFamily="18" charset="0"/>
+              </a:rPr>
+              <a:t>Tabela de símbolos</a:t>
+            </a:r>
+          </a:p>
+          <a:p>
+            <a:pPr marL="0" indent="0" algn="just">
+              <a:buNone/>
+            </a:pPr>
+            <a:r>
+              <a:rPr lang="pt-BR" sz="2000" dirty="0">
+                <a:solidFill>
+                  <a:schemeClr val="tx1"/>
+                </a:solidFill>
+                <a:latin typeface="Times New Roman" panose="02020603050405020304" pitchFamily="18" charset="0"/>
+                <a:cs typeface="Times New Roman" panose="02020603050405020304" pitchFamily="18" charset="0"/>
+              </a:rPr>
+              <a:t>Um caractere é um símbolo tipográfico usado para escrever texto em alguma língua: ASCII, Unicode, UTF-8, UTF-16</a:t>
+            </a:r>
+          </a:p>
+          <a:p>
+            <a:pPr algn="just">
+              <a:buFont typeface="Wingdings" panose="05000000000000000000" pitchFamily="2" charset="2"/>
+              <a:buChar char="§"/>
+            </a:pPr>
+            <a:r>
+              <a:rPr lang="pt-BR" sz="2000" dirty="0">
+                <a:solidFill>
+                  <a:schemeClr val="tx1"/>
+                </a:solidFill>
+                <a:latin typeface="Times New Roman" panose="02020603050405020304" pitchFamily="18" charset="0"/>
+                <a:cs typeface="Times New Roman" panose="02020603050405020304" pitchFamily="18" charset="0"/>
+              </a:rPr>
+              <a:t>Tabela Verdade</a:t>
+            </a:r>
+          </a:p>
+          <a:p>
+            <a:pPr algn="just">
+              <a:buFont typeface="Wingdings" panose="05000000000000000000" pitchFamily="2" charset="2"/>
+              <a:buChar char="§"/>
+            </a:pPr>
+            <a:r>
+              <a:rPr lang="pt-BR" sz="2000" dirty="0">
+                <a:solidFill>
+                  <a:schemeClr val="tx1"/>
+                </a:solidFill>
+                <a:latin typeface="Times New Roman" panose="02020603050405020304" pitchFamily="18" charset="0"/>
+                <a:cs typeface="Times New Roman" panose="02020603050405020304" pitchFamily="18" charset="0"/>
+              </a:rPr>
+              <a:t>Operadores de Atribuição</a:t>
+            </a:r>
+          </a:p>
+          <a:p>
+            <a:pPr algn="just">
+              <a:buFont typeface="Wingdings" panose="05000000000000000000" pitchFamily="2" charset="2"/>
+              <a:buChar char="§"/>
+            </a:pPr>
+            <a:r>
+              <a:rPr lang="pt-BR" sz="2000" dirty="0">
+                <a:solidFill>
+                  <a:schemeClr val="tx1"/>
+                </a:solidFill>
+                <a:latin typeface="Times New Roman" panose="02020603050405020304" pitchFamily="18" charset="0"/>
+                <a:cs typeface="Times New Roman" panose="02020603050405020304" pitchFamily="18" charset="0"/>
+              </a:rPr>
+              <a:t>Operadores Aritméticos</a:t>
+            </a:r>
+          </a:p>
+          <a:p>
+            <a:pPr algn="just">
+              <a:buFont typeface="Wingdings" panose="05000000000000000000" pitchFamily="2" charset="2"/>
+              <a:buChar char="§"/>
+            </a:pPr>
+            <a:r>
+              <a:rPr lang="pt-BR" sz="2000" dirty="0">
+                <a:solidFill>
+                  <a:schemeClr val="tx1"/>
+                </a:solidFill>
+                <a:latin typeface="Times New Roman" panose="02020603050405020304" pitchFamily="18" charset="0"/>
+                <a:cs typeface="Times New Roman" panose="02020603050405020304" pitchFamily="18" charset="0"/>
+              </a:rPr>
+              <a:t>Operadores Relacionais</a:t>
+            </a:r>
+          </a:p>
+          <a:p>
+            <a:pPr algn="just">
+              <a:buFont typeface="Wingdings" panose="05000000000000000000" pitchFamily="2" charset="2"/>
+              <a:buChar char="§"/>
+            </a:pPr>
+            <a:r>
+              <a:rPr lang="pt-BR" sz="2000" dirty="0">
+                <a:solidFill>
+                  <a:schemeClr val="tx1"/>
+                </a:solidFill>
+                <a:latin typeface="Times New Roman" panose="02020603050405020304" pitchFamily="18" charset="0"/>
+                <a:cs typeface="Times New Roman" panose="02020603050405020304" pitchFamily="18" charset="0"/>
+              </a:rPr>
+              <a:t>Operadores Lógicos</a:t>
+            </a:r>
+          </a:p>
+          <a:p>
+            <a:pPr algn="just">
+              <a:buFont typeface="Wingdings" panose="05000000000000000000" pitchFamily="2" charset="2"/>
+              <a:buChar char="§"/>
+            </a:pPr>
+            <a:r>
+              <a:rPr lang="pt-BR" sz="2000" dirty="0">
+                <a:solidFill>
+                  <a:schemeClr val="tx1"/>
+                </a:solidFill>
+                <a:latin typeface="Times New Roman" panose="02020603050405020304" pitchFamily="18" charset="0"/>
+                <a:cs typeface="Times New Roman" panose="02020603050405020304" pitchFamily="18" charset="0"/>
+              </a:rPr>
+              <a:t>Operadores Identidade</a:t>
+            </a:r>
+          </a:p>
+          <a:p>
+            <a:pPr algn="just">
+              <a:buFont typeface="Wingdings" panose="05000000000000000000" pitchFamily="2" charset="2"/>
+              <a:buChar char="§"/>
+            </a:pPr>
+            <a:r>
+              <a:rPr lang="pt-BR" sz="2000" dirty="0">
+                <a:solidFill>
+                  <a:schemeClr val="tx1"/>
+                </a:solidFill>
+                <a:latin typeface="Times New Roman" panose="02020603050405020304" pitchFamily="18" charset="0"/>
+                <a:cs typeface="Times New Roman" panose="02020603050405020304" pitchFamily="18" charset="0"/>
+              </a:rPr>
+              <a:t>Operadores Associação</a:t>
+            </a:r>
+          </a:p>
+          <a:p>
+            <a:pPr marL="0" indent="0" algn="just">
+              <a:buNone/>
+            </a:pPr>
+            <a:endParaRPr lang="pt-BR" sz="2000" dirty="0">
+              <a:solidFill>
+                <a:schemeClr val="tx1"/>
+              </a:solidFill>
+              <a:latin typeface="Times New Roman" panose="02020603050405020304" pitchFamily="18" charset="0"/>
+              <a:cs typeface="Times New Roman" panose="02020603050405020304" pitchFamily="18" charset="0"/>
+            </a:endParaRPr>
+          </a:p>
+        </p:txBody>
+      </p:sp>
+    </p:spTree>
+    <p:extLst>
+      <p:ext uri="{BB962C8B-B14F-4D97-AF65-F5344CB8AC3E}">
+        <p14:creationId xmlns:p14="http://schemas.microsoft.com/office/powerpoint/2010/main" val="530239906"/>
+      </p:ext>
+    </p:extLst>
+  </p:cSld>
+  <p:clrMapOvr>
+    <a:masterClrMapping/>
+  </p:clrMapOvr>
+  <p:transition spd="med"/>
+</p:sld>
+</file>
+
+<file path=ppt/slides/slide13.xml><?xml version="1.0" encoding="utf-8"?>
+<p:sld xmlns:a="http://schemas.openxmlformats.org/drawingml/2006/main" xmlns:r="http://schemas.openxmlformats.org/officeDocument/2006/relationships" xmlns:p="http://schemas.openxmlformats.org/presentationml/2006/main">
+  <p:cSld>
+    <p:spTree>
+      <p:nvGrpSpPr>
+        <p:cNvPr id="1" name=""/>
+        <p:cNvGrpSpPr/>
+        <p:nvPr/>
+      </p:nvGrpSpPr>
+      <p:grpSpPr>
+        <a:xfrm>
+          <a:off x="0" y="0"/>
+          <a:ext cx="0" cy="0"/>
+          <a:chOff x="0" y="0"/>
+          <a:chExt cx="0" cy="0"/>
+        </a:xfrm>
+      </p:grpSpPr>
+      <p:sp>
+        <p:nvSpPr>
+          <p:cNvPr id="6" name="Title 1"/>
+          <p:cNvSpPr>
+            <a:spLocks noGrp="1"/>
+          </p:cNvSpPr>
+          <p:nvPr>
+            <p:ph type="title"/>
+          </p:nvPr>
+        </p:nvSpPr>
+        <p:spPr>
+          <a:xfrm>
+            <a:off x="457200" y="205980"/>
+            <a:ext cx="8229600" cy="857251"/>
+          </a:xfrm>
+        </p:spPr>
+        <p:txBody>
+          <a:bodyPr>
+            <a:normAutofit/>
+          </a:bodyPr>
+          <a:lstStyle/>
+          <a:p>
+            <a:r>
+              <a:rPr lang="en-US" b="1" dirty="0" err="1">
+                <a:solidFill>
+                  <a:srgbClr val="0070C0"/>
+                </a:solidFill>
+              </a:rPr>
+              <a:t>Linguagens</a:t>
+            </a:r>
+            <a:r>
+              <a:rPr lang="en-US" b="1" dirty="0">
+                <a:solidFill>
+                  <a:srgbClr val="0070C0"/>
+                </a:solidFill>
+              </a:rPr>
+              <a:t> de </a:t>
+            </a:r>
+            <a:r>
+              <a:rPr lang="en-US" b="1" dirty="0" err="1">
+                <a:solidFill>
+                  <a:srgbClr val="0070C0"/>
+                </a:solidFill>
+              </a:rPr>
+              <a:t>Programação</a:t>
+            </a:r>
+            <a:endParaRPr lang="en-US" b="1" dirty="0">
+              <a:solidFill>
+                <a:srgbClr val="0070C0"/>
+              </a:solidFill>
+            </a:endParaRPr>
+          </a:p>
+        </p:txBody>
+      </p:sp>
+      <p:sp>
+        <p:nvSpPr>
+          <p:cNvPr id="8" name="Text Placeholder 2"/>
+          <p:cNvSpPr>
+            <a:spLocks noGrp="1"/>
+          </p:cNvSpPr>
+          <p:nvPr>
+            <p:ph type="body" sz="half" idx="1"/>
+          </p:nvPr>
+        </p:nvSpPr>
+        <p:spPr>
+          <a:xfrm>
+            <a:off x="142865" y="1200151"/>
+            <a:ext cx="8865056" cy="3872890"/>
+          </a:xfrm>
+        </p:spPr>
+        <p:txBody>
+          <a:bodyPr>
+            <a:noAutofit/>
+          </a:bodyPr>
+          <a:lstStyle/>
+          <a:p>
+            <a:pPr marL="0" indent="0" algn="just">
+              <a:buNone/>
+            </a:pPr>
+            <a:r>
+              <a:rPr lang="pt-BR" sz="2400" b="1" dirty="0">
+                <a:solidFill>
+                  <a:schemeClr val="tx1"/>
+                </a:solidFill>
+                <a:latin typeface="Times New Roman" panose="02020603050405020304" pitchFamily="18" charset="0"/>
+                <a:cs typeface="Times New Roman" panose="02020603050405020304" pitchFamily="18" charset="0"/>
+              </a:rPr>
+              <a:t>Atendimento de Erros</a:t>
+            </a:r>
+          </a:p>
+          <a:p>
+            <a:pPr marL="0" indent="0" algn="just">
+              <a:buNone/>
+            </a:pPr>
+            <a:endParaRPr lang="pt-BR" sz="2400" dirty="0">
+              <a:solidFill>
+                <a:schemeClr val="tx1"/>
+              </a:solidFill>
+              <a:latin typeface="Times New Roman" panose="02020603050405020304" pitchFamily="18" charset="0"/>
+              <a:cs typeface="Times New Roman" panose="02020603050405020304" pitchFamily="18" charset="0"/>
+            </a:endParaRPr>
+          </a:p>
+          <a:p>
+            <a:pPr marL="0" indent="0" algn="just">
+              <a:buNone/>
+            </a:pPr>
+            <a:r>
+              <a:rPr lang="pt-BR" sz="2400" dirty="0">
+                <a:solidFill>
+                  <a:schemeClr val="tx1"/>
+                </a:solidFill>
+                <a:latin typeface="Times New Roman" panose="02020603050405020304" pitchFamily="18" charset="0"/>
+                <a:cs typeface="Times New Roman" panose="02020603050405020304" pitchFamily="18" charset="0"/>
+              </a:rPr>
+              <a:t>Bloco </a:t>
+            </a:r>
+          </a:p>
+          <a:p>
+            <a:pPr marL="0" indent="0" algn="just">
+              <a:buNone/>
+            </a:pPr>
+            <a:endParaRPr lang="pt-BR" sz="2400" dirty="0">
+              <a:solidFill>
+                <a:schemeClr val="tx1"/>
+              </a:solidFill>
+              <a:latin typeface="Times New Roman" panose="02020603050405020304" pitchFamily="18" charset="0"/>
+              <a:cs typeface="Times New Roman" panose="02020603050405020304" pitchFamily="18" charset="0"/>
+            </a:endParaRPr>
+          </a:p>
+          <a:p>
+            <a:pPr marL="0" indent="0" algn="just">
+              <a:buNone/>
+            </a:pPr>
+            <a:r>
+              <a:rPr lang="pt-BR" sz="2400" dirty="0">
+                <a:solidFill>
+                  <a:schemeClr val="tx1"/>
+                </a:solidFill>
+                <a:latin typeface="Times New Roman" panose="02020603050405020304" pitchFamily="18" charset="0"/>
+                <a:cs typeface="Times New Roman" panose="02020603050405020304" pitchFamily="18" charset="0"/>
+              </a:rPr>
+              <a:t>		</a:t>
+            </a:r>
+            <a:r>
+              <a:rPr lang="pt-BR" sz="2400" dirty="0" err="1">
+                <a:solidFill>
+                  <a:schemeClr val="tx1"/>
+                </a:solidFill>
+                <a:latin typeface="Times New Roman" panose="02020603050405020304" pitchFamily="18" charset="0"/>
+                <a:cs typeface="Times New Roman" panose="02020603050405020304" pitchFamily="18" charset="0"/>
+              </a:rPr>
+              <a:t>try</a:t>
+            </a:r>
+            <a:r>
+              <a:rPr lang="pt-BR" sz="2400" dirty="0">
+                <a:solidFill>
+                  <a:schemeClr val="tx1"/>
+                </a:solidFill>
+                <a:latin typeface="Times New Roman" panose="02020603050405020304" pitchFamily="18" charset="0"/>
+                <a:cs typeface="Times New Roman" panose="02020603050405020304" pitchFamily="18" charset="0"/>
+              </a:rPr>
+              <a:t> ... </a:t>
+            </a:r>
+            <a:r>
+              <a:rPr lang="pt-BR" sz="2400" dirty="0" err="1">
+                <a:solidFill>
+                  <a:schemeClr val="tx1"/>
+                </a:solidFill>
+                <a:latin typeface="Times New Roman" panose="02020603050405020304" pitchFamily="18" charset="0"/>
+                <a:cs typeface="Times New Roman" panose="02020603050405020304" pitchFamily="18" charset="0"/>
+              </a:rPr>
+              <a:t>except</a:t>
+            </a:r>
+            <a:r>
+              <a:rPr lang="pt-BR" sz="2400" dirty="0">
+                <a:solidFill>
+                  <a:schemeClr val="tx1"/>
+                </a:solidFill>
+                <a:latin typeface="Times New Roman" panose="02020603050405020304" pitchFamily="18" charset="0"/>
+                <a:cs typeface="Times New Roman" panose="02020603050405020304" pitchFamily="18" charset="0"/>
+              </a:rPr>
+              <a:t> ..  </a:t>
+            </a:r>
+            <a:r>
+              <a:rPr lang="pt-BR" sz="2400" dirty="0" err="1">
+                <a:solidFill>
+                  <a:schemeClr val="tx1"/>
+                </a:solidFill>
+                <a:latin typeface="Times New Roman" panose="02020603050405020304" pitchFamily="18" charset="0"/>
+                <a:cs typeface="Times New Roman" panose="02020603050405020304" pitchFamily="18" charset="0"/>
+              </a:rPr>
+              <a:t>finally</a:t>
+            </a:r>
+            <a:endParaRPr lang="pt-BR" sz="2400" dirty="0">
+              <a:solidFill>
+                <a:schemeClr val="tx1"/>
+              </a:solidFill>
+              <a:latin typeface="Times New Roman" panose="02020603050405020304" pitchFamily="18" charset="0"/>
+              <a:cs typeface="Times New Roman" panose="02020603050405020304" pitchFamily="18" charset="0"/>
+            </a:endParaRPr>
+          </a:p>
+          <a:p>
+            <a:pPr marL="0" indent="0" algn="just">
+              <a:buNone/>
+            </a:pPr>
+            <a:endParaRPr lang="pt-BR" sz="2400" dirty="0">
+              <a:solidFill>
+                <a:schemeClr val="tx1"/>
+              </a:solidFill>
+              <a:latin typeface="Times New Roman" panose="02020603050405020304" pitchFamily="18" charset="0"/>
+              <a:cs typeface="Times New Roman" panose="02020603050405020304" pitchFamily="18" charset="0"/>
+            </a:endParaRPr>
+          </a:p>
+          <a:p>
+            <a:pPr marL="0" indent="0" algn="just">
+              <a:buNone/>
+            </a:pPr>
+            <a:r>
+              <a:rPr lang="pt-BR" sz="2400" dirty="0">
+                <a:solidFill>
+                  <a:schemeClr val="tx1"/>
+                </a:solidFill>
+                <a:latin typeface="Times New Roman" panose="02020603050405020304" pitchFamily="18" charset="0"/>
+                <a:cs typeface="Times New Roman" panose="02020603050405020304" pitchFamily="18" charset="0"/>
+              </a:rPr>
+              <a:t>		</a:t>
+            </a:r>
+            <a:r>
+              <a:rPr lang="pt-BR" sz="2400" dirty="0" err="1">
+                <a:solidFill>
+                  <a:schemeClr val="tx1"/>
+                </a:solidFill>
+                <a:latin typeface="Times New Roman" panose="02020603050405020304" pitchFamily="18" charset="0"/>
+                <a:cs typeface="Times New Roman" panose="02020603050405020304" pitchFamily="18" charset="0"/>
+              </a:rPr>
+              <a:t>throw</a:t>
+            </a:r>
+            <a:endParaRPr lang="pt-BR" sz="2400" dirty="0">
+              <a:solidFill>
+                <a:schemeClr val="tx1"/>
+              </a:solidFill>
+              <a:latin typeface="Times New Roman" panose="02020603050405020304" pitchFamily="18" charset="0"/>
+              <a:cs typeface="Times New Roman" panose="02020603050405020304" pitchFamily="18" charset="0"/>
+            </a:endParaRPr>
+          </a:p>
+        </p:txBody>
+      </p:sp>
+    </p:spTree>
+    <p:extLst>
+      <p:ext uri="{BB962C8B-B14F-4D97-AF65-F5344CB8AC3E}">
+        <p14:creationId xmlns:p14="http://schemas.microsoft.com/office/powerpoint/2010/main" val="3519699682"/>
+      </p:ext>
+    </p:extLst>
+  </p:cSld>
+  <p:clrMapOvr>
+    <a:masterClrMapping/>
+  </p:clrMapOvr>
+  <p:transition spd="med"/>
+</p:sld>
+</file>
+
+<file path=ppt/slides/slide14.xml><?xml version="1.0" encoding="utf-8"?>
+<p:sld xmlns:a="http://schemas.openxmlformats.org/drawingml/2006/main" xmlns:r="http://schemas.openxmlformats.org/officeDocument/2006/relationships" xmlns:p="http://schemas.openxmlformats.org/presentationml/2006/main">
+  <p:cSld>
+    <p:spTree>
+      <p:nvGrpSpPr>
+        <p:cNvPr id="1" name=""/>
+        <p:cNvGrpSpPr/>
+        <p:nvPr/>
+      </p:nvGrpSpPr>
+      <p:grpSpPr>
+        <a:xfrm>
+          <a:off x="0" y="0"/>
+          <a:ext cx="0" cy="0"/>
+          <a:chOff x="0" y="0"/>
+          <a:chExt cx="0" cy="0"/>
+        </a:xfrm>
+      </p:grpSpPr>
+      <p:sp>
+        <p:nvSpPr>
+          <p:cNvPr id="6" name="Title 1"/>
+          <p:cNvSpPr>
+            <a:spLocks noGrp="1"/>
+          </p:cNvSpPr>
+          <p:nvPr>
+            <p:ph type="title"/>
+          </p:nvPr>
+        </p:nvSpPr>
+        <p:spPr>
+          <a:xfrm>
+            <a:off x="457200" y="205980"/>
+            <a:ext cx="8229600" cy="857251"/>
+          </a:xfrm>
+        </p:spPr>
+        <p:txBody>
+          <a:bodyPr>
+            <a:normAutofit fontScale="90000"/>
+          </a:bodyPr>
+          <a:lstStyle/>
+          <a:p>
+            <a:r>
+              <a:rPr lang="en-US" b="1" dirty="0" err="1">
+                <a:solidFill>
+                  <a:srgbClr val="0070C0"/>
+                </a:solidFill>
+              </a:rPr>
+              <a:t>Linguagens</a:t>
+            </a:r>
+            <a:r>
+              <a:rPr lang="en-US" b="1" dirty="0">
+                <a:solidFill>
+                  <a:srgbClr val="0070C0"/>
+                </a:solidFill>
+              </a:rPr>
+              <a:t> de </a:t>
+            </a:r>
+            <a:r>
+              <a:rPr lang="en-US" b="1" dirty="0" err="1">
+                <a:solidFill>
+                  <a:srgbClr val="0070C0"/>
+                </a:solidFill>
+              </a:rPr>
+              <a:t>Programação</a:t>
+            </a:r>
+            <a:r>
+              <a:rPr lang="en-US" b="1" dirty="0">
+                <a:solidFill>
+                  <a:srgbClr val="0070C0"/>
+                </a:solidFill>
+              </a:rPr>
+              <a:t> - </a:t>
+            </a:r>
+            <a:r>
+              <a:rPr lang="en-US" b="1" dirty="0" err="1">
+                <a:solidFill>
+                  <a:srgbClr val="0070C0"/>
+                </a:solidFill>
+              </a:rPr>
+              <a:t>Modelo</a:t>
+            </a:r>
+            <a:endParaRPr lang="en-US" b="1" dirty="0">
+              <a:solidFill>
+                <a:srgbClr val="0070C0"/>
+              </a:solidFill>
+            </a:endParaRPr>
+          </a:p>
+        </p:txBody>
+      </p:sp>
+      <p:sp>
+        <p:nvSpPr>
+          <p:cNvPr id="8" name="Text Placeholder 2"/>
+          <p:cNvSpPr>
+            <a:spLocks noGrp="1"/>
+          </p:cNvSpPr>
+          <p:nvPr>
+            <p:ph type="body" sz="half" idx="1"/>
+          </p:nvPr>
+        </p:nvSpPr>
+        <p:spPr>
+          <a:xfrm>
+            <a:off x="142865" y="1200151"/>
+            <a:ext cx="8865056" cy="3872890"/>
+          </a:xfrm>
+        </p:spPr>
+        <p:txBody>
+          <a:bodyPr>
+            <a:noAutofit/>
+          </a:bodyPr>
+          <a:lstStyle/>
+          <a:p>
+            <a:pPr marL="0" indent="0" algn="just">
+              <a:buNone/>
+            </a:pPr>
+            <a:endParaRPr lang="pt-BR" dirty="0">
+              <a:solidFill>
+                <a:schemeClr val="tx1"/>
+              </a:solidFill>
+              <a:latin typeface="Times New Roman" panose="02020603050405020304" pitchFamily="18" charset="0"/>
+              <a:cs typeface="Times New Roman" panose="02020603050405020304" pitchFamily="18" charset="0"/>
+            </a:endParaRPr>
+          </a:p>
+        </p:txBody>
+      </p:sp>
+      <p:pic>
+        <p:nvPicPr>
+          <p:cNvPr id="3" name="Imagem 2" descr="Diagrama&#10;&#10;Descrição gerada automaticamente">
+            <a:extLst>
+              <a:ext uri="{FF2B5EF4-FFF2-40B4-BE49-F238E27FC236}">
+                <a16:creationId xmlns:a16="http://schemas.microsoft.com/office/drawing/2014/main" id="{C2FE8049-C52E-0506-59E5-9194571C85FE}"/>
+              </a:ext>
+            </a:extLst>
+          </p:cNvPr>
+          <p:cNvPicPr>
+            <a:picLocks noChangeAspect="1"/>
+          </p:cNvPicPr>
+          <p:nvPr/>
+        </p:nvPicPr>
+        <p:blipFill>
+          <a:blip r:embed="rId3">
+            <a:extLst>
+              <a:ext uri="{28A0092B-C50C-407E-A947-70E740481C1C}">
+                <a14:useLocalDpi xmlns:a14="http://schemas.microsoft.com/office/drawing/2010/main" val="0"/>
+              </a:ext>
+            </a:extLst>
+          </a:blip>
+          <a:stretch>
+            <a:fillRect/>
+          </a:stretch>
+        </p:blipFill>
+        <p:spPr>
+          <a:xfrm>
+            <a:off x="284532" y="1200151"/>
+            <a:ext cx="6322329" cy="3880714"/>
+          </a:xfrm>
+          <a:prstGeom prst="rect">
+            <a:avLst/>
+          </a:prstGeom>
+        </p:spPr>
+      </p:pic>
+    </p:spTree>
+    <p:extLst>
+      <p:ext uri="{BB962C8B-B14F-4D97-AF65-F5344CB8AC3E}">
+        <p14:creationId xmlns:p14="http://schemas.microsoft.com/office/powerpoint/2010/main" val="1774506466"/>
+      </p:ext>
+    </p:extLst>
+  </p:cSld>
+  <p:clrMapOvr>
+    <a:masterClrMapping/>
+  </p:clrMapOvr>
+  <p:transition spd="med"/>
+</p:sld>
+</file>
+
+<file path=ppt/slides/slide15.xml><?xml version="1.0" encoding="utf-8"?>
+<p:sld xmlns:a="http://schemas.openxmlformats.org/drawingml/2006/main" xmlns:r="http://schemas.openxmlformats.org/officeDocument/2006/relationships" xmlns:p="http://schemas.openxmlformats.org/presentationml/2006/main">
+  <p:cSld>
+    <p:spTree>
+      <p:nvGrpSpPr>
+        <p:cNvPr id="1" name=""/>
+        <p:cNvGrpSpPr/>
+        <p:nvPr/>
+      </p:nvGrpSpPr>
+      <p:grpSpPr>
+        <a:xfrm>
+          <a:off x="0" y="0"/>
+          <a:ext cx="0" cy="0"/>
+          <a:chOff x="0" y="0"/>
+          <a:chExt cx="0" cy="0"/>
+        </a:xfrm>
+      </p:grpSpPr>
+      <p:sp>
+        <p:nvSpPr>
+          <p:cNvPr id="6" name="Title 1"/>
+          <p:cNvSpPr>
+            <a:spLocks noGrp="1"/>
+          </p:cNvSpPr>
+          <p:nvPr>
+            <p:ph type="title"/>
+          </p:nvPr>
+        </p:nvSpPr>
+        <p:spPr>
+          <a:xfrm>
+            <a:off x="457200" y="205980"/>
+            <a:ext cx="8229600" cy="857251"/>
+          </a:xfrm>
+        </p:spPr>
+        <p:txBody>
+          <a:bodyPr>
+            <a:normAutofit/>
+          </a:bodyPr>
+          <a:lstStyle/>
+          <a:p>
+            <a:r>
+              <a:rPr lang="en-US" b="1" dirty="0" err="1">
+                <a:solidFill>
+                  <a:srgbClr val="0070C0"/>
+                </a:solidFill>
+              </a:rPr>
+              <a:t>Linguagens</a:t>
+            </a:r>
+            <a:r>
+              <a:rPr lang="en-US" b="1" dirty="0">
+                <a:solidFill>
+                  <a:srgbClr val="0070C0"/>
+                </a:solidFill>
+              </a:rPr>
+              <a:t> de </a:t>
+            </a:r>
+            <a:r>
+              <a:rPr lang="en-US" b="1" dirty="0" err="1">
+                <a:solidFill>
+                  <a:srgbClr val="0070C0"/>
+                </a:solidFill>
+              </a:rPr>
+              <a:t>Programação</a:t>
+            </a:r>
+            <a:endParaRPr lang="en-US" b="1" dirty="0">
+              <a:solidFill>
+                <a:srgbClr val="0070C0"/>
+              </a:solidFill>
+            </a:endParaRPr>
+          </a:p>
+        </p:txBody>
+      </p:sp>
+      <p:sp>
+        <p:nvSpPr>
+          <p:cNvPr id="8" name="Text Placeholder 2"/>
+          <p:cNvSpPr>
+            <a:spLocks noGrp="1"/>
+          </p:cNvSpPr>
+          <p:nvPr>
+            <p:ph type="body" sz="half" idx="1"/>
+          </p:nvPr>
+        </p:nvSpPr>
+        <p:spPr>
+          <a:xfrm>
+            <a:off x="142865" y="1200151"/>
+            <a:ext cx="8865056" cy="3872890"/>
+          </a:xfrm>
+        </p:spPr>
+        <p:txBody>
+          <a:bodyPr>
+            <a:noAutofit/>
+          </a:bodyPr>
+          <a:lstStyle/>
+          <a:p>
+            <a:pPr marL="0" indent="0" algn="just">
+              <a:buNone/>
+            </a:pPr>
+            <a:r>
+              <a:rPr lang="pt-BR" sz="2400" b="1" dirty="0">
+                <a:solidFill>
+                  <a:schemeClr val="tx1"/>
+                </a:solidFill>
+                <a:latin typeface="Times New Roman" panose="02020603050405020304" pitchFamily="18" charset="0"/>
+                <a:cs typeface="Times New Roman" panose="02020603050405020304" pitchFamily="18" charset="0"/>
+              </a:rPr>
+              <a:t>Ferramentas para Construção de Compiladores</a:t>
+            </a:r>
+          </a:p>
+          <a:p>
+            <a:pPr marL="0" indent="0" algn="just">
+              <a:buNone/>
+            </a:pPr>
+            <a:endParaRPr lang="pt-BR" sz="2400" dirty="0">
+              <a:solidFill>
+                <a:schemeClr val="tx1"/>
+              </a:solidFill>
+              <a:latin typeface="Times New Roman" panose="02020603050405020304" pitchFamily="18" charset="0"/>
+              <a:cs typeface="Times New Roman" panose="02020603050405020304" pitchFamily="18" charset="0"/>
+            </a:endParaRPr>
+          </a:p>
+          <a:p>
+            <a:pPr marL="0" indent="0" algn="just">
+              <a:buNone/>
+            </a:pPr>
+            <a:r>
+              <a:rPr lang="pt-BR" sz="2400" b="1" dirty="0">
+                <a:solidFill>
+                  <a:srgbClr val="FF0000"/>
+                </a:solidFill>
+                <a:latin typeface="Times New Roman" panose="02020603050405020304" pitchFamily="18" charset="0"/>
+                <a:cs typeface="Times New Roman" panose="02020603050405020304" pitchFamily="18" charset="0"/>
+              </a:rPr>
+              <a:t>Gerador de Parser</a:t>
+            </a:r>
+            <a:endParaRPr lang="pt-BR" sz="2400" dirty="0">
+              <a:solidFill>
+                <a:schemeClr val="tx1"/>
+              </a:solidFill>
+              <a:latin typeface="Times New Roman" panose="02020603050405020304" pitchFamily="18" charset="0"/>
+              <a:cs typeface="Times New Roman" panose="02020603050405020304" pitchFamily="18" charset="0"/>
+            </a:endParaRPr>
+          </a:p>
+          <a:p>
+            <a:pPr marL="0" indent="0" algn="just">
+              <a:buNone/>
+            </a:pPr>
+            <a:r>
+              <a:rPr lang="pt-BR" sz="2400" dirty="0">
+                <a:solidFill>
+                  <a:schemeClr val="tx1"/>
+                </a:solidFill>
+                <a:latin typeface="Times New Roman" panose="02020603050405020304" pitchFamily="18" charset="0"/>
+                <a:cs typeface="Times New Roman" panose="02020603050405020304" pitchFamily="18" charset="0"/>
+              </a:rPr>
+              <a:t>	Produz analisadores de sintaxe (parsers) a partir da entrada que se baseia em uma descrição gramatical da linguagem de programação ou em uma gramática livre de contexto.</a:t>
+            </a:r>
+          </a:p>
+          <a:p>
+            <a:pPr marL="0" indent="0" algn="just">
+              <a:buNone/>
+            </a:pPr>
+            <a:endParaRPr lang="pt-BR" sz="2400" dirty="0">
+              <a:solidFill>
+                <a:schemeClr val="tx1"/>
+              </a:solidFill>
+              <a:latin typeface="Times New Roman" panose="02020603050405020304" pitchFamily="18" charset="0"/>
+              <a:cs typeface="Times New Roman" panose="02020603050405020304" pitchFamily="18" charset="0"/>
+            </a:endParaRPr>
+          </a:p>
+          <a:p>
+            <a:pPr marL="0" indent="0" algn="just">
+              <a:buNone/>
+            </a:pPr>
+            <a:endParaRPr lang="pt-BR" sz="2400" dirty="0">
+              <a:solidFill>
+                <a:schemeClr val="tx1"/>
+              </a:solidFill>
+              <a:latin typeface="Times New Roman" panose="02020603050405020304" pitchFamily="18" charset="0"/>
+              <a:cs typeface="Times New Roman" panose="02020603050405020304" pitchFamily="18" charset="0"/>
+            </a:endParaRPr>
+          </a:p>
+        </p:txBody>
+      </p:sp>
+    </p:spTree>
+    <p:extLst>
+      <p:ext uri="{BB962C8B-B14F-4D97-AF65-F5344CB8AC3E}">
+        <p14:creationId xmlns:p14="http://schemas.microsoft.com/office/powerpoint/2010/main" val="2530861261"/>
+      </p:ext>
+    </p:extLst>
+  </p:cSld>
+  <p:clrMapOvr>
+    <a:masterClrMapping/>
+  </p:clrMapOvr>
+  <p:transition spd="med"/>
+</p:sld>
+</file>
+
+<file path=ppt/slides/slide16.xml><?xml version="1.0" encoding="utf-8"?>
+<p:sld xmlns:a="http://schemas.openxmlformats.org/drawingml/2006/main" xmlns:r="http://schemas.openxmlformats.org/officeDocument/2006/relationships" xmlns:p="http://schemas.openxmlformats.org/presentationml/2006/main">
+  <p:cSld>
+    <p:spTree>
+      <p:nvGrpSpPr>
+        <p:cNvPr id="1" name=""/>
+        <p:cNvGrpSpPr/>
+        <p:nvPr/>
+      </p:nvGrpSpPr>
+      <p:grpSpPr>
+        <a:xfrm>
+          <a:off x="0" y="0"/>
+          <a:ext cx="0" cy="0"/>
+          <a:chOff x="0" y="0"/>
+          <a:chExt cx="0" cy="0"/>
+        </a:xfrm>
+      </p:grpSpPr>
+      <p:sp>
+        <p:nvSpPr>
+          <p:cNvPr id="6" name="Title 1"/>
+          <p:cNvSpPr>
+            <a:spLocks noGrp="1"/>
+          </p:cNvSpPr>
+          <p:nvPr>
+            <p:ph type="title"/>
+          </p:nvPr>
+        </p:nvSpPr>
+        <p:spPr>
+          <a:xfrm>
+            <a:off x="457200" y="205980"/>
+            <a:ext cx="8229600" cy="857251"/>
+          </a:xfrm>
+        </p:spPr>
+        <p:txBody>
+          <a:bodyPr>
+            <a:normAutofit/>
+          </a:bodyPr>
+          <a:lstStyle/>
+          <a:p>
+            <a:r>
+              <a:rPr lang="en-US" b="1" dirty="0" err="1">
+                <a:solidFill>
+                  <a:srgbClr val="0070C0"/>
+                </a:solidFill>
+              </a:rPr>
+              <a:t>Linguagens</a:t>
+            </a:r>
+            <a:r>
+              <a:rPr lang="en-US" b="1" dirty="0">
+                <a:solidFill>
+                  <a:srgbClr val="0070C0"/>
+                </a:solidFill>
+              </a:rPr>
+              <a:t> de </a:t>
+            </a:r>
+            <a:r>
+              <a:rPr lang="en-US" b="1" dirty="0" err="1">
+                <a:solidFill>
+                  <a:srgbClr val="0070C0"/>
+                </a:solidFill>
+              </a:rPr>
+              <a:t>Programação</a:t>
+            </a:r>
+            <a:endParaRPr lang="en-US" b="1" dirty="0">
+              <a:solidFill>
+                <a:srgbClr val="0070C0"/>
+              </a:solidFill>
+            </a:endParaRPr>
+          </a:p>
+        </p:txBody>
+      </p:sp>
+      <p:sp>
+        <p:nvSpPr>
+          <p:cNvPr id="8" name="Text Placeholder 2"/>
+          <p:cNvSpPr>
+            <a:spLocks noGrp="1"/>
+          </p:cNvSpPr>
+          <p:nvPr>
+            <p:ph type="body" sz="half" idx="1"/>
+          </p:nvPr>
+        </p:nvSpPr>
+        <p:spPr>
+          <a:xfrm>
+            <a:off x="142865" y="1200151"/>
+            <a:ext cx="8865056" cy="3872890"/>
+          </a:xfrm>
+        </p:spPr>
+        <p:txBody>
+          <a:bodyPr>
+            <a:noAutofit/>
+          </a:bodyPr>
+          <a:lstStyle/>
+          <a:p>
+            <a:pPr marL="0" indent="0" algn="just">
+              <a:buNone/>
+            </a:pPr>
+            <a:r>
+              <a:rPr lang="pt-BR" sz="2400" b="1" dirty="0">
+                <a:solidFill>
+                  <a:schemeClr val="tx1"/>
+                </a:solidFill>
+                <a:latin typeface="Times New Roman" panose="02020603050405020304" pitchFamily="18" charset="0"/>
+                <a:cs typeface="Times New Roman" panose="02020603050405020304" pitchFamily="18" charset="0"/>
+              </a:rPr>
+              <a:t>Ferramentas para Construção de Compiladores</a:t>
+            </a:r>
+          </a:p>
+          <a:p>
+            <a:pPr marL="0" indent="0" algn="just">
+              <a:buNone/>
+            </a:pPr>
+            <a:endParaRPr lang="pt-BR" sz="2400" dirty="0">
+              <a:solidFill>
+                <a:schemeClr val="tx1"/>
+              </a:solidFill>
+              <a:latin typeface="Times New Roman" panose="02020603050405020304" pitchFamily="18" charset="0"/>
+              <a:cs typeface="Times New Roman" panose="02020603050405020304" pitchFamily="18" charset="0"/>
+            </a:endParaRPr>
+          </a:p>
+          <a:p>
+            <a:pPr marL="0" indent="0" algn="just">
+              <a:buNone/>
+            </a:pPr>
+            <a:r>
+              <a:rPr lang="pt-BR" sz="2400" b="1" dirty="0">
+                <a:solidFill>
+                  <a:srgbClr val="FF0000"/>
+                </a:solidFill>
+                <a:latin typeface="Times New Roman" panose="02020603050405020304" pitchFamily="18" charset="0"/>
+                <a:cs typeface="Times New Roman" panose="02020603050405020304" pitchFamily="18" charset="0"/>
+              </a:rPr>
+              <a:t>Scanner </a:t>
+            </a:r>
+            <a:r>
+              <a:rPr lang="pt-BR" sz="2400" b="1" dirty="0" err="1">
+                <a:solidFill>
+                  <a:srgbClr val="FF0000"/>
+                </a:solidFill>
+                <a:latin typeface="Times New Roman" panose="02020603050405020304" pitchFamily="18" charset="0"/>
+                <a:cs typeface="Times New Roman" panose="02020603050405020304" pitchFamily="18" charset="0"/>
+              </a:rPr>
+              <a:t>Generator</a:t>
+            </a:r>
+            <a:endParaRPr lang="pt-BR" sz="2400" b="1" dirty="0">
+              <a:solidFill>
+                <a:srgbClr val="FF0000"/>
+              </a:solidFill>
+              <a:latin typeface="Times New Roman" panose="02020603050405020304" pitchFamily="18" charset="0"/>
+              <a:cs typeface="Times New Roman" panose="02020603050405020304" pitchFamily="18" charset="0"/>
+            </a:endParaRPr>
+          </a:p>
+          <a:p>
+            <a:pPr marL="0" indent="0" algn="just">
+              <a:buNone/>
+            </a:pPr>
+            <a:r>
+              <a:rPr lang="pt-BR" sz="2400" dirty="0">
+                <a:solidFill>
+                  <a:schemeClr val="tx1"/>
+                </a:solidFill>
+                <a:latin typeface="Times New Roman" panose="02020603050405020304" pitchFamily="18" charset="0"/>
+                <a:cs typeface="Times New Roman" panose="02020603050405020304" pitchFamily="18" charset="0"/>
+              </a:rPr>
+              <a:t>	Gera analisadores lexicais a partir da entrada que consiste na descrição de expressões regulares com base em tokens de uma linguagem.</a:t>
+            </a:r>
+          </a:p>
+          <a:p>
+            <a:pPr marL="0" indent="0" algn="just">
+              <a:buNone/>
+            </a:pPr>
+            <a:endParaRPr lang="pt-BR" sz="2400" dirty="0">
+              <a:solidFill>
+                <a:schemeClr val="tx1"/>
+              </a:solidFill>
+              <a:latin typeface="Times New Roman" panose="02020603050405020304" pitchFamily="18" charset="0"/>
+              <a:cs typeface="Times New Roman" panose="02020603050405020304" pitchFamily="18" charset="0"/>
+            </a:endParaRPr>
+          </a:p>
+          <a:p>
+            <a:pPr marL="0" indent="0" algn="just">
+              <a:buNone/>
+            </a:pPr>
+            <a:r>
+              <a:rPr lang="pt-BR" sz="2400" dirty="0">
+                <a:solidFill>
+                  <a:schemeClr val="tx1"/>
+                </a:solidFill>
+                <a:latin typeface="Times New Roman" panose="02020603050405020304" pitchFamily="18" charset="0"/>
+                <a:cs typeface="Times New Roman" panose="02020603050405020304" pitchFamily="18" charset="0"/>
+                <a:hlinkClick r:id="rId3"/>
+              </a:rPr>
+              <a:t>https://acervolima.com/ferramentas-de-construcao-de-compiladores/</a:t>
+            </a:r>
+            <a:endParaRPr lang="pt-BR" sz="2400" dirty="0">
+              <a:solidFill>
+                <a:schemeClr val="tx1"/>
+              </a:solidFill>
+              <a:latin typeface="Times New Roman" panose="02020603050405020304" pitchFamily="18" charset="0"/>
+              <a:cs typeface="Times New Roman" panose="02020603050405020304" pitchFamily="18" charset="0"/>
+            </a:endParaRPr>
+          </a:p>
+          <a:p>
+            <a:pPr marL="0" indent="0" algn="just">
+              <a:buNone/>
+            </a:pPr>
+            <a:endParaRPr lang="pt-BR" sz="2400" dirty="0">
+              <a:solidFill>
+                <a:schemeClr val="tx1"/>
+              </a:solidFill>
+              <a:latin typeface="Times New Roman" panose="02020603050405020304" pitchFamily="18" charset="0"/>
+              <a:cs typeface="Times New Roman" panose="02020603050405020304" pitchFamily="18" charset="0"/>
+            </a:endParaRPr>
+          </a:p>
+          <a:p>
+            <a:pPr marL="0" indent="0" algn="just">
+              <a:buNone/>
+            </a:pPr>
+            <a:endParaRPr lang="pt-BR" sz="2400" dirty="0">
+              <a:solidFill>
+                <a:schemeClr val="tx1"/>
+              </a:solidFill>
+              <a:latin typeface="Times New Roman" panose="02020603050405020304" pitchFamily="18" charset="0"/>
+              <a:cs typeface="Times New Roman" panose="02020603050405020304" pitchFamily="18" charset="0"/>
+            </a:endParaRPr>
+          </a:p>
+        </p:txBody>
+      </p:sp>
+    </p:spTree>
+    <p:extLst>
+      <p:ext uri="{BB962C8B-B14F-4D97-AF65-F5344CB8AC3E}">
+        <p14:creationId xmlns:p14="http://schemas.microsoft.com/office/powerpoint/2010/main" val="4034849954"/>
+      </p:ext>
+    </p:extLst>
+  </p:cSld>
+  <p:clrMapOvr>
+    <a:masterClrMapping/>
+  </p:clrMapOvr>
+  <p:transition spd="med"/>
+</p:sld>
+</file>
+
+<file path=ppt/slides/slide17.xml><?xml version="1.0" encoding="utf-8"?>
+<p:sld xmlns:a="http://schemas.openxmlformats.org/drawingml/2006/main" xmlns:r="http://schemas.openxmlformats.org/officeDocument/2006/relationships" xmlns:p="http://schemas.openxmlformats.org/presentationml/2006/main">
+  <p:cSld>
+    <p:spTree>
+      <p:nvGrpSpPr>
+        <p:cNvPr id="1" name=""/>
+        <p:cNvGrpSpPr/>
+        <p:nvPr/>
+      </p:nvGrpSpPr>
+      <p:grpSpPr>
+        <a:xfrm>
+          <a:off x="0" y="0"/>
+          <a:ext cx="0" cy="0"/>
+          <a:chOff x="0" y="0"/>
+          <a:chExt cx="0" cy="0"/>
+        </a:xfrm>
+      </p:grpSpPr>
+      <p:sp>
+        <p:nvSpPr>
+          <p:cNvPr id="6" name="Title 1"/>
+          <p:cNvSpPr>
+            <a:spLocks noGrp="1"/>
+          </p:cNvSpPr>
+          <p:nvPr>
+            <p:ph type="title"/>
+          </p:nvPr>
+        </p:nvSpPr>
+        <p:spPr>
+          <a:xfrm>
+            <a:off x="457200" y="205980"/>
+            <a:ext cx="8229600" cy="857251"/>
+          </a:xfrm>
+        </p:spPr>
+        <p:txBody>
+          <a:bodyPr>
+            <a:normAutofit/>
+          </a:bodyPr>
+          <a:lstStyle/>
+          <a:p>
+            <a:r>
+              <a:rPr lang="en-US" b="1" dirty="0" err="1">
+                <a:solidFill>
+                  <a:srgbClr val="0070C0"/>
+                </a:solidFill>
+              </a:rPr>
+              <a:t>Linguagens</a:t>
+            </a:r>
+            <a:r>
+              <a:rPr lang="en-US" b="1" dirty="0">
+                <a:solidFill>
+                  <a:srgbClr val="0070C0"/>
+                </a:solidFill>
+              </a:rPr>
+              <a:t> de </a:t>
+            </a:r>
+            <a:r>
+              <a:rPr lang="en-US" b="1" dirty="0" err="1">
+                <a:solidFill>
+                  <a:srgbClr val="0070C0"/>
+                </a:solidFill>
+              </a:rPr>
+              <a:t>Programação</a:t>
+            </a:r>
+            <a:endParaRPr lang="en-US" b="1" dirty="0">
+              <a:solidFill>
+                <a:srgbClr val="0070C0"/>
+              </a:solidFill>
+            </a:endParaRPr>
+          </a:p>
+        </p:txBody>
+      </p:sp>
+      <p:sp>
+        <p:nvSpPr>
+          <p:cNvPr id="8" name="Text Placeholder 2"/>
+          <p:cNvSpPr>
+            <a:spLocks noGrp="1"/>
+          </p:cNvSpPr>
+          <p:nvPr>
+            <p:ph type="body" sz="half" idx="1"/>
+          </p:nvPr>
+        </p:nvSpPr>
+        <p:spPr>
+          <a:xfrm>
+            <a:off x="142865" y="1200151"/>
+            <a:ext cx="8865056" cy="3872890"/>
+          </a:xfrm>
+        </p:spPr>
+        <p:txBody>
+          <a:bodyPr>
+            <a:noAutofit/>
+          </a:bodyPr>
+          <a:lstStyle/>
+          <a:p>
+            <a:pPr marL="0" indent="0" algn="just">
+              <a:buNone/>
+            </a:pPr>
+            <a:r>
+              <a:rPr lang="pt-BR" sz="2800" b="1" dirty="0">
+                <a:solidFill>
+                  <a:schemeClr val="tx1"/>
+                </a:solidFill>
+                <a:latin typeface="Times New Roman" panose="02020603050405020304" pitchFamily="18" charset="0"/>
+                <a:cs typeface="Times New Roman" panose="02020603050405020304" pitchFamily="18" charset="0"/>
+              </a:rPr>
+              <a:t>Ferramentas para Construção de Compiladores</a:t>
+            </a:r>
+          </a:p>
+          <a:p>
+            <a:pPr marL="0" indent="0" algn="just">
+              <a:buNone/>
+            </a:pPr>
+            <a:r>
+              <a:rPr lang="pt-BR" sz="1800" dirty="0">
+                <a:solidFill>
+                  <a:schemeClr val="tx1"/>
+                </a:solidFill>
+                <a:latin typeface="Times New Roman" panose="02020603050405020304" pitchFamily="18" charset="0"/>
+                <a:cs typeface="Times New Roman" panose="02020603050405020304" pitchFamily="18" charset="0"/>
+              </a:rPr>
+              <a:t>Mecanismos de tradução direcionada por sintaxe</a:t>
+            </a:r>
+          </a:p>
+          <a:p>
+            <a:pPr marL="0" indent="0" algn="just">
+              <a:buNone/>
+            </a:pPr>
+            <a:r>
+              <a:rPr lang="pt-BR" sz="1800" dirty="0">
+                <a:solidFill>
+                  <a:schemeClr val="tx1"/>
+                </a:solidFill>
+                <a:latin typeface="Times New Roman" panose="02020603050405020304" pitchFamily="18" charset="0"/>
+                <a:cs typeface="Times New Roman" panose="02020603050405020304" pitchFamily="18" charset="0"/>
+              </a:rPr>
+              <a:t>Geradores de código automáticos</a:t>
+            </a:r>
+          </a:p>
+          <a:p>
+            <a:pPr marL="0" indent="0" algn="just">
+              <a:buNone/>
+            </a:pPr>
+            <a:r>
+              <a:rPr lang="pt-BR" sz="1800" dirty="0">
+                <a:solidFill>
+                  <a:schemeClr val="tx1"/>
+                </a:solidFill>
+                <a:latin typeface="Times New Roman" panose="02020603050405020304" pitchFamily="18" charset="0"/>
+                <a:cs typeface="Times New Roman" panose="02020603050405020304" pitchFamily="18" charset="0"/>
+              </a:rPr>
+              <a:t>Mecanismos de análise de fluxo de dados</a:t>
+            </a:r>
+          </a:p>
+          <a:p>
+            <a:pPr marL="0" indent="0" algn="just">
+              <a:buNone/>
+            </a:pPr>
+            <a:r>
+              <a:rPr lang="pt-BR" sz="1800" dirty="0">
+                <a:solidFill>
+                  <a:schemeClr val="tx1"/>
+                </a:solidFill>
+                <a:latin typeface="Times New Roman" panose="02020603050405020304" pitchFamily="18" charset="0"/>
+                <a:cs typeface="Times New Roman" panose="02020603050405020304" pitchFamily="18" charset="0"/>
+              </a:rPr>
+              <a:t>Kits de ferramentas de construção do compilador</a:t>
+            </a:r>
+          </a:p>
+          <a:p>
+            <a:pPr marL="0" indent="0" algn="just">
+              <a:buNone/>
+            </a:pPr>
+            <a:endParaRPr lang="pt-BR" dirty="0">
+              <a:solidFill>
+                <a:schemeClr val="tx1"/>
+              </a:solidFill>
+              <a:latin typeface="Times New Roman" panose="02020603050405020304" pitchFamily="18" charset="0"/>
+              <a:cs typeface="Times New Roman" panose="02020603050405020304" pitchFamily="18" charset="0"/>
+            </a:endParaRPr>
+          </a:p>
+        </p:txBody>
+      </p:sp>
+      <p:pic>
+        <p:nvPicPr>
+          <p:cNvPr id="3" name="Imagem 2">
+            <a:extLst>
+              <a:ext uri="{FF2B5EF4-FFF2-40B4-BE49-F238E27FC236}">
+                <a16:creationId xmlns:a16="http://schemas.microsoft.com/office/drawing/2014/main" id="{146C7C39-6220-C238-C63B-BB72A05E5F02}"/>
+              </a:ext>
+            </a:extLst>
+          </p:cNvPr>
+          <p:cNvPicPr>
+            <a:picLocks noChangeAspect="1"/>
+          </p:cNvPicPr>
+          <p:nvPr/>
+        </p:nvPicPr>
+        <p:blipFill>
+          <a:blip r:embed="rId3"/>
+          <a:stretch>
+            <a:fillRect/>
+          </a:stretch>
+        </p:blipFill>
+        <p:spPr>
+          <a:xfrm>
+            <a:off x="2147430" y="3120902"/>
+            <a:ext cx="4278422" cy="1964581"/>
+          </a:xfrm>
+          <a:prstGeom prst="rect">
+            <a:avLst/>
+          </a:prstGeom>
+        </p:spPr>
+      </p:pic>
+    </p:spTree>
+    <p:extLst>
+      <p:ext uri="{BB962C8B-B14F-4D97-AF65-F5344CB8AC3E}">
+        <p14:creationId xmlns:p14="http://schemas.microsoft.com/office/powerpoint/2010/main" val="3364012354"/>
+      </p:ext>
+    </p:extLst>
+  </p:cSld>
+  <p:clrMapOvr>
+    <a:masterClrMapping/>
+  </p:clrMapOvr>
+  <p:transition spd="med"/>
+</p:sld>
+</file>
+
+<file path=ppt/slides/slide18.xml><?xml version="1.0" encoding="utf-8"?>
+<p:sld xmlns:a="http://schemas.openxmlformats.org/drawingml/2006/main" xmlns:r="http://schemas.openxmlformats.org/officeDocument/2006/relationships" xmlns:p="http://schemas.openxmlformats.org/presentationml/2006/main">
+  <p:cSld>
+    <p:spTree>
+      <p:nvGrpSpPr>
+        <p:cNvPr id="1" name=""/>
+        <p:cNvGrpSpPr/>
+        <p:nvPr/>
+      </p:nvGrpSpPr>
+      <p:grpSpPr>
+        <a:xfrm>
+          <a:off x="0" y="0"/>
+          <a:ext cx="0" cy="0"/>
+          <a:chOff x="0" y="0"/>
+          <a:chExt cx="0" cy="0"/>
+        </a:xfrm>
+      </p:grpSpPr>
+      <p:sp>
+        <p:nvSpPr>
+          <p:cNvPr id="6" name="Title 1"/>
+          <p:cNvSpPr>
+            <a:spLocks noGrp="1"/>
+          </p:cNvSpPr>
+          <p:nvPr>
+            <p:ph type="title"/>
+          </p:nvPr>
+        </p:nvSpPr>
+        <p:spPr>
+          <a:xfrm>
+            <a:off x="457200" y="205980"/>
+            <a:ext cx="8229600" cy="857251"/>
+          </a:xfrm>
+        </p:spPr>
+        <p:txBody>
+          <a:bodyPr/>
+          <a:lstStyle/>
+          <a:p>
+            <a:r>
+              <a:rPr lang="en-US" b="1" dirty="0" err="1">
+                <a:solidFill>
+                  <a:srgbClr val="0070C0"/>
+                </a:solidFill>
+              </a:rPr>
+              <a:t>Linguagens</a:t>
+            </a:r>
+            <a:r>
+              <a:rPr lang="en-US" b="1" dirty="0">
+                <a:solidFill>
+                  <a:srgbClr val="0070C0"/>
+                </a:solidFill>
+              </a:rPr>
+              <a:t> de </a:t>
+            </a:r>
+            <a:r>
+              <a:rPr lang="en-US" b="1" dirty="0" err="1">
+                <a:solidFill>
+                  <a:srgbClr val="0070C0"/>
+                </a:solidFill>
+              </a:rPr>
+              <a:t>Programação</a:t>
+            </a:r>
+            <a:endParaRPr lang="en-US" b="1" dirty="0">
+              <a:solidFill>
+                <a:srgbClr val="0070C0"/>
+              </a:solidFill>
+            </a:endParaRPr>
+          </a:p>
+        </p:txBody>
+      </p:sp>
+      <p:sp>
+        <p:nvSpPr>
+          <p:cNvPr id="8" name="Text Placeholder 2"/>
+          <p:cNvSpPr>
+            <a:spLocks noGrp="1"/>
+          </p:cNvSpPr>
+          <p:nvPr>
+            <p:ph type="body" sz="half" idx="1"/>
+          </p:nvPr>
+        </p:nvSpPr>
+        <p:spPr>
+          <a:xfrm>
+            <a:off x="130339" y="1200150"/>
+            <a:ext cx="8865056" cy="3737370"/>
+          </a:xfrm>
+        </p:spPr>
+        <p:txBody>
+          <a:bodyPr>
+            <a:noAutofit/>
+          </a:bodyPr>
+          <a:lstStyle/>
+          <a:p>
+            <a:pPr marL="0" indent="0" algn="just">
+              <a:buNone/>
+            </a:pPr>
+            <a:r>
+              <a:rPr lang="pt-BR" dirty="0">
+                <a:solidFill>
+                  <a:schemeClr val="tx1"/>
+                </a:solidFill>
+                <a:latin typeface="Times New Roman" panose="02020603050405020304" pitchFamily="18" charset="0"/>
+                <a:cs typeface="Times New Roman" panose="02020603050405020304" pitchFamily="18" charset="0"/>
+              </a:rPr>
+              <a:t> </a:t>
+            </a:r>
+          </a:p>
+          <a:p>
+            <a:pPr marL="0" indent="0" algn="just">
+              <a:buNone/>
+            </a:pPr>
+            <a:r>
+              <a:rPr lang="pt-BR" dirty="0">
+                <a:solidFill>
+                  <a:schemeClr val="tx1"/>
+                </a:solidFill>
+                <a:latin typeface="Times New Roman" panose="02020603050405020304" pitchFamily="18" charset="0"/>
+                <a:cs typeface="Times New Roman" panose="02020603050405020304" pitchFamily="18" charset="0"/>
+              </a:rPr>
+              <a:t>- </a:t>
+            </a:r>
+            <a:r>
+              <a:rPr lang="pt-BR" b="1" dirty="0">
+                <a:solidFill>
+                  <a:schemeClr val="tx1"/>
+                </a:solidFill>
+                <a:latin typeface="Times New Roman" panose="02020603050405020304" pitchFamily="18" charset="0"/>
+                <a:cs typeface="Times New Roman" panose="02020603050405020304" pitchFamily="18" charset="0"/>
+              </a:rPr>
+              <a:t>Vídeo</a:t>
+            </a:r>
+          </a:p>
+          <a:p>
+            <a:pPr marL="0" indent="0" algn="just">
+              <a:buNone/>
+            </a:pPr>
+            <a:endParaRPr lang="pt-BR" dirty="0">
+              <a:solidFill>
+                <a:schemeClr val="tx1"/>
+              </a:solidFill>
+              <a:latin typeface="Times New Roman" panose="02020603050405020304" pitchFamily="18" charset="0"/>
+              <a:cs typeface="Times New Roman" panose="02020603050405020304" pitchFamily="18" charset="0"/>
+            </a:endParaRPr>
+          </a:p>
+          <a:p>
+            <a:pPr marL="0" indent="0" algn="just">
+              <a:buNone/>
+            </a:pPr>
+            <a:r>
+              <a:rPr lang="pt-BR" dirty="0">
+                <a:solidFill>
+                  <a:schemeClr val="tx1"/>
+                </a:solidFill>
+                <a:latin typeface="Times New Roman" panose="02020603050405020304" pitchFamily="18" charset="0"/>
+                <a:cs typeface="Times New Roman" panose="02020603050405020304" pitchFamily="18" charset="0"/>
+              </a:rPr>
+              <a:t>	</a:t>
+            </a:r>
+            <a:r>
+              <a:rPr lang="pt-BR" dirty="0">
+                <a:solidFill>
+                  <a:schemeClr val="tx1"/>
+                </a:solidFill>
+                <a:latin typeface="Times New Roman" panose="02020603050405020304" pitchFamily="18" charset="0"/>
+                <a:cs typeface="Times New Roman" panose="02020603050405020304" pitchFamily="18" charset="0"/>
+                <a:hlinkClick r:id="rId3"/>
+              </a:rPr>
+              <a:t>https://www.targethd.net/a-evolucao-das-linguagens-de-programacao-entre-1965-e-2019/</a:t>
+            </a:r>
+            <a:endParaRPr lang="pt-BR" dirty="0">
+              <a:solidFill>
+                <a:schemeClr val="tx1"/>
+              </a:solidFill>
+              <a:latin typeface="Times New Roman" panose="02020603050405020304" pitchFamily="18" charset="0"/>
+              <a:cs typeface="Times New Roman" panose="02020603050405020304" pitchFamily="18" charset="0"/>
+            </a:endParaRPr>
+          </a:p>
+          <a:p>
+            <a:pPr marL="0" indent="0" algn="just">
+              <a:buNone/>
+            </a:pPr>
+            <a:endParaRPr lang="pt-BR" dirty="0">
+              <a:solidFill>
+                <a:schemeClr val="tx1"/>
+              </a:solidFill>
+              <a:latin typeface="Times New Roman" panose="02020603050405020304" pitchFamily="18" charset="0"/>
+              <a:cs typeface="Times New Roman" panose="02020603050405020304" pitchFamily="18" charset="0"/>
+            </a:endParaRPr>
+          </a:p>
+        </p:txBody>
+      </p:sp>
+    </p:spTree>
+    <p:extLst>
+      <p:ext uri="{BB962C8B-B14F-4D97-AF65-F5344CB8AC3E}">
+        <p14:creationId xmlns:p14="http://schemas.microsoft.com/office/powerpoint/2010/main" val="4262035594"/>
+      </p:ext>
+    </p:extLst>
+  </p:cSld>
+  <p:clrMapOvr>
+    <a:masterClrMapping/>
+  </p:clrMapOvr>
+  <p:transition spd="med"/>
+</p:sld>
+</file>
+
+<file path=ppt/slides/slide19.xml><?xml version="1.0" encoding="utf-8"?>
+<p:sld xmlns:a="http://schemas.openxmlformats.org/drawingml/2006/main" xmlns:r="http://schemas.openxmlformats.org/officeDocument/2006/relationships" xmlns:p="http://schemas.openxmlformats.org/presentationml/2006/main">
+  <p:cSld>
+    <p:spTree>
+      <p:nvGrpSpPr>
+        <p:cNvPr id="1" name=""/>
+        <p:cNvGrpSpPr/>
+        <p:nvPr/>
+      </p:nvGrpSpPr>
+      <p:grpSpPr>
+        <a:xfrm>
+          <a:off x="0" y="0"/>
+          <a:ext cx="0" cy="0"/>
+          <a:chOff x="0" y="0"/>
+          <a:chExt cx="0" cy="0"/>
+        </a:xfrm>
+      </p:grpSpPr>
+      <p:sp>
+        <p:nvSpPr>
+          <p:cNvPr id="6" name="Title 1"/>
+          <p:cNvSpPr>
+            <a:spLocks noGrp="1"/>
+          </p:cNvSpPr>
+          <p:nvPr>
+            <p:ph type="title"/>
+          </p:nvPr>
+        </p:nvSpPr>
+        <p:spPr>
+          <a:xfrm>
+            <a:off x="457200" y="205980"/>
+            <a:ext cx="8229600" cy="857251"/>
+          </a:xfrm>
+        </p:spPr>
+        <p:txBody>
+          <a:bodyPr>
+            <a:normAutofit/>
+          </a:bodyPr>
+          <a:lstStyle/>
+          <a:p>
+            <a:r>
+              <a:rPr lang="en-US" b="1" dirty="0" err="1">
+                <a:solidFill>
+                  <a:srgbClr val="0070C0"/>
+                </a:solidFill>
+              </a:rPr>
+              <a:t>Leitura</a:t>
+            </a:r>
+            <a:r>
+              <a:rPr lang="en-US" b="1" dirty="0">
+                <a:solidFill>
+                  <a:srgbClr val="0070C0"/>
+                </a:solidFill>
+              </a:rPr>
+              <a:t> </a:t>
+            </a:r>
+            <a:r>
+              <a:rPr lang="en-US" b="1" dirty="0" err="1">
+                <a:solidFill>
+                  <a:srgbClr val="0070C0"/>
+                </a:solidFill>
+              </a:rPr>
+              <a:t>Específica</a:t>
+            </a:r>
+            <a:endParaRPr lang="en-US" b="1" dirty="0">
+              <a:solidFill>
+                <a:srgbClr val="0070C0"/>
+              </a:solidFill>
+            </a:endParaRPr>
+          </a:p>
+        </p:txBody>
+      </p:sp>
+      <p:sp>
+        <p:nvSpPr>
+          <p:cNvPr id="8" name="Text Placeholder 2"/>
+          <p:cNvSpPr>
+            <a:spLocks noGrp="1"/>
+          </p:cNvSpPr>
+          <p:nvPr>
+            <p:ph type="body" sz="half" idx="1"/>
+          </p:nvPr>
+        </p:nvSpPr>
+        <p:spPr>
+          <a:xfrm>
+            <a:off x="142865" y="1200151"/>
+            <a:ext cx="8865056" cy="3394472"/>
+          </a:xfrm>
+        </p:spPr>
+        <p:txBody>
+          <a:bodyPr>
+            <a:noAutofit/>
+          </a:bodyPr>
+          <a:lstStyle/>
+          <a:p>
+            <a:pPr marL="0" indent="0" algn="just">
+              <a:buNone/>
+            </a:pPr>
+            <a:r>
+              <a:rPr lang="pt-BR" sz="1800" dirty="0">
+                <a:latin typeface="Times New Roman" panose="02020603050405020304" pitchFamily="18" charset="0"/>
+                <a:cs typeface="Times New Roman" panose="02020603050405020304" pitchFamily="18" charset="0"/>
+              </a:rPr>
+              <a:t>[1] SEBESTA, Robert W. Conceitos de Linguagens de Programação-11. Bookman Editora, 2018.</a:t>
+            </a:r>
+          </a:p>
+          <a:p>
+            <a:pPr marL="0" indent="0" algn="just">
+              <a:buNone/>
+            </a:pPr>
+            <a:r>
+              <a:rPr lang="pt-BR" sz="1800" b="1" dirty="0">
+                <a:latin typeface="Times New Roman" panose="02020603050405020304" pitchFamily="18" charset="0"/>
+                <a:cs typeface="Times New Roman" panose="02020603050405020304" pitchFamily="18" charset="0"/>
+              </a:rPr>
+              <a:t>Disponível em</a:t>
+            </a:r>
+            <a:r>
+              <a:rPr lang="pt-BR" sz="1800" dirty="0">
+                <a:latin typeface="Times New Roman" panose="02020603050405020304" pitchFamily="18" charset="0"/>
+                <a:cs typeface="Times New Roman" panose="02020603050405020304" pitchFamily="18" charset="0"/>
+              </a:rPr>
+              <a:t>: </a:t>
+            </a:r>
+            <a:r>
+              <a:rPr lang="pt-BR" sz="1800" dirty="0">
+                <a:latin typeface="Calibri" panose="020F0502020204030204" pitchFamily="34" charset="0"/>
+                <a:hlinkClick r:id="rId3"/>
+              </a:rPr>
+              <a:t>https://bityli.com/ngwgPlL</a:t>
+            </a:r>
+            <a:endParaRPr lang="pt-BR" sz="1800" dirty="0">
+              <a:latin typeface="Calibri" panose="020F0502020204030204" pitchFamily="34" charset="0"/>
+            </a:endParaRPr>
+          </a:p>
+          <a:p>
+            <a:pPr marL="0" indent="0" algn="just">
+              <a:buNone/>
+            </a:pPr>
+            <a:endParaRPr lang="pt-BR" sz="1800" dirty="0">
+              <a:latin typeface="Calibri" panose="020F0502020204030204" pitchFamily="34" charset="0"/>
+            </a:endParaRPr>
+          </a:p>
+          <a:p>
+            <a:pPr marL="0" indent="0" algn="just">
+              <a:buNone/>
+            </a:pPr>
+            <a:r>
+              <a:rPr lang="pt-BR" sz="1800" dirty="0">
+                <a:latin typeface="Times New Roman" panose="02020603050405020304" pitchFamily="18" charset="0"/>
+                <a:cs typeface="Times New Roman" panose="02020603050405020304" pitchFamily="18" charset="0"/>
+              </a:rPr>
+              <a:t>[1] BARANAUSKAS, Maria Cecília </a:t>
+            </a:r>
+            <a:r>
+              <a:rPr lang="pt-BR" sz="1800" dirty="0" err="1">
+                <a:latin typeface="Times New Roman" panose="02020603050405020304" pitchFamily="18" charset="0"/>
+                <a:cs typeface="Times New Roman" panose="02020603050405020304" pitchFamily="18" charset="0"/>
+              </a:rPr>
+              <a:t>Calani</a:t>
+            </a:r>
+            <a:r>
+              <a:rPr lang="pt-BR" sz="1800" dirty="0">
+                <a:latin typeface="Times New Roman" panose="02020603050405020304" pitchFamily="18" charset="0"/>
+                <a:cs typeface="Times New Roman" panose="02020603050405020304" pitchFamily="18" charset="0"/>
+              </a:rPr>
+              <a:t>. Procedimento, função, objeto ou lógica? Linguagens de programação vistas pelos seus paradigmas. Computadores e Conhecimento: Repensando a Educação. Campinas, SP, Gráfica Central da Unicamp, 1993.</a:t>
+            </a:r>
+          </a:p>
+          <a:p>
+            <a:pPr marL="0" indent="0" algn="just">
+              <a:buNone/>
+            </a:pPr>
+            <a:r>
+              <a:rPr lang="pt-BR" sz="1800" b="1" dirty="0">
+                <a:latin typeface="Times New Roman" panose="02020603050405020304" pitchFamily="18" charset="0"/>
+                <a:cs typeface="Times New Roman" panose="02020603050405020304" pitchFamily="18" charset="0"/>
+              </a:rPr>
+              <a:t>Disponível em</a:t>
+            </a:r>
+            <a:r>
+              <a:rPr lang="pt-BR" sz="1800" dirty="0">
+                <a:latin typeface="Times New Roman" panose="02020603050405020304" pitchFamily="18" charset="0"/>
+                <a:cs typeface="Times New Roman" panose="02020603050405020304" pitchFamily="18" charset="0"/>
+              </a:rPr>
+              <a:t>: </a:t>
+            </a:r>
+          </a:p>
+          <a:p>
+            <a:pPr marL="0" indent="0" algn="just">
+              <a:buNone/>
+            </a:pPr>
+            <a:r>
+              <a:rPr lang="pt-BR" sz="1800" dirty="0">
+                <a:latin typeface="Times New Roman" panose="02020603050405020304" pitchFamily="18" charset="0"/>
+                <a:cs typeface="Times New Roman" panose="02020603050405020304" pitchFamily="18" charset="0"/>
+              </a:rPr>
+              <a:t> </a:t>
+            </a:r>
+            <a:r>
+              <a:rPr lang="pt-BR" sz="1800" dirty="0" err="1">
+                <a:latin typeface="Calibri" panose="020F0502020204030204" pitchFamily="34" charset="0"/>
+              </a:rPr>
+              <a:t>chrome-extension</a:t>
+            </a:r>
+            <a:r>
+              <a:rPr lang="pt-BR" sz="1800" dirty="0">
+                <a:latin typeface="Calibri" panose="020F0502020204030204" pitchFamily="34" charset="0"/>
+              </a:rPr>
+              <a:t>://</a:t>
+            </a:r>
+            <a:r>
+              <a:rPr lang="pt-BR" sz="1800" dirty="0" err="1">
+                <a:latin typeface="Calibri" panose="020F0502020204030204" pitchFamily="34" charset="0"/>
+              </a:rPr>
+              <a:t>efaidnbmnnnibpcajpcglclefindmkaj</a:t>
+            </a:r>
+            <a:r>
+              <a:rPr lang="pt-BR" sz="1800" dirty="0">
+                <a:latin typeface="Calibri" panose="020F0502020204030204" pitchFamily="34" charset="0"/>
+              </a:rPr>
+              <a:t>/http://200.17.137.109:8081/novobsi/Members/josino/paradigmas-de-programacao/2012.1/(Leitura_e_Resenha)_ArtigoDiscussaoParadigmas.pdf</a:t>
+            </a:r>
+          </a:p>
+          <a:p>
+            <a:pPr marL="0" indent="0" algn="just">
+              <a:buNone/>
+            </a:pPr>
+            <a:endParaRPr lang="pt-BR" sz="1800" dirty="0">
+              <a:latin typeface="Calibri" panose="020F0502020204030204" pitchFamily="34" charset="0"/>
+            </a:endParaRPr>
+          </a:p>
+        </p:txBody>
+      </p:sp>
+    </p:spTree>
+    <p:extLst>
+      <p:ext uri="{BB962C8B-B14F-4D97-AF65-F5344CB8AC3E}">
+        <p14:creationId xmlns:p14="http://schemas.microsoft.com/office/powerpoint/2010/main" val="3680270425"/>
+      </p:ext>
+    </p:extLst>
+  </p:cSld>
+  <p:clrMapOvr>
+    <a:masterClrMapping/>
+  </p:clrMapOvr>
+  <p:transition spd="med"/>
+</p:sld>
+</file>
+
 <file path=ppt/slides/slide2.xml><?xml version="1.0" encoding="utf-8"?>
 <p:sld xmlns:a="http://schemas.openxmlformats.org/drawingml/2006/main" xmlns:r="http://schemas.openxmlformats.org/officeDocument/2006/relationships" xmlns:p="http://schemas.openxmlformats.org/presentationml/2006/main">
   <p:cSld>
@@ -4374,7 +7609,7 @@
 </p:sld>
 </file>
 
-<file path=ppt/slides/slide3.xml><?xml version="1.0" encoding="utf-8"?>
+<file path=ppt/slides/slide20.xml><?xml version="1.0" encoding="utf-8"?>
 <p:sld xmlns:a="http://schemas.openxmlformats.org/drawingml/2006/main" xmlns:r="http://schemas.openxmlformats.org/officeDocument/2006/relationships" xmlns:p="http://schemas.openxmlformats.org/presentationml/2006/main">
   <p:cSld>
     <p:spTree>
@@ -4419,7 +7654,7 @@
                   <a:srgbClr val="0070C0"/>
                 </a:solidFill>
               </a:rPr>
-              <a:t>Linguagens</a:t>
+              <a:t>Aprenda</a:t>
             </a:r>
             <a:r>
               <a:rPr lang="en-US" b="1" dirty="0">
@@ -4427,21 +7662,8 @@
                   <a:srgbClr val="0070C0"/>
                 </a:solidFill>
               </a:rPr>
-              <a:t> de </a:t>
-            </a:r>
-            <a:r>
-              <a:rPr lang="en-US" b="1" dirty="0" err="1">
-                <a:solidFill>
-                  <a:srgbClr val="0070C0"/>
-                </a:solidFill>
-              </a:rPr>
-              <a:t>Programação</a:t>
-            </a:r>
-            <a:endParaRPr lang="en-US" b="1" dirty="0">
-              <a:solidFill>
-                <a:srgbClr val="0070C0"/>
-              </a:solidFill>
-            </a:endParaRPr>
+              <a:t>+</a:t>
+            </a:r>
           </a:p>
         </p:txBody>
       </p:sp>
@@ -4457,8 +7679,8 @@
         </p:nvSpPr>
         <p:spPr>
           <a:xfrm>
-            <a:off x="142865" y="1200151"/>
-            <a:ext cx="8865056" cy="3872890"/>
+            <a:off x="142865" y="1200150"/>
+            <a:ext cx="8865056" cy="3572265"/>
           </a:xfrm>
         </p:spPr>
         <p:txBody>
@@ -4471,41 +7693,61 @@
               <a:buNone/>
             </a:pPr>
             <a:r>
-              <a:rPr lang="pt-BR">
-                <a:solidFill>
-                  <a:schemeClr val="tx1"/>
-                </a:solidFill>
-                <a:latin typeface="Times New Roman" panose="02020603050405020304" pitchFamily="18" charset="0"/>
-                <a:cs typeface="Times New Roman" panose="02020603050405020304" pitchFamily="18" charset="0"/>
-              </a:rPr>
-              <a:t>	</a:t>
-            </a:r>
-            <a:r>
-              <a:rPr lang="pt-BR" sz="2800">
-                <a:solidFill>
-                  <a:schemeClr val="tx1"/>
-                </a:solidFill>
-                <a:latin typeface="Times New Roman" panose="02020603050405020304" pitchFamily="18" charset="0"/>
-                <a:cs typeface="Times New Roman" panose="02020603050405020304" pitchFamily="18" charset="0"/>
-              </a:rPr>
-              <a:t> Evolução</a:t>
-            </a:r>
-            <a:r>
-              <a:rPr lang="pt-BR" sz="2800" dirty="0">
-                <a:solidFill>
-                  <a:schemeClr val="tx1"/>
-                </a:solidFill>
-                <a:latin typeface="Times New Roman" panose="02020603050405020304" pitchFamily="18" charset="0"/>
-                <a:cs typeface="Times New Roman" panose="02020603050405020304" pitchFamily="18" charset="0"/>
-              </a:rPr>
-              <a:t>; padrões internacionais; tipos de tradutores; estrutura de um compilador: fase de análise e fase de síntese, tabela de símbolos e atendimento de erros; ferramentas para construção de compiladores.</a:t>
-            </a:r>
-            <a:endParaRPr lang="pt-BR" dirty="0">
-              <a:solidFill>
-                <a:schemeClr val="tx1"/>
-              </a:solidFill>
+              <a:rPr lang="pt-BR" sz="1800" dirty="0">
+                <a:latin typeface="Times New Roman" panose="02020603050405020304" pitchFamily="18" charset="0"/>
+                <a:cs typeface="Times New Roman" panose="02020603050405020304" pitchFamily="18" charset="0"/>
+              </a:rPr>
+              <a:t>[1] Evolução das Linguagens de Programação</a:t>
+            </a:r>
+          </a:p>
+          <a:p>
+            <a:pPr marL="0" indent="0" algn="just">
+              <a:buNone/>
+            </a:pPr>
+            <a:endParaRPr lang="pt-BR" sz="1800" dirty="0">
               <a:latin typeface="Times New Roman" panose="02020603050405020304" pitchFamily="18" charset="0"/>
               <a:cs typeface="Times New Roman" panose="02020603050405020304" pitchFamily="18" charset="0"/>
+            </a:endParaRPr>
+          </a:p>
+          <a:p>
+            <a:pPr marL="0" indent="0" algn="just">
+              <a:buNone/>
+            </a:pPr>
+            <a:r>
+              <a:rPr lang="pt-BR" sz="1800" dirty="0">
+                <a:latin typeface="Times New Roman" panose="02020603050405020304" pitchFamily="18" charset="0"/>
+                <a:cs typeface="Times New Roman" panose="02020603050405020304" pitchFamily="18" charset="0"/>
+              </a:rPr>
+              <a:t>Disponível em: </a:t>
+            </a:r>
+            <a:r>
+              <a:rPr lang="pt-BR" sz="1800" dirty="0">
+                <a:latin typeface="Times New Roman" panose="02020603050405020304" pitchFamily="18" charset="0"/>
+                <a:cs typeface="Times New Roman" panose="02020603050405020304" pitchFamily="18" charset="0"/>
+                <a:hlinkClick r:id="rId3"/>
+              </a:rPr>
+              <a:t>https://acervolima.com/a-evolucao-das-linguagens-de-programacao/</a:t>
+            </a:r>
+            <a:endParaRPr lang="pt-BR" sz="1800" dirty="0">
+              <a:latin typeface="Times New Roman" panose="02020603050405020304" pitchFamily="18" charset="0"/>
+              <a:cs typeface="Times New Roman" panose="02020603050405020304" pitchFamily="18" charset="0"/>
+            </a:endParaRPr>
+          </a:p>
+          <a:p>
+            <a:pPr marL="0" indent="0" algn="just">
+              <a:buNone/>
+            </a:pPr>
+            <a:endParaRPr lang="pt-BR" sz="1800" dirty="0">
+              <a:latin typeface="Times New Roman" panose="02020603050405020304" pitchFamily="18" charset="0"/>
+              <a:cs typeface="Times New Roman" panose="02020603050405020304" pitchFamily="18" charset="0"/>
+            </a:endParaRPr>
+          </a:p>
+          <a:p>
+            <a:pPr marL="0" indent="0" algn="just">
+              <a:buNone/>
+            </a:pPr>
+            <a:endParaRPr lang="pt-BR" sz="1800" dirty="0">
+              <a:latin typeface="Calibri" panose="020F0502020204030204" pitchFamily="34" charset="0"/>
             </a:endParaRPr>
           </a:p>
         </p:txBody>
@@ -4513,7 +7755,7 @@
     </p:spTree>
     <p:extLst>
       <p:ext uri="{BB962C8B-B14F-4D97-AF65-F5344CB8AC3E}">
-        <p14:creationId xmlns:p14="http://schemas.microsoft.com/office/powerpoint/2010/main" val="1275059607"/>
+        <p14:creationId xmlns:p14="http://schemas.microsoft.com/office/powerpoint/2010/main" val="2747596967"/>
       </p:ext>
     </p:extLst>
   </p:cSld>
@@ -4524,202 +7766,7 @@
 </p:sld>
 </file>
 
-<file path=ppt/slides/slide4.xml><?xml version="1.0" encoding="utf-8"?>
-<p:sld xmlns:a="http://schemas.openxmlformats.org/drawingml/2006/main" xmlns:r="http://schemas.openxmlformats.org/officeDocument/2006/relationships" xmlns:p="http://schemas.openxmlformats.org/presentationml/2006/main">
-  <p:cSld>
-    <p:spTree>
-      <p:nvGrpSpPr>
-        <p:cNvPr id="1" name=""/>
-        <p:cNvGrpSpPr/>
-        <p:nvPr/>
-      </p:nvGrpSpPr>
-      <p:grpSpPr>
-        <a:xfrm>
-          <a:off x="0" y="0"/>
-          <a:ext cx="0" cy="0"/>
-          <a:chOff x="0" y="0"/>
-          <a:chExt cx="0" cy="0"/>
-        </a:xfrm>
-      </p:grpSpPr>
-      <p:sp>
-        <p:nvSpPr>
-          <p:cNvPr id="6" name="Title 1"/>
-          <p:cNvSpPr>
-            <a:spLocks noGrp="1"/>
-          </p:cNvSpPr>
-          <p:nvPr>
-            <p:ph type="title"/>
-          </p:nvPr>
-        </p:nvSpPr>
-        <p:spPr>
-          <a:xfrm>
-            <a:off x="457200" y="205980"/>
-            <a:ext cx="8229600" cy="857251"/>
-          </a:xfrm>
-        </p:spPr>
-        <p:txBody>
-          <a:bodyPr/>
-          <a:lstStyle/>
-          <a:p>
-            <a:r>
-              <a:rPr lang="en-US" b="1" dirty="0">
-                <a:solidFill>
-                  <a:srgbClr val="0070C0"/>
-                </a:solidFill>
-              </a:rPr>
-              <a:t>Teoria da </a:t>
-            </a:r>
-            <a:r>
-              <a:rPr lang="en-US" b="1" dirty="0" err="1">
-                <a:solidFill>
-                  <a:srgbClr val="0070C0"/>
-                </a:solidFill>
-              </a:rPr>
-              <a:t>Computação</a:t>
-            </a:r>
-            <a:endParaRPr lang="en-US" b="1" dirty="0">
-              <a:solidFill>
-                <a:srgbClr val="0070C0"/>
-              </a:solidFill>
-            </a:endParaRPr>
-          </a:p>
-        </p:txBody>
-      </p:sp>
-      <p:sp>
-        <p:nvSpPr>
-          <p:cNvPr id="8" name="Text Placeholder 2"/>
-          <p:cNvSpPr>
-            <a:spLocks noGrp="1"/>
-          </p:cNvSpPr>
-          <p:nvPr>
-            <p:ph type="body" sz="half" idx="1"/>
-          </p:nvPr>
-        </p:nvSpPr>
-        <p:spPr>
-          <a:xfrm>
-            <a:off x="130339" y="1200150"/>
-            <a:ext cx="8865056" cy="3737370"/>
-          </a:xfrm>
-        </p:spPr>
-        <p:txBody>
-          <a:bodyPr>
-            <a:noAutofit/>
-          </a:bodyPr>
-          <a:lstStyle/>
-          <a:p>
-            <a:pPr marL="0" indent="0" algn="just">
-              <a:buNone/>
-            </a:pPr>
-            <a:r>
-              <a:rPr lang="pt-BR" dirty="0">
-                <a:solidFill>
-                  <a:schemeClr val="tx1"/>
-                </a:solidFill>
-                <a:latin typeface="Times New Roman" panose="02020603050405020304" pitchFamily="18" charset="0"/>
-                <a:cs typeface="Times New Roman" panose="02020603050405020304" pitchFamily="18" charset="0"/>
-              </a:rPr>
-              <a:t> </a:t>
-            </a:r>
-          </a:p>
-          <a:p>
-            <a:pPr marL="0" indent="0" algn="just">
-              <a:buNone/>
-            </a:pPr>
-            <a:r>
-              <a:rPr lang="pt-BR" dirty="0">
-                <a:solidFill>
-                  <a:schemeClr val="tx1"/>
-                </a:solidFill>
-                <a:latin typeface="Times New Roman" panose="02020603050405020304" pitchFamily="18" charset="0"/>
-                <a:cs typeface="Times New Roman" panose="02020603050405020304" pitchFamily="18" charset="0"/>
-              </a:rPr>
-              <a:t>- </a:t>
-            </a:r>
-            <a:r>
-              <a:rPr lang="pt-BR" b="1" dirty="0">
-                <a:solidFill>
-                  <a:schemeClr val="tx1"/>
-                </a:solidFill>
-                <a:latin typeface="Times New Roman" panose="02020603050405020304" pitchFamily="18" charset="0"/>
-                <a:cs typeface="Times New Roman" panose="02020603050405020304" pitchFamily="18" charset="0"/>
-              </a:rPr>
-              <a:t>Vídeo</a:t>
-            </a:r>
-          </a:p>
-          <a:p>
-            <a:pPr marL="0" indent="0" algn="just">
-              <a:buNone/>
-            </a:pPr>
-            <a:endParaRPr lang="pt-BR" dirty="0">
-              <a:solidFill>
-                <a:schemeClr val="tx1"/>
-              </a:solidFill>
-              <a:latin typeface="Times New Roman" panose="02020603050405020304" pitchFamily="18" charset="0"/>
-              <a:cs typeface="Times New Roman" panose="02020603050405020304" pitchFamily="18" charset="0"/>
-            </a:endParaRPr>
-          </a:p>
-          <a:p>
-            <a:pPr marL="0" indent="0" algn="just">
-              <a:buNone/>
-            </a:pPr>
-            <a:r>
-              <a:rPr lang="pt-BR" dirty="0">
-                <a:solidFill>
-                  <a:schemeClr val="tx1"/>
-                </a:solidFill>
-                <a:latin typeface="Times New Roman" panose="02020603050405020304" pitchFamily="18" charset="0"/>
-                <a:cs typeface="Times New Roman" panose="02020603050405020304" pitchFamily="18" charset="0"/>
-              </a:rPr>
-              <a:t>	</a:t>
-            </a:r>
-            <a:r>
-              <a:rPr lang="pt-BR" dirty="0">
-                <a:solidFill>
-                  <a:schemeClr val="tx1"/>
-                </a:solidFill>
-                <a:latin typeface="Times New Roman" panose="02020603050405020304" pitchFamily="18" charset="0"/>
-                <a:cs typeface="Times New Roman" panose="02020603050405020304" pitchFamily="18" charset="0"/>
-                <a:hlinkClick r:id="rId3"/>
-              </a:rPr>
-              <a:t>https://www.youtube.com/watch?v=cigbmp-lesw</a:t>
-            </a:r>
-            <a:endParaRPr lang="pt-BR" dirty="0">
-              <a:solidFill>
-                <a:schemeClr val="tx1"/>
-              </a:solidFill>
-              <a:latin typeface="Times New Roman" panose="02020603050405020304" pitchFamily="18" charset="0"/>
-              <a:cs typeface="Times New Roman" panose="02020603050405020304" pitchFamily="18" charset="0"/>
-            </a:endParaRPr>
-          </a:p>
-          <a:p>
-            <a:pPr marL="0" indent="0" algn="just">
-              <a:buNone/>
-            </a:pPr>
-            <a:endParaRPr lang="pt-BR" dirty="0">
-              <a:solidFill>
-                <a:schemeClr val="tx1"/>
-              </a:solidFill>
-              <a:latin typeface="Times New Roman" panose="02020603050405020304" pitchFamily="18" charset="0"/>
-              <a:cs typeface="Times New Roman" panose="02020603050405020304" pitchFamily="18" charset="0"/>
-            </a:endParaRPr>
-          </a:p>
-        </p:txBody>
-      </p:sp>
-    </p:spTree>
-    <p:extLst>
-      <p:ext uri="{BB962C8B-B14F-4D97-AF65-F5344CB8AC3E}">
-        <p14:creationId xmlns:p14="http://schemas.microsoft.com/office/powerpoint/2010/main" val="4262035594"/>
-      </p:ext>
-    </p:extLst>
-  </p:cSld>
-  <p:clrMapOvr>
-    <a:masterClrMapping/>
-  </p:clrMapOvr>
-  <p:transition spd="med"/>
-</p:sld>
-</file>
-
-<file path=ppt/slides/slide5.xml><?xml version="1.0" encoding="utf-8"?>
+<file path=ppt/slides/slide21.xml><?xml version="1.0" encoding="utf-8"?>
 <p:sld xmlns:a="http://schemas.openxmlformats.org/drawingml/2006/main" xmlns:r="http://schemas.openxmlformats.org/officeDocument/2006/relationships" xmlns:p="http://schemas.openxmlformats.org/presentationml/2006/main">
   <p:cSld>
     <p:spTree>
@@ -4764,7 +7811,7 @@
                   <a:srgbClr val="0070C0"/>
                 </a:solidFill>
               </a:rPr>
-              <a:t>Leitura</a:t>
+              <a:t>Dinâmica</a:t>
             </a:r>
             <a:r>
               <a:rPr lang="en-US" b="1" dirty="0">
@@ -4772,7 +7819,7 @@
                   <a:srgbClr val="0070C0"/>
                 </a:solidFill>
               </a:rPr>
-              <a:t> </a:t>
+              <a:t>/</a:t>
             </a:r>
             <a:r>
               <a:rPr lang="en-US" b="1" dirty="0" err="1">
@@ -4780,7 +7827,7 @@
                   <a:srgbClr val="0070C0"/>
                 </a:solidFill>
               </a:rPr>
-              <a:t>Específica</a:t>
+              <a:t>Atividades</a:t>
             </a:r>
             <a:endParaRPr lang="en-US" b="1" dirty="0">
               <a:solidFill>
@@ -4802,8 +7849,8 @@
         </p:nvSpPr>
         <p:spPr>
           <a:xfrm>
-            <a:off x="142865" y="1200151"/>
-            <a:ext cx="8865056" cy="3394472"/>
+            <a:off x="139472" y="1063230"/>
+            <a:ext cx="8865056" cy="3606305"/>
           </a:xfrm>
         </p:spPr>
         <p:txBody>
@@ -4812,70 +7859,45 @@
           </a:bodyPr>
           <a:lstStyle/>
           <a:p>
+            <a:pPr algn="just">
+              <a:buFontTx/>
+              <a:buChar char="-"/>
+            </a:pPr>
+            <a:r>
+              <a:rPr lang="pt-BR" dirty="0">
+                <a:latin typeface="Times New Roman" panose="02020603050405020304" pitchFamily="18" charset="0"/>
+                <a:cs typeface="Times New Roman" panose="02020603050405020304" pitchFamily="18" charset="0"/>
+              </a:rPr>
+              <a:t>Pesquisar e fazer uma resenha sobre a temática.</a:t>
+            </a:r>
+          </a:p>
+          <a:p>
             <a:pPr marL="0" indent="0" algn="just">
               <a:buNone/>
             </a:pPr>
-            <a:r>
-              <a:rPr lang="pt-BR" sz="1800" dirty="0">
-                <a:latin typeface="Times New Roman" panose="02020603050405020304" pitchFamily="18" charset="0"/>
-                <a:cs typeface="Times New Roman" panose="02020603050405020304" pitchFamily="18" charset="0"/>
-              </a:rPr>
-              <a:t>[1] BISPO, Danilo Gustavo et al. Dos fundamentos da matemática ao surgimento da teoria da computação por Alan Turing. 2013. </a:t>
-            </a:r>
-          </a:p>
-          <a:p>
-            <a:pPr marL="0" indent="0" algn="just">
-              <a:buNone/>
-            </a:pPr>
-            <a:endParaRPr lang="pt-BR" sz="1800" dirty="0">
+            <a:endParaRPr lang="pt-BR" dirty="0">
               <a:latin typeface="Times New Roman" panose="02020603050405020304" pitchFamily="18" charset="0"/>
               <a:cs typeface="Times New Roman" panose="02020603050405020304" pitchFamily="18" charset="0"/>
             </a:endParaRPr>
           </a:p>
           <a:p>
+            <a:pPr algn="just">
+              <a:buFontTx/>
+              <a:buChar char="-"/>
+            </a:pPr>
+            <a:r>
+              <a:rPr lang="pt-BR" dirty="0">
+                <a:latin typeface="Times New Roman" panose="02020603050405020304" pitchFamily="18" charset="0"/>
+                <a:cs typeface="Times New Roman" panose="02020603050405020304" pitchFamily="18" charset="0"/>
+              </a:rPr>
+              <a:t>Elaborar duas perguntas para debate;</a:t>
+            </a:r>
+          </a:p>
+          <a:p>
             <a:pPr marL="0" indent="0" algn="just">
               <a:buNone/>
             </a:pPr>
-            <a:r>
-              <a:rPr lang="pt-BR" sz="1800" dirty="0">
-                <a:latin typeface="Times New Roman" panose="02020603050405020304" pitchFamily="18" charset="0"/>
-                <a:cs typeface="Times New Roman" panose="02020603050405020304" pitchFamily="18" charset="0"/>
-              </a:rPr>
-              <a:t>Disponível em:</a:t>
-            </a:r>
-          </a:p>
-          <a:p>
-            <a:pPr marL="0" indent="0" algn="just">
-              <a:buNone/>
-            </a:pPr>
-            <a:r>
-              <a:rPr lang="pt-BR" sz="1800" dirty="0">
-                <a:latin typeface="Times New Roman" panose="02020603050405020304" pitchFamily="18" charset="0"/>
-                <a:cs typeface="Times New Roman" panose="02020603050405020304" pitchFamily="18" charset="0"/>
-              </a:rPr>
-              <a:t> </a:t>
-            </a:r>
-            <a:r>
-              <a:rPr lang="pt-BR" sz="1800" dirty="0">
-                <a:latin typeface="Times New Roman" panose="02020603050405020304" pitchFamily="18" charset="0"/>
-                <a:cs typeface="Times New Roman" panose="02020603050405020304" pitchFamily="18" charset="0"/>
-                <a:hlinkClick r:id="rId3"/>
-              </a:rPr>
-              <a:t>https://sapientia.pucsp.br/bitstream/handle/13286/1/Danilo%20Gustavo%20Bispo.pdf</a:t>
-            </a:r>
-            <a:r>
-              <a:rPr lang="pt-BR" sz="1800" dirty="0">
-                <a:latin typeface="Times New Roman" panose="02020603050405020304" pitchFamily="18" charset="0"/>
-                <a:cs typeface="Times New Roman" panose="02020603050405020304" pitchFamily="18" charset="0"/>
-              </a:rPr>
-              <a:t> </a:t>
-            </a:r>
-          </a:p>
-          <a:p>
-            <a:pPr marL="0" indent="0" algn="just">
-              <a:buNone/>
-            </a:pPr>
-            <a:endParaRPr lang="pt-BR" sz="1800" dirty="0">
+            <a:endParaRPr lang="pt-BR" dirty="0">
               <a:latin typeface="Times New Roman" panose="02020603050405020304" pitchFamily="18" charset="0"/>
               <a:cs typeface="Times New Roman" panose="02020603050405020304" pitchFamily="18" charset="0"/>
             </a:endParaRPr>
@@ -4884,67 +7906,7 @@
             <a:pPr marL="0" indent="0" algn="just">
               <a:buNone/>
             </a:pPr>
-            <a:r>
-              <a:rPr lang="pt-BR" sz="1800" dirty="0">
-                <a:latin typeface="Times New Roman" panose="02020603050405020304" pitchFamily="18" charset="0"/>
-                <a:cs typeface="Times New Roman" panose="02020603050405020304" pitchFamily="18" charset="0"/>
-              </a:rPr>
-              <a:t>[2] FURTADO, Olinto José Varela. O ensino de Linguagens Formais vinculado ao ensino de Compiladores. In: XI Workshop de </a:t>
-            </a:r>
-            <a:r>
-              <a:rPr lang="pt-BR" sz="1800" dirty="0" err="1">
-                <a:latin typeface="Times New Roman" panose="02020603050405020304" pitchFamily="18" charset="0"/>
-                <a:cs typeface="Times New Roman" panose="02020603050405020304" pitchFamily="18" charset="0"/>
-              </a:rPr>
-              <a:t>Educaç</a:t>
-            </a:r>
-            <a:r>
-              <a:rPr lang="pt-BR" sz="1800" dirty="0">
-                <a:latin typeface="Times New Roman" panose="02020603050405020304" pitchFamily="18" charset="0"/>
-                <a:cs typeface="Times New Roman" panose="02020603050405020304" pitchFamily="18" charset="0"/>
-              </a:rPr>
-              <a:t> ao em </a:t>
-            </a:r>
-            <a:r>
-              <a:rPr lang="pt-BR" sz="1800" dirty="0" err="1">
-                <a:latin typeface="Times New Roman" panose="02020603050405020304" pitchFamily="18" charset="0"/>
-                <a:cs typeface="Times New Roman" panose="02020603050405020304" pitchFamily="18" charset="0"/>
-              </a:rPr>
-              <a:t>Computaç</a:t>
-            </a:r>
-            <a:r>
-              <a:rPr lang="pt-BR" sz="1800" dirty="0">
-                <a:latin typeface="Times New Roman" panose="02020603050405020304" pitchFamily="18" charset="0"/>
-                <a:cs typeface="Times New Roman" panose="02020603050405020304" pitchFamily="18" charset="0"/>
-              </a:rPr>
-              <a:t> ao, Campinas. 2003. p. 1-8.</a:t>
-            </a:r>
-          </a:p>
-          <a:p>
-            <a:pPr marL="0" indent="0" algn="just">
-              <a:buNone/>
-            </a:pPr>
-            <a:r>
-              <a:rPr lang="pt-BR" sz="1800" dirty="0">
-                <a:latin typeface="Times New Roman" panose="02020603050405020304" pitchFamily="18" charset="0"/>
-                <a:cs typeface="Times New Roman" panose="02020603050405020304" pitchFamily="18" charset="0"/>
-                <a:hlinkClick r:id="rId4"/>
-              </a:rPr>
-              <a:t>https://www.researchgate.net/profile/Olinto-Furtado/publication/339390162_O_ensino_de_Linguagens_Formais_vinculado_ao_ensino_de_Compiladores/links/5f1d00bf299bf1720d657e7a/O-ensino-de-Linguagens-Formais-vinculado-ao-ensino-de-Compiladores.pdf</a:t>
-            </a:r>
-            <a:r>
-              <a:rPr lang="pt-BR" sz="1800" dirty="0">
-                <a:latin typeface="Times New Roman" panose="02020603050405020304" pitchFamily="18" charset="0"/>
-                <a:cs typeface="Times New Roman" panose="02020603050405020304" pitchFamily="18" charset="0"/>
-              </a:rPr>
-              <a:t> </a:t>
-            </a:r>
-          </a:p>
-          <a:p>
-            <a:pPr marL="0" indent="0" algn="just">
-              <a:buNone/>
-            </a:pPr>
-            <a:endParaRPr lang="pt-BR" sz="1800" dirty="0">
+            <a:endParaRPr lang="pt-BR" dirty="0">
               <a:latin typeface="Times New Roman" panose="02020603050405020304" pitchFamily="18" charset="0"/>
               <a:cs typeface="Times New Roman" panose="02020603050405020304" pitchFamily="18" charset="0"/>
             </a:endParaRPr>
@@ -4953,7 +7915,7 @@
             <a:pPr marL="0" indent="0" algn="just">
               <a:buNone/>
             </a:pPr>
-            <a:endParaRPr lang="pt-BR" sz="1800" dirty="0">
+            <a:endParaRPr lang="pt-BR" dirty="0">
               <a:latin typeface="Times New Roman" panose="02020603050405020304" pitchFamily="18" charset="0"/>
               <a:cs typeface="Times New Roman" panose="02020603050405020304" pitchFamily="18" charset="0"/>
             </a:endParaRPr>
@@ -4962,16 +7924,28 @@
             <a:pPr marL="0" indent="0" algn="just">
               <a:buNone/>
             </a:pPr>
-            <a:endParaRPr lang="pt-BR" sz="1800" dirty="0">
+            <a:endParaRPr lang="pt-BR" dirty="0">
               <a:latin typeface="Times New Roman" panose="02020603050405020304" pitchFamily="18" charset="0"/>
               <a:cs typeface="Times New Roman" panose="02020603050405020304" pitchFamily="18" charset="0"/>
             </a:endParaRPr>
           </a:p>
           <a:p>
-            <a:pPr marL="0" indent="0" algn="just">
-              <a:buNone/>
-            </a:pPr>
-            <a:endParaRPr lang="pt-BR" sz="1800" dirty="0">
+            <a:pPr algn="just"/>
+            <a:endParaRPr lang="pt-BR" dirty="0">
+              <a:latin typeface="Times New Roman" panose="02020603050405020304" pitchFamily="18" charset="0"/>
+              <a:cs typeface="Times New Roman" panose="02020603050405020304" pitchFamily="18" charset="0"/>
+            </a:endParaRPr>
+          </a:p>
+          <a:p>
+            <a:pPr algn="just"/>
+            <a:endParaRPr lang="pt-BR" dirty="0">
+              <a:latin typeface="Times New Roman" panose="02020603050405020304" pitchFamily="18" charset="0"/>
+              <a:cs typeface="Times New Roman" panose="02020603050405020304" pitchFamily="18" charset="0"/>
+            </a:endParaRPr>
+          </a:p>
+          <a:p>
+            <a:pPr algn="just"/>
+            <a:endParaRPr lang="pt-BR" dirty="0">
               <a:latin typeface="Calibri" panose="020F0502020204030204" pitchFamily="34" charset="0"/>
             </a:endParaRPr>
           </a:p>
@@ -4980,7 +7954,7 @@
     </p:spTree>
     <p:extLst>
       <p:ext uri="{BB962C8B-B14F-4D97-AF65-F5344CB8AC3E}">
-        <p14:creationId xmlns:p14="http://schemas.microsoft.com/office/powerpoint/2010/main" val="3680270425"/>
+        <p14:creationId xmlns:p14="http://schemas.microsoft.com/office/powerpoint/2010/main" val="2470652989"/>
       </p:ext>
     </p:extLst>
   </p:cSld>
@@ -4991,7 +7965,7 @@
 </p:sld>
 </file>
 
-<file path=ppt/slides/slide6.xml><?xml version="1.0" encoding="utf-8"?>
+<file path=ppt/slides/slide22.xml><?xml version="1.0" encoding="utf-8"?>
 <p:sld xmlns:a="http://schemas.openxmlformats.org/drawingml/2006/main" xmlns:r="http://schemas.openxmlformats.org/officeDocument/2006/relationships" xmlns:p="http://schemas.openxmlformats.org/presentationml/2006/main">
   <p:cSld>
     <p:spTree>
@@ -5036,353 +8010,6 @@
                   <a:srgbClr val="0070C0"/>
                 </a:solidFill>
               </a:rPr>
-              <a:t>Aprenda</a:t>
-            </a:r>
-            <a:r>
-              <a:rPr lang="en-US" b="1" dirty="0">
-                <a:solidFill>
-                  <a:srgbClr val="0070C0"/>
-                </a:solidFill>
-              </a:rPr>
-              <a:t>+</a:t>
-            </a:r>
-          </a:p>
-        </p:txBody>
-      </p:sp>
-      <p:sp>
-        <p:nvSpPr>
-          <p:cNvPr id="8" name="Text Placeholder 2"/>
-          <p:cNvSpPr>
-            <a:spLocks noGrp="1"/>
-          </p:cNvSpPr>
-          <p:nvPr>
-            <p:ph type="body" sz="half" idx="1"/>
-          </p:nvPr>
-        </p:nvSpPr>
-        <p:spPr>
-          <a:xfrm>
-            <a:off x="142865" y="1200150"/>
-            <a:ext cx="8865056" cy="3572265"/>
-          </a:xfrm>
-        </p:spPr>
-        <p:txBody>
-          <a:bodyPr>
-            <a:noAutofit/>
-          </a:bodyPr>
-          <a:lstStyle/>
-          <a:p>
-            <a:pPr marL="0" indent="0" algn="just">
-              <a:buNone/>
-            </a:pPr>
-            <a:r>
-              <a:rPr lang="pt-BR" sz="1800" dirty="0">
-                <a:latin typeface="Times New Roman" panose="02020603050405020304" pitchFamily="18" charset="0"/>
-                <a:cs typeface="Times New Roman" panose="02020603050405020304" pitchFamily="18" charset="0"/>
-              </a:rPr>
-              <a:t>[1] Linguagens Formais e Autômatos. </a:t>
-            </a:r>
-          </a:p>
-          <a:p>
-            <a:pPr marL="0" indent="0" algn="just">
-              <a:buNone/>
-            </a:pPr>
-            <a:endParaRPr lang="pt-BR" sz="1800" dirty="0">
-              <a:latin typeface="Times New Roman" panose="02020603050405020304" pitchFamily="18" charset="0"/>
-              <a:cs typeface="Times New Roman" panose="02020603050405020304" pitchFamily="18" charset="0"/>
-            </a:endParaRPr>
-          </a:p>
-          <a:p>
-            <a:pPr marL="0" indent="0" algn="just">
-              <a:buNone/>
-            </a:pPr>
-            <a:r>
-              <a:rPr lang="pt-BR" sz="1800" dirty="0">
-                <a:latin typeface="Times New Roman" panose="02020603050405020304" pitchFamily="18" charset="0"/>
-                <a:cs typeface="Times New Roman" panose="02020603050405020304" pitchFamily="18" charset="0"/>
-              </a:rPr>
-              <a:t>Disponível em: </a:t>
-            </a:r>
-            <a:r>
-              <a:rPr lang="pt-BR" sz="1800" dirty="0">
-                <a:latin typeface="Times New Roman" panose="02020603050405020304" pitchFamily="18" charset="0"/>
-                <a:cs typeface="Times New Roman" panose="02020603050405020304" pitchFamily="18" charset="0"/>
-                <a:hlinkClick r:id="rId3"/>
-              </a:rPr>
-              <a:t>http://www2.ic.uff.br/~ueverton/files/LF/aula03.pdf</a:t>
-            </a:r>
-            <a:endParaRPr lang="pt-BR" sz="1800" dirty="0">
-              <a:latin typeface="Times New Roman" panose="02020603050405020304" pitchFamily="18" charset="0"/>
-              <a:cs typeface="Times New Roman" panose="02020603050405020304" pitchFamily="18" charset="0"/>
-            </a:endParaRPr>
-          </a:p>
-          <a:p>
-            <a:pPr marL="0" indent="0" algn="just">
-              <a:buNone/>
-            </a:pPr>
-            <a:endParaRPr lang="pt-BR" sz="1800" dirty="0">
-              <a:latin typeface="Calibri" panose="020F0502020204030204" pitchFamily="34" charset="0"/>
-            </a:endParaRPr>
-          </a:p>
-        </p:txBody>
-      </p:sp>
-    </p:spTree>
-    <p:extLst>
-      <p:ext uri="{BB962C8B-B14F-4D97-AF65-F5344CB8AC3E}">
-        <p14:creationId xmlns:p14="http://schemas.microsoft.com/office/powerpoint/2010/main" val="2747596967"/>
-      </p:ext>
-    </p:extLst>
-  </p:cSld>
-  <p:clrMapOvr>
-    <a:masterClrMapping/>
-  </p:clrMapOvr>
-  <p:transition spd="med"/>
-</p:sld>
-</file>
-
-<file path=ppt/slides/slide7.xml><?xml version="1.0" encoding="utf-8"?>
-<p:sld xmlns:a="http://schemas.openxmlformats.org/drawingml/2006/main" xmlns:r="http://schemas.openxmlformats.org/officeDocument/2006/relationships" xmlns:p="http://schemas.openxmlformats.org/presentationml/2006/main">
-  <p:cSld>
-    <p:spTree>
-      <p:nvGrpSpPr>
-        <p:cNvPr id="1" name=""/>
-        <p:cNvGrpSpPr/>
-        <p:nvPr/>
-      </p:nvGrpSpPr>
-      <p:grpSpPr>
-        <a:xfrm>
-          <a:off x="0" y="0"/>
-          <a:ext cx="0" cy="0"/>
-          <a:chOff x="0" y="0"/>
-          <a:chExt cx="0" cy="0"/>
-        </a:xfrm>
-      </p:grpSpPr>
-      <p:sp>
-        <p:nvSpPr>
-          <p:cNvPr id="6" name="Title 1"/>
-          <p:cNvSpPr>
-            <a:spLocks noGrp="1"/>
-          </p:cNvSpPr>
-          <p:nvPr>
-            <p:ph type="title"/>
-          </p:nvPr>
-        </p:nvSpPr>
-        <p:spPr>
-          <a:xfrm>
-            <a:off x="457200" y="205980"/>
-            <a:ext cx="8229600" cy="857251"/>
-          </a:xfrm>
-        </p:spPr>
-        <p:txBody>
-          <a:bodyPr>
-            <a:normAutofit/>
-          </a:bodyPr>
-          <a:lstStyle/>
-          <a:p>
-            <a:r>
-              <a:rPr lang="en-US" b="1" dirty="0" err="1">
-                <a:solidFill>
-                  <a:srgbClr val="0070C0"/>
-                </a:solidFill>
-              </a:rPr>
-              <a:t>Dinâmica</a:t>
-            </a:r>
-            <a:r>
-              <a:rPr lang="en-US" b="1" dirty="0">
-                <a:solidFill>
-                  <a:srgbClr val="0070C0"/>
-                </a:solidFill>
-              </a:rPr>
-              <a:t>/</a:t>
-            </a:r>
-            <a:r>
-              <a:rPr lang="en-US" b="1" dirty="0" err="1">
-                <a:solidFill>
-                  <a:srgbClr val="0070C0"/>
-                </a:solidFill>
-              </a:rPr>
-              <a:t>Atividades</a:t>
-            </a:r>
-            <a:endParaRPr lang="en-US" b="1" dirty="0">
-              <a:solidFill>
-                <a:srgbClr val="0070C0"/>
-              </a:solidFill>
-            </a:endParaRPr>
-          </a:p>
-        </p:txBody>
-      </p:sp>
-      <p:sp>
-        <p:nvSpPr>
-          <p:cNvPr id="8" name="Text Placeholder 2"/>
-          <p:cNvSpPr>
-            <a:spLocks noGrp="1"/>
-          </p:cNvSpPr>
-          <p:nvPr>
-            <p:ph type="body" sz="half" idx="1"/>
-          </p:nvPr>
-        </p:nvSpPr>
-        <p:spPr>
-          <a:xfrm>
-            <a:off x="139472" y="1063230"/>
-            <a:ext cx="8865056" cy="3606305"/>
-          </a:xfrm>
-        </p:spPr>
-        <p:txBody>
-          <a:bodyPr>
-            <a:noAutofit/>
-          </a:bodyPr>
-          <a:lstStyle/>
-          <a:p>
-            <a:pPr algn="just">
-              <a:buFontTx/>
-              <a:buChar char="-"/>
-            </a:pPr>
-            <a:r>
-              <a:rPr lang="pt-BR" dirty="0">
-                <a:latin typeface="Times New Roman" panose="02020603050405020304" pitchFamily="18" charset="0"/>
-                <a:cs typeface="Times New Roman" panose="02020603050405020304" pitchFamily="18" charset="0"/>
-              </a:rPr>
-              <a:t>Pesquisar e fazer uma resenha do formalismo da teoria da computação e linguagens formais.</a:t>
-            </a:r>
-          </a:p>
-          <a:p>
-            <a:pPr marL="0" indent="0" algn="just">
-              <a:buNone/>
-            </a:pPr>
-            <a:endParaRPr lang="pt-BR" dirty="0">
-              <a:latin typeface="Times New Roman" panose="02020603050405020304" pitchFamily="18" charset="0"/>
-              <a:cs typeface="Times New Roman" panose="02020603050405020304" pitchFamily="18" charset="0"/>
-            </a:endParaRPr>
-          </a:p>
-          <a:p>
-            <a:pPr algn="just">
-              <a:buFontTx/>
-              <a:buChar char="-"/>
-            </a:pPr>
-            <a:r>
-              <a:rPr lang="pt-BR" dirty="0">
-                <a:latin typeface="Times New Roman" panose="02020603050405020304" pitchFamily="18" charset="0"/>
-                <a:cs typeface="Times New Roman" panose="02020603050405020304" pitchFamily="18" charset="0"/>
-              </a:rPr>
-              <a:t>Elaborar duas perguntas para debate;</a:t>
-            </a:r>
-          </a:p>
-          <a:p>
-            <a:pPr marL="0" indent="0" algn="just">
-              <a:buNone/>
-            </a:pPr>
-            <a:endParaRPr lang="pt-BR" dirty="0">
-              <a:latin typeface="Times New Roman" panose="02020603050405020304" pitchFamily="18" charset="0"/>
-              <a:cs typeface="Times New Roman" panose="02020603050405020304" pitchFamily="18" charset="0"/>
-            </a:endParaRPr>
-          </a:p>
-          <a:p>
-            <a:pPr marL="0" indent="0" algn="just">
-              <a:buNone/>
-            </a:pPr>
-            <a:endParaRPr lang="pt-BR" dirty="0">
-              <a:latin typeface="Times New Roman" panose="02020603050405020304" pitchFamily="18" charset="0"/>
-              <a:cs typeface="Times New Roman" panose="02020603050405020304" pitchFamily="18" charset="0"/>
-            </a:endParaRPr>
-          </a:p>
-          <a:p>
-            <a:pPr marL="0" indent="0" algn="just">
-              <a:buNone/>
-            </a:pPr>
-            <a:endParaRPr lang="pt-BR" dirty="0">
-              <a:latin typeface="Times New Roman" panose="02020603050405020304" pitchFamily="18" charset="0"/>
-              <a:cs typeface="Times New Roman" panose="02020603050405020304" pitchFamily="18" charset="0"/>
-            </a:endParaRPr>
-          </a:p>
-          <a:p>
-            <a:pPr marL="0" indent="0" algn="just">
-              <a:buNone/>
-            </a:pPr>
-            <a:endParaRPr lang="pt-BR" dirty="0">
-              <a:latin typeface="Times New Roman" panose="02020603050405020304" pitchFamily="18" charset="0"/>
-              <a:cs typeface="Times New Roman" panose="02020603050405020304" pitchFamily="18" charset="0"/>
-            </a:endParaRPr>
-          </a:p>
-          <a:p>
-            <a:pPr algn="just"/>
-            <a:endParaRPr lang="pt-BR" dirty="0">
-              <a:latin typeface="Times New Roman" panose="02020603050405020304" pitchFamily="18" charset="0"/>
-              <a:cs typeface="Times New Roman" panose="02020603050405020304" pitchFamily="18" charset="0"/>
-            </a:endParaRPr>
-          </a:p>
-          <a:p>
-            <a:pPr algn="just"/>
-            <a:endParaRPr lang="pt-BR" dirty="0">
-              <a:latin typeface="Times New Roman" panose="02020603050405020304" pitchFamily="18" charset="0"/>
-              <a:cs typeface="Times New Roman" panose="02020603050405020304" pitchFamily="18" charset="0"/>
-            </a:endParaRPr>
-          </a:p>
-          <a:p>
-            <a:pPr algn="just"/>
-            <a:endParaRPr lang="pt-BR" dirty="0">
-              <a:latin typeface="Calibri" panose="020F0502020204030204" pitchFamily="34" charset="0"/>
-            </a:endParaRPr>
-          </a:p>
-        </p:txBody>
-      </p:sp>
-    </p:spTree>
-    <p:extLst>
-      <p:ext uri="{BB962C8B-B14F-4D97-AF65-F5344CB8AC3E}">
-        <p14:creationId xmlns:p14="http://schemas.microsoft.com/office/powerpoint/2010/main" val="2470652989"/>
-      </p:ext>
-    </p:extLst>
-  </p:cSld>
-  <p:clrMapOvr>
-    <a:masterClrMapping/>
-  </p:clrMapOvr>
-  <p:transition spd="med"/>
-</p:sld>
-</file>
-
-<file path=ppt/slides/slide8.xml><?xml version="1.0" encoding="utf-8"?>
-<p:sld xmlns:a="http://schemas.openxmlformats.org/drawingml/2006/main" xmlns:r="http://schemas.openxmlformats.org/officeDocument/2006/relationships" xmlns:p="http://schemas.openxmlformats.org/presentationml/2006/main">
-  <p:cSld>
-    <p:spTree>
-      <p:nvGrpSpPr>
-        <p:cNvPr id="1" name=""/>
-        <p:cNvGrpSpPr/>
-        <p:nvPr/>
-      </p:nvGrpSpPr>
-      <p:grpSpPr>
-        <a:xfrm>
-          <a:off x="0" y="0"/>
-          <a:ext cx="0" cy="0"/>
-          <a:chOff x="0" y="0"/>
-          <a:chExt cx="0" cy="0"/>
-        </a:xfrm>
-      </p:grpSpPr>
-      <p:sp>
-        <p:nvSpPr>
-          <p:cNvPr id="6" name="Title 1"/>
-          <p:cNvSpPr>
-            <a:spLocks noGrp="1"/>
-          </p:cNvSpPr>
-          <p:nvPr>
-            <p:ph type="title"/>
-          </p:nvPr>
-        </p:nvSpPr>
-        <p:spPr>
-          <a:xfrm>
-            <a:off x="457200" y="205980"/>
-            <a:ext cx="8229600" cy="857251"/>
-          </a:xfrm>
-        </p:spPr>
-        <p:txBody>
-          <a:bodyPr>
-            <a:normAutofit/>
-          </a:bodyPr>
-          <a:lstStyle/>
-          <a:p>
-            <a:r>
-              <a:rPr lang="en-US" b="1" dirty="0" err="1">
-                <a:solidFill>
-                  <a:srgbClr val="0070C0"/>
-                </a:solidFill>
-              </a:rPr>
               <a:t>Referências</a:t>
             </a:r>
             <a:r>
@@ -5439,7 +8066,7 @@
                 <a:latin typeface="Times New Roman" panose="02020603050405020304" pitchFamily="18" charset="0"/>
                 <a:cs typeface="Times New Roman" panose="02020603050405020304" pitchFamily="18" charset="0"/>
               </a:rPr>
-              <a:t>[1] SCARTON, Carolina Evaristo; ALUISIO, Sandra. O uso do MERLOT por Alunos de Teoria da Computação para a Criação de Materiais de Ensino-Aprendizagem. In: XIX Workshop sobre Educação em Computação. 2011.</a:t>
+              <a:t>[1] GUDWIN, Ricardo R. Linguagens de programação. Campinas: DCA/FEEC/UNICAMP, p. 24, 1997.</a:t>
             </a:r>
           </a:p>
           <a:p>
@@ -5455,22 +8082,22 @@
             <a:pPr marL="0" indent="0" algn="just">
               <a:buNone/>
             </a:pPr>
-            <a:r>
-              <a:rPr lang="pt-BR" sz="2400" dirty="0">
-                <a:latin typeface="Times New Roman" panose="02020603050405020304" pitchFamily="18" charset="0"/>
-                <a:cs typeface="Times New Roman" panose="02020603050405020304" pitchFamily="18" charset="0"/>
-              </a:rPr>
-              <a:t>[2] BISPO, Danilo Gustavo et al. Dos fundamentos da matemática ao surgimento da teoria da computação por Alan Turing. 2013.</a:t>
-            </a:r>
-          </a:p>
-          <a:p>
-            <a:pPr marL="0" indent="0" algn="just">
-              <a:buNone/>
-            </a:pPr>
             <a:endParaRPr lang="pt-BR" sz="2400" dirty="0">
               <a:latin typeface="Times New Roman" panose="02020603050405020304" pitchFamily="18" charset="0"/>
               <a:cs typeface="Times New Roman" panose="02020603050405020304" pitchFamily="18" charset="0"/>
             </a:endParaRPr>
+          </a:p>
+          <a:p>
+            <a:pPr marL="0" indent="0" algn="just">
+              <a:buNone/>
+            </a:pPr>
+            <a:r>
+              <a:rPr lang="pt-BR" sz="2400" dirty="0">
+                <a:latin typeface="Times New Roman" panose="02020603050405020304" pitchFamily="18" charset="0"/>
+                <a:cs typeface="Times New Roman" panose="02020603050405020304" pitchFamily="18" charset="0"/>
+              </a:rPr>
+              <a:t>[2] DA SILVA, ADEILDO TELLES. INTRODUÇÃO A COMPILADORES.</a:t>
+            </a:r>
           </a:p>
           <a:p>
             <a:pPr marL="0" indent="0" algn="just">
@@ -5496,7 +8123,7 @@
 </p:sld>
 </file>
 
-<file path=ppt/slides/slide9.xml><?xml version="1.0" encoding="utf-8"?>
+<file path=ppt/slides/slide23.xml><?xml version="1.0" encoding="utf-8"?>
 <p:sld xmlns:a="http://schemas.openxmlformats.org/drawingml/2006/main" xmlns:r="http://schemas.openxmlformats.org/officeDocument/2006/relationships" xmlns:p="http://schemas.openxmlformats.org/presentationml/2006/main">
   <p:cSld>
     <p:spTree>
@@ -5939,6 +8566,1786 @@
         </p:txBody>
       </p:sp>
     </p:spTree>
+  </p:cSld>
+  <p:clrMapOvr>
+    <a:masterClrMapping/>
+  </p:clrMapOvr>
+  <p:transition spd="med"/>
+</p:sld>
+</file>
+
+<file path=ppt/slides/slide3.xml><?xml version="1.0" encoding="utf-8"?>
+<p:sld xmlns:a="http://schemas.openxmlformats.org/drawingml/2006/main" xmlns:r="http://schemas.openxmlformats.org/officeDocument/2006/relationships" xmlns:p="http://schemas.openxmlformats.org/presentationml/2006/main">
+  <p:cSld>
+    <p:spTree>
+      <p:nvGrpSpPr>
+        <p:cNvPr id="1" name=""/>
+        <p:cNvGrpSpPr/>
+        <p:nvPr/>
+      </p:nvGrpSpPr>
+      <p:grpSpPr>
+        <a:xfrm>
+          <a:off x="0" y="0"/>
+          <a:ext cx="0" cy="0"/>
+          <a:chOff x="0" y="0"/>
+          <a:chExt cx="0" cy="0"/>
+        </a:xfrm>
+      </p:grpSpPr>
+      <p:sp>
+        <p:nvSpPr>
+          <p:cNvPr id="6" name="Title 1"/>
+          <p:cNvSpPr>
+            <a:spLocks noGrp="1"/>
+          </p:cNvSpPr>
+          <p:nvPr>
+            <p:ph type="title"/>
+          </p:nvPr>
+        </p:nvSpPr>
+        <p:spPr>
+          <a:xfrm>
+            <a:off x="457200" y="205980"/>
+            <a:ext cx="8229600" cy="857251"/>
+          </a:xfrm>
+        </p:spPr>
+        <p:txBody>
+          <a:bodyPr>
+            <a:normAutofit/>
+          </a:bodyPr>
+          <a:lstStyle/>
+          <a:p>
+            <a:r>
+              <a:rPr lang="en-US" b="1" dirty="0" err="1">
+                <a:solidFill>
+                  <a:srgbClr val="0070C0"/>
+                </a:solidFill>
+              </a:rPr>
+              <a:t>Linguagens</a:t>
+            </a:r>
+            <a:r>
+              <a:rPr lang="en-US" b="1" dirty="0">
+                <a:solidFill>
+                  <a:srgbClr val="0070C0"/>
+                </a:solidFill>
+              </a:rPr>
+              <a:t> de </a:t>
+            </a:r>
+            <a:r>
+              <a:rPr lang="en-US" b="1" dirty="0" err="1">
+                <a:solidFill>
+                  <a:srgbClr val="0070C0"/>
+                </a:solidFill>
+              </a:rPr>
+              <a:t>Programação</a:t>
+            </a:r>
+            <a:endParaRPr lang="en-US" b="1" dirty="0">
+              <a:solidFill>
+                <a:srgbClr val="0070C0"/>
+              </a:solidFill>
+            </a:endParaRPr>
+          </a:p>
+        </p:txBody>
+      </p:sp>
+      <p:sp>
+        <p:nvSpPr>
+          <p:cNvPr id="8" name="Text Placeholder 2"/>
+          <p:cNvSpPr>
+            <a:spLocks noGrp="1"/>
+          </p:cNvSpPr>
+          <p:nvPr>
+            <p:ph type="body" sz="half" idx="1"/>
+          </p:nvPr>
+        </p:nvSpPr>
+        <p:spPr>
+          <a:xfrm>
+            <a:off x="142865" y="1200151"/>
+            <a:ext cx="8865056" cy="3872890"/>
+          </a:xfrm>
+        </p:spPr>
+        <p:txBody>
+          <a:bodyPr>
+            <a:noAutofit/>
+          </a:bodyPr>
+          <a:lstStyle/>
+          <a:p>
+            <a:pPr marL="0" indent="0" algn="just">
+              <a:buNone/>
+            </a:pPr>
+            <a:r>
+              <a:rPr lang="pt-BR" sz="2800" b="1" dirty="0">
+                <a:solidFill>
+                  <a:srgbClr val="FF0000"/>
+                </a:solidFill>
+                <a:latin typeface="Times New Roman" panose="02020603050405020304" pitchFamily="18" charset="0"/>
+                <a:cs typeface="Times New Roman" panose="02020603050405020304" pitchFamily="18" charset="0"/>
+              </a:rPr>
+              <a:t>Evolução</a:t>
+            </a:r>
+            <a:r>
+              <a:rPr lang="pt-BR" sz="2800" dirty="0">
+                <a:solidFill>
+                  <a:schemeClr val="tx1"/>
+                </a:solidFill>
+                <a:latin typeface="Times New Roman" panose="02020603050405020304" pitchFamily="18" charset="0"/>
+                <a:cs typeface="Times New Roman" panose="02020603050405020304" pitchFamily="18" charset="0"/>
+              </a:rPr>
+              <a:t> </a:t>
+            </a:r>
+          </a:p>
+          <a:p>
+            <a:pPr algn="just">
+              <a:buFont typeface="Wingdings" panose="05000000000000000000" pitchFamily="2" charset="2"/>
+              <a:buChar char="§"/>
+            </a:pPr>
+            <a:r>
+              <a:rPr lang="pt-BR" dirty="0">
+                <a:solidFill>
+                  <a:schemeClr val="tx1"/>
+                </a:solidFill>
+                <a:latin typeface="Times New Roman" panose="02020603050405020304" pitchFamily="18" charset="0"/>
+                <a:cs typeface="Times New Roman" panose="02020603050405020304" pitchFamily="18" charset="0"/>
+              </a:rPr>
+              <a:t>Primeira geração - linguagem de máquina. </a:t>
+            </a:r>
+          </a:p>
+          <a:p>
+            <a:pPr algn="just">
+              <a:buFont typeface="Wingdings" panose="05000000000000000000" pitchFamily="2" charset="2"/>
+              <a:buChar char="§"/>
+            </a:pPr>
+            <a:r>
+              <a:rPr lang="pt-BR" dirty="0">
+                <a:solidFill>
+                  <a:schemeClr val="tx1"/>
+                </a:solidFill>
+                <a:latin typeface="Times New Roman" panose="02020603050405020304" pitchFamily="18" charset="0"/>
+                <a:cs typeface="Times New Roman" panose="02020603050405020304" pitchFamily="18" charset="0"/>
+              </a:rPr>
+              <a:t>Segunda geração - linguagens de montagem (</a:t>
+            </a:r>
+            <a:r>
+              <a:rPr lang="pt-BR" b="1" dirty="0" err="1">
+                <a:solidFill>
+                  <a:schemeClr val="tx1"/>
+                </a:solidFill>
+                <a:latin typeface="Times New Roman" panose="02020603050405020304" pitchFamily="18" charset="0"/>
+                <a:cs typeface="Times New Roman" panose="02020603050405020304" pitchFamily="18" charset="0"/>
+              </a:rPr>
+              <a:t>assembly</a:t>
+            </a:r>
+            <a:r>
+              <a:rPr lang="pt-BR" dirty="0">
+                <a:solidFill>
+                  <a:schemeClr val="tx1"/>
+                </a:solidFill>
+                <a:latin typeface="Times New Roman" panose="02020603050405020304" pitchFamily="18" charset="0"/>
+                <a:cs typeface="Times New Roman" panose="02020603050405020304" pitchFamily="18" charset="0"/>
+              </a:rPr>
+              <a:t>)</a:t>
+            </a:r>
+          </a:p>
+          <a:p>
+            <a:pPr algn="just">
+              <a:buFont typeface="Wingdings" panose="05000000000000000000" pitchFamily="2" charset="2"/>
+              <a:buChar char="§"/>
+            </a:pPr>
+            <a:r>
+              <a:rPr lang="pt-BR" dirty="0">
+                <a:solidFill>
+                  <a:schemeClr val="tx1"/>
+                </a:solidFill>
+                <a:latin typeface="Times New Roman" panose="02020603050405020304" pitchFamily="18" charset="0"/>
+                <a:cs typeface="Times New Roman" panose="02020603050405020304" pitchFamily="18" charset="0"/>
+              </a:rPr>
+              <a:t>Terceira geração - Linguagens procedurais. </a:t>
+            </a:r>
+          </a:p>
+          <a:p>
+            <a:pPr algn="just">
+              <a:buFont typeface="Wingdings" panose="05000000000000000000" pitchFamily="2" charset="2"/>
+              <a:buChar char="§"/>
+            </a:pPr>
+            <a:r>
+              <a:rPr lang="pt-BR" dirty="0">
+                <a:solidFill>
+                  <a:schemeClr val="tx1"/>
+                </a:solidFill>
+                <a:latin typeface="Times New Roman" panose="02020603050405020304" pitchFamily="18" charset="0"/>
+                <a:cs typeface="Times New Roman" panose="02020603050405020304" pitchFamily="18" charset="0"/>
+              </a:rPr>
+              <a:t>Quarta geração - Linguagens aplicativas.</a:t>
+            </a:r>
+          </a:p>
+          <a:p>
+            <a:pPr algn="just">
+              <a:buFont typeface="Wingdings" panose="05000000000000000000" pitchFamily="2" charset="2"/>
+              <a:buChar char="§"/>
+            </a:pPr>
+            <a:r>
+              <a:rPr lang="pt-BR" dirty="0">
+                <a:solidFill>
+                  <a:schemeClr val="tx1"/>
+                </a:solidFill>
+                <a:latin typeface="Times New Roman" panose="02020603050405020304" pitchFamily="18" charset="0"/>
+                <a:cs typeface="Times New Roman" panose="02020603050405020304" pitchFamily="18" charset="0"/>
+              </a:rPr>
+              <a:t>Quinta geração – Linguagens voltadas para IA, Prolog, </a:t>
+            </a:r>
+            <a:r>
+              <a:rPr lang="pt-BR" dirty="0" err="1">
+                <a:solidFill>
+                  <a:schemeClr val="tx1"/>
+                </a:solidFill>
+                <a:latin typeface="Times New Roman" panose="02020603050405020304" pitchFamily="18" charset="0"/>
+                <a:cs typeface="Times New Roman" panose="02020603050405020304" pitchFamily="18" charset="0"/>
+              </a:rPr>
+              <a:t>etc</a:t>
+            </a:r>
+            <a:endParaRPr lang="pt-BR" dirty="0">
+              <a:solidFill>
+                <a:schemeClr val="tx1"/>
+              </a:solidFill>
+              <a:latin typeface="Times New Roman" panose="02020603050405020304" pitchFamily="18" charset="0"/>
+              <a:cs typeface="Times New Roman" panose="02020603050405020304" pitchFamily="18" charset="0"/>
+            </a:endParaRPr>
+          </a:p>
+          <a:p>
+            <a:pPr marL="0" indent="0" algn="just">
+              <a:buNone/>
+            </a:pPr>
+            <a:r>
+              <a:rPr lang="pt-BR" dirty="0">
+                <a:solidFill>
+                  <a:schemeClr val="tx1"/>
+                </a:solidFill>
+                <a:latin typeface="Times New Roman" panose="02020603050405020304" pitchFamily="18" charset="0"/>
+                <a:cs typeface="Times New Roman" panose="02020603050405020304" pitchFamily="18" charset="0"/>
+                <a:hlinkClick r:id="rId3"/>
+              </a:rPr>
+              <a:t>https://www.youtube.com/watch?v=Y3FwyxQT4ao</a:t>
+            </a:r>
+            <a:endParaRPr lang="pt-BR" dirty="0">
+              <a:solidFill>
+                <a:schemeClr val="tx1"/>
+              </a:solidFill>
+              <a:latin typeface="Times New Roman" panose="02020603050405020304" pitchFamily="18" charset="0"/>
+              <a:cs typeface="Times New Roman" panose="02020603050405020304" pitchFamily="18" charset="0"/>
+            </a:endParaRPr>
+          </a:p>
+          <a:p>
+            <a:pPr marL="0" indent="0" algn="just">
+              <a:buNone/>
+            </a:pPr>
+            <a:endParaRPr lang="pt-BR" dirty="0">
+              <a:solidFill>
+                <a:schemeClr val="tx1"/>
+              </a:solidFill>
+              <a:latin typeface="Times New Roman" panose="02020603050405020304" pitchFamily="18" charset="0"/>
+              <a:cs typeface="Times New Roman" panose="02020603050405020304" pitchFamily="18" charset="0"/>
+            </a:endParaRPr>
+          </a:p>
+          <a:p>
+            <a:pPr marL="0" indent="0" algn="just">
+              <a:buNone/>
+            </a:pPr>
+            <a:endParaRPr lang="pt-BR" dirty="0">
+              <a:solidFill>
+                <a:schemeClr val="tx1"/>
+              </a:solidFill>
+              <a:latin typeface="Times New Roman" panose="02020603050405020304" pitchFamily="18" charset="0"/>
+              <a:cs typeface="Times New Roman" panose="02020603050405020304" pitchFamily="18" charset="0"/>
+            </a:endParaRPr>
+          </a:p>
+        </p:txBody>
+      </p:sp>
+    </p:spTree>
+    <p:extLst>
+      <p:ext uri="{BB962C8B-B14F-4D97-AF65-F5344CB8AC3E}">
+        <p14:creationId xmlns:p14="http://schemas.microsoft.com/office/powerpoint/2010/main" val="1275059607"/>
+      </p:ext>
+    </p:extLst>
+  </p:cSld>
+  <p:clrMapOvr>
+    <a:masterClrMapping/>
+  </p:clrMapOvr>
+  <p:transition spd="med"/>
+</p:sld>
+</file>
+
+<file path=ppt/slides/slide4.xml><?xml version="1.0" encoding="utf-8"?>
+<p:sld xmlns:a="http://schemas.openxmlformats.org/drawingml/2006/main" xmlns:r="http://schemas.openxmlformats.org/officeDocument/2006/relationships" xmlns:p="http://schemas.openxmlformats.org/presentationml/2006/main">
+  <p:cSld>
+    <p:spTree>
+      <p:nvGrpSpPr>
+        <p:cNvPr id="1" name=""/>
+        <p:cNvGrpSpPr/>
+        <p:nvPr/>
+      </p:nvGrpSpPr>
+      <p:grpSpPr>
+        <a:xfrm>
+          <a:off x="0" y="0"/>
+          <a:ext cx="0" cy="0"/>
+          <a:chOff x="0" y="0"/>
+          <a:chExt cx="0" cy="0"/>
+        </a:xfrm>
+      </p:grpSpPr>
+      <p:sp>
+        <p:nvSpPr>
+          <p:cNvPr id="6" name="Title 1"/>
+          <p:cNvSpPr>
+            <a:spLocks noGrp="1"/>
+          </p:cNvSpPr>
+          <p:nvPr>
+            <p:ph type="title"/>
+          </p:nvPr>
+        </p:nvSpPr>
+        <p:spPr>
+          <a:xfrm>
+            <a:off x="457200" y="205980"/>
+            <a:ext cx="8229600" cy="857251"/>
+          </a:xfrm>
+        </p:spPr>
+        <p:txBody>
+          <a:bodyPr>
+            <a:normAutofit/>
+          </a:bodyPr>
+          <a:lstStyle/>
+          <a:p>
+            <a:r>
+              <a:rPr lang="en-US" b="1" dirty="0" err="1">
+                <a:solidFill>
+                  <a:srgbClr val="0070C0"/>
+                </a:solidFill>
+              </a:rPr>
+              <a:t>Linguagens</a:t>
+            </a:r>
+            <a:r>
+              <a:rPr lang="en-US" b="1" dirty="0">
+                <a:solidFill>
+                  <a:srgbClr val="0070C0"/>
+                </a:solidFill>
+              </a:rPr>
+              <a:t> de </a:t>
+            </a:r>
+            <a:r>
+              <a:rPr lang="en-US" b="1" dirty="0" err="1">
+                <a:solidFill>
+                  <a:srgbClr val="0070C0"/>
+                </a:solidFill>
+              </a:rPr>
+              <a:t>Programação</a:t>
+            </a:r>
+            <a:endParaRPr lang="en-US" b="1" dirty="0">
+              <a:solidFill>
+                <a:srgbClr val="0070C0"/>
+              </a:solidFill>
+            </a:endParaRPr>
+          </a:p>
+        </p:txBody>
+      </p:sp>
+      <p:sp>
+        <p:nvSpPr>
+          <p:cNvPr id="8" name="Text Placeholder 2"/>
+          <p:cNvSpPr>
+            <a:spLocks noGrp="1"/>
+          </p:cNvSpPr>
+          <p:nvPr>
+            <p:ph type="body" sz="half" idx="1"/>
+          </p:nvPr>
+        </p:nvSpPr>
+        <p:spPr>
+          <a:xfrm>
+            <a:off x="142865" y="1200151"/>
+            <a:ext cx="8865056" cy="3872890"/>
+          </a:xfrm>
+        </p:spPr>
+        <p:txBody>
+          <a:bodyPr>
+            <a:noAutofit/>
+          </a:bodyPr>
+          <a:lstStyle/>
+          <a:p>
+            <a:pPr marL="0" indent="0" algn="just">
+              <a:buNone/>
+            </a:pPr>
+            <a:r>
+              <a:rPr lang="pt-BR" sz="2800" dirty="0">
+                <a:solidFill>
+                  <a:schemeClr val="tx1"/>
+                </a:solidFill>
+                <a:latin typeface="Times New Roman" panose="02020603050405020304" pitchFamily="18" charset="0"/>
+                <a:cs typeface="Times New Roman" panose="02020603050405020304" pitchFamily="18" charset="0"/>
+              </a:rPr>
+              <a:t>A </a:t>
+            </a:r>
+            <a:r>
+              <a:rPr lang="pt-BR" sz="2800" b="1" dirty="0">
+                <a:solidFill>
+                  <a:srgbClr val="FF0000"/>
+                </a:solidFill>
+                <a:latin typeface="Times New Roman" panose="02020603050405020304" pitchFamily="18" charset="0"/>
+                <a:cs typeface="Times New Roman" panose="02020603050405020304" pitchFamily="18" charset="0"/>
+              </a:rPr>
+              <a:t>primeira linguagem de programação de alto-nível </a:t>
+            </a:r>
+            <a:r>
+              <a:rPr lang="pt-BR" sz="2800" dirty="0">
+                <a:solidFill>
+                  <a:schemeClr val="tx1"/>
+                </a:solidFill>
+                <a:latin typeface="Times New Roman" panose="02020603050405020304" pitchFamily="18" charset="0"/>
+                <a:cs typeface="Times New Roman" panose="02020603050405020304" pitchFamily="18" charset="0"/>
+              </a:rPr>
+              <a:t>foi a </a:t>
+            </a:r>
+            <a:r>
+              <a:rPr lang="pt-BR" sz="2800" b="1" dirty="0" err="1">
+                <a:solidFill>
+                  <a:schemeClr val="tx1"/>
+                </a:solidFill>
+                <a:latin typeface="Times New Roman" panose="02020603050405020304" pitchFamily="18" charset="0"/>
+                <a:cs typeface="Times New Roman" panose="02020603050405020304" pitchFamily="18" charset="0"/>
+              </a:rPr>
+              <a:t>Plankalkül</a:t>
+            </a:r>
+            <a:r>
+              <a:rPr lang="pt-BR" sz="2800" dirty="0">
+                <a:solidFill>
+                  <a:schemeClr val="tx1"/>
+                </a:solidFill>
+                <a:latin typeface="Times New Roman" panose="02020603050405020304" pitchFamily="18" charset="0"/>
+                <a:cs typeface="Times New Roman" panose="02020603050405020304" pitchFamily="18" charset="0"/>
+              </a:rPr>
+              <a:t>, criada por Konrad Zuse entre 1942 e 1945. </a:t>
+            </a:r>
+          </a:p>
+          <a:p>
+            <a:pPr marL="0" indent="0" algn="just">
+              <a:buNone/>
+            </a:pPr>
+            <a:endParaRPr lang="pt-BR" dirty="0">
+              <a:solidFill>
+                <a:schemeClr val="tx1"/>
+              </a:solidFill>
+              <a:latin typeface="Times New Roman" panose="02020603050405020304" pitchFamily="18" charset="0"/>
+              <a:cs typeface="Times New Roman" panose="02020603050405020304" pitchFamily="18" charset="0"/>
+            </a:endParaRPr>
+          </a:p>
+          <a:p>
+            <a:pPr marL="0" indent="0" algn="just">
+              <a:buNone/>
+            </a:pPr>
+            <a:r>
+              <a:rPr lang="pt-BR" sz="2800" dirty="0">
+                <a:solidFill>
+                  <a:schemeClr val="tx1"/>
+                </a:solidFill>
+                <a:latin typeface="Times New Roman" panose="02020603050405020304" pitchFamily="18" charset="0"/>
+                <a:cs typeface="Times New Roman" panose="02020603050405020304" pitchFamily="18" charset="0"/>
+              </a:rPr>
+              <a:t>	Já a </a:t>
+            </a:r>
+            <a:r>
+              <a:rPr lang="pt-BR" sz="2800" b="1" dirty="0">
+                <a:solidFill>
+                  <a:srgbClr val="FF0000"/>
+                </a:solidFill>
+                <a:latin typeface="Times New Roman" panose="02020603050405020304" pitchFamily="18" charset="0"/>
+                <a:cs typeface="Times New Roman" panose="02020603050405020304" pitchFamily="18" charset="0"/>
+              </a:rPr>
+              <a:t>primeira linguagem comercializada </a:t>
+            </a:r>
+            <a:r>
+              <a:rPr lang="pt-BR" sz="2800" dirty="0">
+                <a:solidFill>
+                  <a:schemeClr val="tx1"/>
+                </a:solidFill>
+                <a:latin typeface="Times New Roman" panose="02020603050405020304" pitchFamily="18" charset="0"/>
+                <a:cs typeface="Times New Roman" panose="02020603050405020304" pitchFamily="18" charset="0"/>
+              </a:rPr>
+              <a:t>foi a </a:t>
+            </a:r>
+            <a:r>
+              <a:rPr lang="pt-BR" sz="2800" b="1" dirty="0">
+                <a:solidFill>
+                  <a:schemeClr val="tx1"/>
+                </a:solidFill>
+                <a:latin typeface="Times New Roman" panose="02020603050405020304" pitchFamily="18" charset="0"/>
+                <a:cs typeface="Times New Roman" panose="02020603050405020304" pitchFamily="18" charset="0"/>
+              </a:rPr>
+              <a:t>FORTRAN</a:t>
+            </a:r>
+            <a:r>
+              <a:rPr lang="pt-BR" sz="2800" dirty="0">
+                <a:solidFill>
+                  <a:schemeClr val="tx1"/>
+                </a:solidFill>
+                <a:latin typeface="Times New Roman" panose="02020603050405020304" pitchFamily="18" charset="0"/>
+                <a:cs typeface="Times New Roman" panose="02020603050405020304" pitchFamily="18" charset="0"/>
+              </a:rPr>
+              <a:t>, que foi desenvolvida em 1954 e disponibilizada em 1954, por um time da </a:t>
+            </a:r>
+            <a:r>
+              <a:rPr lang="pt-BR" sz="2800" b="1" dirty="0">
+                <a:solidFill>
+                  <a:schemeClr val="tx1"/>
+                </a:solidFill>
+                <a:latin typeface="Times New Roman" panose="02020603050405020304" pitchFamily="18" charset="0"/>
+                <a:cs typeface="Times New Roman" panose="02020603050405020304" pitchFamily="18" charset="0"/>
+              </a:rPr>
+              <a:t>IBM</a:t>
+            </a:r>
+            <a:r>
+              <a:rPr lang="pt-BR" sz="2800" dirty="0">
+                <a:solidFill>
+                  <a:schemeClr val="tx1"/>
+                </a:solidFill>
+                <a:latin typeface="Times New Roman" panose="02020603050405020304" pitchFamily="18" charset="0"/>
+                <a:cs typeface="Times New Roman" panose="02020603050405020304" pitchFamily="18" charset="0"/>
+              </a:rPr>
+              <a:t>.</a:t>
+            </a:r>
+            <a:endParaRPr lang="pt-BR" dirty="0">
+              <a:solidFill>
+                <a:schemeClr val="tx1"/>
+              </a:solidFill>
+              <a:latin typeface="Times New Roman" panose="02020603050405020304" pitchFamily="18" charset="0"/>
+              <a:cs typeface="Times New Roman" panose="02020603050405020304" pitchFamily="18" charset="0"/>
+            </a:endParaRPr>
+          </a:p>
+        </p:txBody>
+      </p:sp>
+    </p:spTree>
+    <p:extLst>
+      <p:ext uri="{BB962C8B-B14F-4D97-AF65-F5344CB8AC3E}">
+        <p14:creationId xmlns:p14="http://schemas.microsoft.com/office/powerpoint/2010/main" val="419802463"/>
+      </p:ext>
+    </p:extLst>
+  </p:cSld>
+  <p:clrMapOvr>
+    <a:masterClrMapping/>
+  </p:clrMapOvr>
+  <p:transition spd="med"/>
+</p:sld>
+</file>
+
+<file path=ppt/slides/slide5.xml><?xml version="1.0" encoding="utf-8"?>
+<p:sld xmlns:a="http://schemas.openxmlformats.org/drawingml/2006/main" xmlns:r="http://schemas.openxmlformats.org/officeDocument/2006/relationships" xmlns:p="http://schemas.openxmlformats.org/presentationml/2006/main">
+  <p:cSld>
+    <p:spTree>
+      <p:nvGrpSpPr>
+        <p:cNvPr id="1" name=""/>
+        <p:cNvGrpSpPr/>
+        <p:nvPr/>
+      </p:nvGrpSpPr>
+      <p:grpSpPr>
+        <a:xfrm>
+          <a:off x="0" y="0"/>
+          <a:ext cx="0" cy="0"/>
+          <a:chOff x="0" y="0"/>
+          <a:chExt cx="0" cy="0"/>
+        </a:xfrm>
+      </p:grpSpPr>
+      <p:sp>
+        <p:nvSpPr>
+          <p:cNvPr id="6" name="Title 1"/>
+          <p:cNvSpPr>
+            <a:spLocks noGrp="1"/>
+          </p:cNvSpPr>
+          <p:nvPr>
+            <p:ph type="title"/>
+          </p:nvPr>
+        </p:nvSpPr>
+        <p:spPr>
+          <a:xfrm>
+            <a:off x="457200" y="205980"/>
+            <a:ext cx="8229600" cy="857251"/>
+          </a:xfrm>
+        </p:spPr>
+        <p:txBody>
+          <a:bodyPr>
+            <a:normAutofit/>
+          </a:bodyPr>
+          <a:lstStyle/>
+          <a:p>
+            <a:r>
+              <a:rPr lang="en-US" b="1" dirty="0" err="1">
+                <a:solidFill>
+                  <a:srgbClr val="0070C0"/>
+                </a:solidFill>
+              </a:rPr>
+              <a:t>Linguagens</a:t>
+            </a:r>
+            <a:r>
+              <a:rPr lang="en-US" b="1" dirty="0">
+                <a:solidFill>
+                  <a:srgbClr val="0070C0"/>
+                </a:solidFill>
+              </a:rPr>
+              <a:t> de </a:t>
+            </a:r>
+            <a:r>
+              <a:rPr lang="en-US" b="1" dirty="0" err="1">
+                <a:solidFill>
+                  <a:srgbClr val="0070C0"/>
+                </a:solidFill>
+              </a:rPr>
+              <a:t>Programação</a:t>
+            </a:r>
+            <a:endParaRPr lang="en-US" b="1" dirty="0">
+              <a:solidFill>
+                <a:srgbClr val="0070C0"/>
+              </a:solidFill>
+            </a:endParaRPr>
+          </a:p>
+        </p:txBody>
+      </p:sp>
+      <p:sp>
+        <p:nvSpPr>
+          <p:cNvPr id="8" name="Text Placeholder 2"/>
+          <p:cNvSpPr>
+            <a:spLocks noGrp="1"/>
+          </p:cNvSpPr>
+          <p:nvPr>
+            <p:ph type="body" sz="half" idx="1"/>
+          </p:nvPr>
+        </p:nvSpPr>
+        <p:spPr>
+          <a:xfrm>
+            <a:off x="142865" y="1200151"/>
+            <a:ext cx="8865056" cy="3872890"/>
+          </a:xfrm>
+        </p:spPr>
+        <p:txBody>
+          <a:bodyPr>
+            <a:noAutofit/>
+          </a:bodyPr>
+          <a:lstStyle/>
+          <a:p>
+            <a:pPr marL="0" indent="0" algn="just">
+              <a:buNone/>
+            </a:pPr>
+            <a:endParaRPr lang="pt-BR" sz="3200" dirty="0">
+              <a:solidFill>
+                <a:schemeClr val="tx1"/>
+              </a:solidFill>
+              <a:latin typeface="Times New Roman" panose="02020603050405020304" pitchFamily="18" charset="0"/>
+              <a:cs typeface="Times New Roman" panose="02020603050405020304" pitchFamily="18" charset="0"/>
+            </a:endParaRPr>
+          </a:p>
+          <a:p>
+            <a:pPr marL="0" indent="0" algn="just">
+              <a:buNone/>
+            </a:pPr>
+            <a:endParaRPr lang="pt-BR" sz="3200" dirty="0">
+              <a:solidFill>
+                <a:schemeClr val="tx1"/>
+              </a:solidFill>
+              <a:latin typeface="Times New Roman" panose="02020603050405020304" pitchFamily="18" charset="0"/>
+              <a:cs typeface="Times New Roman" panose="02020603050405020304" pitchFamily="18" charset="0"/>
+            </a:endParaRPr>
+          </a:p>
+          <a:p>
+            <a:pPr marL="0" indent="0" algn="just">
+              <a:buNone/>
+            </a:pPr>
+            <a:r>
+              <a:rPr lang="pt-BR" sz="3200" dirty="0">
+                <a:solidFill>
+                  <a:schemeClr val="tx1"/>
+                </a:solidFill>
+                <a:latin typeface="Times New Roman" panose="02020603050405020304" pitchFamily="18" charset="0"/>
+                <a:cs typeface="Times New Roman" panose="02020603050405020304" pitchFamily="18" charset="0"/>
+              </a:rPr>
+              <a:t>			</a:t>
+            </a:r>
+            <a:r>
+              <a:rPr lang="pt-BR" sz="3200" dirty="0">
+                <a:solidFill>
+                  <a:schemeClr val="tx1"/>
+                </a:solidFill>
+                <a:latin typeface="Times New Roman" panose="02020603050405020304" pitchFamily="18" charset="0"/>
+                <a:cs typeface="Times New Roman" panose="02020603050405020304" pitchFamily="18" charset="0"/>
+                <a:hlinkClick r:id="rId3"/>
+              </a:rPr>
+              <a:t>https://www.tiobe.com/tiobe-index/</a:t>
+            </a:r>
+            <a:endParaRPr lang="pt-BR" sz="3200" dirty="0">
+              <a:solidFill>
+                <a:schemeClr val="tx1"/>
+              </a:solidFill>
+              <a:latin typeface="Times New Roman" panose="02020603050405020304" pitchFamily="18" charset="0"/>
+              <a:cs typeface="Times New Roman" panose="02020603050405020304" pitchFamily="18" charset="0"/>
+            </a:endParaRPr>
+          </a:p>
+          <a:p>
+            <a:pPr marL="0" indent="0" algn="just">
+              <a:buNone/>
+            </a:pPr>
+            <a:endParaRPr lang="pt-BR" sz="3200" dirty="0">
+              <a:solidFill>
+                <a:schemeClr val="tx1"/>
+              </a:solidFill>
+              <a:latin typeface="Times New Roman" panose="02020603050405020304" pitchFamily="18" charset="0"/>
+              <a:cs typeface="Times New Roman" panose="02020603050405020304" pitchFamily="18" charset="0"/>
+            </a:endParaRPr>
+          </a:p>
+        </p:txBody>
+      </p:sp>
+    </p:spTree>
+    <p:extLst>
+      <p:ext uri="{BB962C8B-B14F-4D97-AF65-F5344CB8AC3E}">
+        <p14:creationId xmlns:p14="http://schemas.microsoft.com/office/powerpoint/2010/main" val="2561851953"/>
+      </p:ext>
+    </p:extLst>
+  </p:cSld>
+  <p:clrMapOvr>
+    <a:masterClrMapping/>
+  </p:clrMapOvr>
+  <p:transition spd="med"/>
+</p:sld>
+</file>
+
+<file path=ppt/slides/slide6.xml><?xml version="1.0" encoding="utf-8"?>
+<p:sld xmlns:a="http://schemas.openxmlformats.org/drawingml/2006/main" xmlns:r="http://schemas.openxmlformats.org/officeDocument/2006/relationships" xmlns:p="http://schemas.openxmlformats.org/presentationml/2006/main">
+  <p:cSld>
+    <p:spTree>
+      <p:nvGrpSpPr>
+        <p:cNvPr id="1" name=""/>
+        <p:cNvGrpSpPr/>
+        <p:nvPr/>
+      </p:nvGrpSpPr>
+      <p:grpSpPr>
+        <a:xfrm>
+          <a:off x="0" y="0"/>
+          <a:ext cx="0" cy="0"/>
+          <a:chOff x="0" y="0"/>
+          <a:chExt cx="0" cy="0"/>
+        </a:xfrm>
+      </p:grpSpPr>
+      <p:sp>
+        <p:nvSpPr>
+          <p:cNvPr id="6" name="Title 1"/>
+          <p:cNvSpPr>
+            <a:spLocks noGrp="1"/>
+          </p:cNvSpPr>
+          <p:nvPr>
+            <p:ph type="title"/>
+          </p:nvPr>
+        </p:nvSpPr>
+        <p:spPr>
+          <a:xfrm>
+            <a:off x="457200" y="205980"/>
+            <a:ext cx="8229600" cy="857251"/>
+          </a:xfrm>
+        </p:spPr>
+        <p:txBody>
+          <a:bodyPr>
+            <a:normAutofit/>
+          </a:bodyPr>
+          <a:lstStyle/>
+          <a:p>
+            <a:r>
+              <a:rPr lang="en-US" b="1" dirty="0" err="1">
+                <a:solidFill>
+                  <a:srgbClr val="0070C0"/>
+                </a:solidFill>
+              </a:rPr>
+              <a:t>Linguagens</a:t>
+            </a:r>
+            <a:r>
+              <a:rPr lang="en-US" b="1" dirty="0">
+                <a:solidFill>
+                  <a:srgbClr val="0070C0"/>
+                </a:solidFill>
+              </a:rPr>
+              <a:t> de </a:t>
+            </a:r>
+            <a:r>
+              <a:rPr lang="en-US" b="1" dirty="0" err="1">
+                <a:solidFill>
+                  <a:srgbClr val="0070C0"/>
+                </a:solidFill>
+              </a:rPr>
+              <a:t>Programação</a:t>
+            </a:r>
+            <a:endParaRPr lang="en-US" b="1" dirty="0">
+              <a:solidFill>
+                <a:srgbClr val="0070C0"/>
+              </a:solidFill>
+            </a:endParaRPr>
+          </a:p>
+        </p:txBody>
+      </p:sp>
+      <p:sp>
+        <p:nvSpPr>
+          <p:cNvPr id="8" name="Text Placeholder 2"/>
+          <p:cNvSpPr>
+            <a:spLocks noGrp="1"/>
+          </p:cNvSpPr>
+          <p:nvPr>
+            <p:ph type="body" sz="half" idx="1"/>
+          </p:nvPr>
+        </p:nvSpPr>
+        <p:spPr>
+          <a:xfrm>
+            <a:off x="142865" y="1200151"/>
+            <a:ext cx="8865056" cy="3872890"/>
+          </a:xfrm>
+        </p:spPr>
+        <p:txBody>
+          <a:bodyPr>
+            <a:noAutofit/>
+          </a:bodyPr>
+          <a:lstStyle/>
+          <a:p>
+            <a:pPr marL="0" indent="0" algn="just">
+              <a:buNone/>
+            </a:pPr>
+            <a:r>
+              <a:rPr lang="pt-BR" sz="2400" b="1" dirty="0">
+                <a:solidFill>
+                  <a:schemeClr val="tx1"/>
+                </a:solidFill>
+                <a:latin typeface="Times New Roman" panose="02020603050405020304" pitchFamily="18" charset="0"/>
+                <a:cs typeface="Times New Roman" panose="02020603050405020304" pitchFamily="18" charset="0"/>
+              </a:rPr>
+              <a:t>Padrões Internacionais</a:t>
+            </a:r>
+          </a:p>
+          <a:p>
+            <a:pPr marL="0" indent="0" algn="just">
+              <a:buNone/>
+            </a:pPr>
+            <a:endParaRPr lang="pt-BR" sz="2400" dirty="0">
+              <a:solidFill>
+                <a:schemeClr val="tx1"/>
+              </a:solidFill>
+              <a:latin typeface="Times New Roman" panose="02020603050405020304" pitchFamily="18" charset="0"/>
+              <a:cs typeface="Times New Roman" panose="02020603050405020304" pitchFamily="18" charset="0"/>
+            </a:endParaRPr>
+          </a:p>
+          <a:p>
+            <a:pPr marL="0" indent="0" algn="just">
+              <a:buNone/>
+            </a:pPr>
+            <a:r>
+              <a:rPr lang="pt-BR" sz="2400" dirty="0">
+                <a:solidFill>
+                  <a:schemeClr val="tx1"/>
+                </a:solidFill>
+                <a:latin typeface="Times New Roman" panose="02020603050405020304" pitchFamily="18" charset="0"/>
+                <a:cs typeface="Times New Roman" panose="02020603050405020304" pitchFamily="18" charset="0"/>
+              </a:rPr>
+              <a:t>IEC </a:t>
+            </a:r>
+            <a:r>
+              <a:rPr lang="pt-BR" sz="2400" b="1" dirty="0">
+                <a:solidFill>
+                  <a:schemeClr val="tx1"/>
+                </a:solidFill>
+                <a:latin typeface="Times New Roman" panose="02020603050405020304" pitchFamily="18" charset="0"/>
+                <a:cs typeface="Times New Roman" panose="02020603050405020304" pitchFamily="18" charset="0"/>
+              </a:rPr>
+              <a:t>61131-3</a:t>
+            </a:r>
+            <a:r>
+              <a:rPr lang="pt-BR" sz="2400" dirty="0">
+                <a:solidFill>
+                  <a:schemeClr val="tx1"/>
+                </a:solidFill>
+                <a:latin typeface="Times New Roman" panose="02020603050405020304" pitchFamily="18" charset="0"/>
+                <a:cs typeface="Times New Roman" panose="02020603050405020304" pitchFamily="18" charset="0"/>
+              </a:rPr>
+              <a:t> é o primeiro esforço real para a padronização das linguagens de programação para a automação industrial.</a:t>
+            </a:r>
+          </a:p>
+          <a:p>
+            <a:pPr marL="0" indent="0" algn="just">
+              <a:buNone/>
+            </a:pPr>
+            <a:endParaRPr lang="pt-BR" sz="2400" dirty="0">
+              <a:solidFill>
+                <a:schemeClr val="tx1"/>
+              </a:solidFill>
+              <a:latin typeface="Times New Roman" panose="02020603050405020304" pitchFamily="18" charset="0"/>
+              <a:cs typeface="Times New Roman" panose="02020603050405020304" pitchFamily="18" charset="0"/>
+            </a:endParaRPr>
+          </a:p>
+          <a:p>
+            <a:pPr marL="0" indent="0" algn="just">
+              <a:buNone/>
+            </a:pPr>
+            <a:r>
+              <a:rPr lang="pt-BR" sz="2400" dirty="0">
+                <a:solidFill>
+                  <a:schemeClr val="tx1"/>
+                </a:solidFill>
+                <a:latin typeface="Times New Roman" panose="02020603050405020304" pitchFamily="18" charset="0"/>
+                <a:cs typeface="Times New Roman" panose="02020603050405020304" pitchFamily="18" charset="0"/>
+              </a:rPr>
+              <a:t>Segundo a norma </a:t>
+            </a:r>
+            <a:r>
+              <a:rPr lang="pt-BR" sz="2400" b="1" dirty="0">
+                <a:solidFill>
+                  <a:schemeClr val="tx1"/>
+                </a:solidFill>
+                <a:latin typeface="Times New Roman" panose="02020603050405020304" pitchFamily="18" charset="0"/>
+                <a:cs typeface="Times New Roman" panose="02020603050405020304" pitchFamily="18" charset="0"/>
+              </a:rPr>
+              <a:t>ISO/IEC 9126 </a:t>
+            </a:r>
+            <a:r>
+              <a:rPr lang="pt-BR" sz="2400" dirty="0">
+                <a:solidFill>
+                  <a:schemeClr val="tx1"/>
+                </a:solidFill>
+                <a:latin typeface="Times New Roman" panose="02020603050405020304" pitchFamily="18" charset="0"/>
+                <a:cs typeface="Times New Roman" panose="02020603050405020304" pitchFamily="18" charset="0"/>
+              </a:rPr>
+              <a:t>define qualidade de software como: A totalidade de características de um produto de software que lhe confere a capacidade de satisfazer necessidades explícitas e implícitas.</a:t>
+            </a:r>
+          </a:p>
+        </p:txBody>
+      </p:sp>
+    </p:spTree>
+    <p:extLst>
+      <p:ext uri="{BB962C8B-B14F-4D97-AF65-F5344CB8AC3E}">
+        <p14:creationId xmlns:p14="http://schemas.microsoft.com/office/powerpoint/2010/main" val="1130606506"/>
+      </p:ext>
+    </p:extLst>
+  </p:cSld>
+  <p:clrMapOvr>
+    <a:masterClrMapping/>
+  </p:clrMapOvr>
+  <p:transition spd="med"/>
+</p:sld>
+</file>
+
+<file path=ppt/slides/slide7.xml><?xml version="1.0" encoding="utf-8"?>
+<p:sld xmlns:a="http://schemas.openxmlformats.org/drawingml/2006/main" xmlns:r="http://schemas.openxmlformats.org/officeDocument/2006/relationships" xmlns:p="http://schemas.openxmlformats.org/presentationml/2006/main">
+  <p:cSld>
+    <p:spTree>
+      <p:nvGrpSpPr>
+        <p:cNvPr id="1" name=""/>
+        <p:cNvGrpSpPr/>
+        <p:nvPr/>
+      </p:nvGrpSpPr>
+      <p:grpSpPr>
+        <a:xfrm>
+          <a:off x="0" y="0"/>
+          <a:ext cx="0" cy="0"/>
+          <a:chOff x="0" y="0"/>
+          <a:chExt cx="0" cy="0"/>
+        </a:xfrm>
+      </p:grpSpPr>
+      <p:sp>
+        <p:nvSpPr>
+          <p:cNvPr id="6" name="Title 1"/>
+          <p:cNvSpPr>
+            <a:spLocks noGrp="1"/>
+          </p:cNvSpPr>
+          <p:nvPr>
+            <p:ph type="title"/>
+          </p:nvPr>
+        </p:nvSpPr>
+        <p:spPr>
+          <a:xfrm>
+            <a:off x="457200" y="205980"/>
+            <a:ext cx="8229600" cy="857251"/>
+          </a:xfrm>
+        </p:spPr>
+        <p:txBody>
+          <a:bodyPr>
+            <a:normAutofit/>
+          </a:bodyPr>
+          <a:lstStyle/>
+          <a:p>
+            <a:r>
+              <a:rPr lang="en-US" b="1" dirty="0" err="1">
+                <a:solidFill>
+                  <a:srgbClr val="0070C0"/>
+                </a:solidFill>
+              </a:rPr>
+              <a:t>Linguagens</a:t>
+            </a:r>
+            <a:r>
+              <a:rPr lang="en-US" b="1" dirty="0">
+                <a:solidFill>
+                  <a:srgbClr val="0070C0"/>
+                </a:solidFill>
+              </a:rPr>
+              <a:t> de </a:t>
+            </a:r>
+            <a:r>
+              <a:rPr lang="en-US" b="1" dirty="0" err="1">
+                <a:solidFill>
+                  <a:srgbClr val="0070C0"/>
+                </a:solidFill>
+              </a:rPr>
+              <a:t>Programação</a:t>
+            </a:r>
+            <a:endParaRPr lang="en-US" b="1" dirty="0">
+              <a:solidFill>
+                <a:srgbClr val="0070C0"/>
+              </a:solidFill>
+            </a:endParaRPr>
+          </a:p>
+        </p:txBody>
+      </p:sp>
+      <p:sp>
+        <p:nvSpPr>
+          <p:cNvPr id="8" name="Text Placeholder 2"/>
+          <p:cNvSpPr>
+            <a:spLocks noGrp="1"/>
+          </p:cNvSpPr>
+          <p:nvPr>
+            <p:ph type="body" sz="half" idx="1"/>
+          </p:nvPr>
+        </p:nvSpPr>
+        <p:spPr>
+          <a:xfrm>
+            <a:off x="142865" y="1200151"/>
+            <a:ext cx="8865056" cy="3872890"/>
+          </a:xfrm>
+        </p:spPr>
+        <p:txBody>
+          <a:bodyPr>
+            <a:noAutofit/>
+          </a:bodyPr>
+          <a:lstStyle/>
+          <a:p>
+            <a:pPr marL="0" indent="0" algn="just">
+              <a:buNone/>
+            </a:pPr>
+            <a:r>
+              <a:rPr lang="pt-BR" sz="2800" b="1" dirty="0">
+                <a:solidFill>
+                  <a:schemeClr val="tx1"/>
+                </a:solidFill>
+                <a:latin typeface="Times New Roman" panose="02020603050405020304" pitchFamily="18" charset="0"/>
+                <a:cs typeface="Times New Roman" panose="02020603050405020304" pitchFamily="18" charset="0"/>
+              </a:rPr>
+              <a:t>Tradutores</a:t>
+            </a:r>
+          </a:p>
+          <a:p>
+            <a:pPr marL="0" indent="0" algn="just">
+              <a:buNone/>
+            </a:pPr>
+            <a:endParaRPr lang="pt-BR" dirty="0">
+              <a:solidFill>
+                <a:schemeClr val="tx1"/>
+              </a:solidFill>
+              <a:latin typeface="Times New Roman" panose="02020603050405020304" pitchFamily="18" charset="0"/>
+              <a:cs typeface="Times New Roman" panose="02020603050405020304" pitchFamily="18" charset="0"/>
+            </a:endParaRPr>
+          </a:p>
+          <a:p>
+            <a:pPr marL="0" indent="0" algn="just">
+              <a:buNone/>
+            </a:pPr>
+            <a:r>
+              <a:rPr lang="pt-BR" dirty="0">
+                <a:solidFill>
+                  <a:schemeClr val="tx1"/>
+                </a:solidFill>
+                <a:latin typeface="Times New Roman" panose="02020603050405020304" pitchFamily="18" charset="0"/>
+                <a:cs typeface="Times New Roman" panose="02020603050405020304" pitchFamily="18" charset="0"/>
+              </a:rPr>
+              <a:t>Os programas que fazem a tradução são chamados de </a:t>
+            </a:r>
+            <a:r>
+              <a:rPr lang="pt-BR" b="1" dirty="0">
+                <a:solidFill>
+                  <a:schemeClr val="tx1"/>
+                </a:solidFill>
+                <a:latin typeface="Times New Roman" panose="02020603050405020304" pitchFamily="18" charset="0"/>
+                <a:cs typeface="Times New Roman" panose="02020603050405020304" pitchFamily="18" charset="0"/>
+              </a:rPr>
+              <a:t>TRADUTORES</a:t>
+            </a:r>
+            <a:r>
+              <a:rPr lang="pt-BR" dirty="0">
+                <a:solidFill>
+                  <a:schemeClr val="tx1"/>
+                </a:solidFill>
+                <a:latin typeface="Times New Roman" panose="02020603050405020304" pitchFamily="18" charset="0"/>
+                <a:cs typeface="Times New Roman" panose="02020603050405020304" pitchFamily="18" charset="0"/>
+              </a:rPr>
+              <a:t>. </a:t>
+            </a:r>
+          </a:p>
+          <a:p>
+            <a:pPr marL="0" indent="0" algn="just">
+              <a:buNone/>
+            </a:pPr>
+            <a:endParaRPr lang="pt-BR" dirty="0">
+              <a:solidFill>
+                <a:schemeClr val="tx1"/>
+              </a:solidFill>
+              <a:latin typeface="Times New Roman" panose="02020603050405020304" pitchFamily="18" charset="0"/>
+              <a:cs typeface="Times New Roman" panose="02020603050405020304" pitchFamily="18" charset="0"/>
+            </a:endParaRPr>
+          </a:p>
+          <a:p>
+            <a:pPr marL="0" indent="0" algn="just">
+              <a:buNone/>
+            </a:pPr>
+            <a:r>
+              <a:rPr lang="pt-BR" dirty="0">
+                <a:solidFill>
+                  <a:schemeClr val="tx1"/>
+                </a:solidFill>
+                <a:latin typeface="Times New Roman" panose="02020603050405020304" pitchFamily="18" charset="0"/>
+                <a:cs typeface="Times New Roman" panose="02020603050405020304" pitchFamily="18" charset="0"/>
+              </a:rPr>
+              <a:t>	Os programas ou hardware que executa a interpretação são chamados de </a:t>
+            </a:r>
+            <a:r>
+              <a:rPr lang="pt-BR" b="1" dirty="0">
+                <a:solidFill>
+                  <a:schemeClr val="tx1"/>
+                </a:solidFill>
+                <a:latin typeface="Times New Roman" panose="02020603050405020304" pitchFamily="18" charset="0"/>
+                <a:cs typeface="Times New Roman" panose="02020603050405020304" pitchFamily="18" charset="0"/>
+              </a:rPr>
+              <a:t>INTERPRETADORES</a:t>
+            </a:r>
+            <a:r>
+              <a:rPr lang="pt-BR" dirty="0">
+                <a:solidFill>
+                  <a:schemeClr val="tx1"/>
+                </a:solidFill>
+                <a:latin typeface="Times New Roman" panose="02020603050405020304" pitchFamily="18" charset="0"/>
+                <a:cs typeface="Times New Roman" panose="02020603050405020304" pitchFamily="18" charset="0"/>
+              </a:rPr>
+              <a:t>.</a:t>
+            </a:r>
+          </a:p>
+        </p:txBody>
+      </p:sp>
+    </p:spTree>
+    <p:extLst>
+      <p:ext uri="{BB962C8B-B14F-4D97-AF65-F5344CB8AC3E}">
+        <p14:creationId xmlns:p14="http://schemas.microsoft.com/office/powerpoint/2010/main" val="387104638"/>
+      </p:ext>
+    </p:extLst>
+  </p:cSld>
+  <p:clrMapOvr>
+    <a:masterClrMapping/>
+  </p:clrMapOvr>
+  <p:transition spd="med"/>
+</p:sld>
+</file>
+
+<file path=ppt/slides/slide8.xml><?xml version="1.0" encoding="utf-8"?>
+<p:sld xmlns:a="http://schemas.openxmlformats.org/drawingml/2006/main" xmlns:r="http://schemas.openxmlformats.org/officeDocument/2006/relationships" xmlns:p="http://schemas.openxmlformats.org/presentationml/2006/main">
+  <p:cSld>
+    <p:spTree>
+      <p:nvGrpSpPr>
+        <p:cNvPr id="1" name=""/>
+        <p:cNvGrpSpPr/>
+        <p:nvPr/>
+      </p:nvGrpSpPr>
+      <p:grpSpPr>
+        <a:xfrm>
+          <a:off x="0" y="0"/>
+          <a:ext cx="0" cy="0"/>
+          <a:chOff x="0" y="0"/>
+          <a:chExt cx="0" cy="0"/>
+        </a:xfrm>
+      </p:grpSpPr>
+      <p:sp>
+        <p:nvSpPr>
+          <p:cNvPr id="6" name="Title 1"/>
+          <p:cNvSpPr>
+            <a:spLocks noGrp="1"/>
+          </p:cNvSpPr>
+          <p:nvPr>
+            <p:ph type="title"/>
+          </p:nvPr>
+        </p:nvSpPr>
+        <p:spPr>
+          <a:xfrm>
+            <a:off x="457200" y="205980"/>
+            <a:ext cx="8229600" cy="857251"/>
+          </a:xfrm>
+        </p:spPr>
+        <p:txBody>
+          <a:bodyPr>
+            <a:normAutofit/>
+          </a:bodyPr>
+          <a:lstStyle/>
+          <a:p>
+            <a:r>
+              <a:rPr lang="en-US" b="1" dirty="0" err="1">
+                <a:solidFill>
+                  <a:srgbClr val="0070C0"/>
+                </a:solidFill>
+              </a:rPr>
+              <a:t>Linguagens</a:t>
+            </a:r>
+            <a:r>
+              <a:rPr lang="en-US" b="1" dirty="0">
+                <a:solidFill>
+                  <a:srgbClr val="0070C0"/>
+                </a:solidFill>
+              </a:rPr>
+              <a:t> de </a:t>
+            </a:r>
+            <a:r>
+              <a:rPr lang="en-US" b="1" dirty="0" err="1">
+                <a:solidFill>
+                  <a:srgbClr val="0070C0"/>
+                </a:solidFill>
+              </a:rPr>
+              <a:t>Programação</a:t>
+            </a:r>
+            <a:endParaRPr lang="en-US" b="1" dirty="0">
+              <a:solidFill>
+                <a:srgbClr val="0070C0"/>
+              </a:solidFill>
+            </a:endParaRPr>
+          </a:p>
+        </p:txBody>
+      </p:sp>
+      <p:sp>
+        <p:nvSpPr>
+          <p:cNvPr id="8" name="Text Placeholder 2"/>
+          <p:cNvSpPr>
+            <a:spLocks noGrp="1"/>
+          </p:cNvSpPr>
+          <p:nvPr>
+            <p:ph type="body" sz="half" idx="1"/>
+          </p:nvPr>
+        </p:nvSpPr>
+        <p:spPr>
+          <a:xfrm>
+            <a:off x="142865" y="1200151"/>
+            <a:ext cx="8865056" cy="3872890"/>
+          </a:xfrm>
+        </p:spPr>
+        <p:txBody>
+          <a:bodyPr>
+            <a:noAutofit/>
+          </a:bodyPr>
+          <a:lstStyle/>
+          <a:p>
+            <a:pPr marL="0" indent="0" algn="just">
+              <a:buNone/>
+            </a:pPr>
+            <a:r>
+              <a:rPr lang="pt-BR" b="1" dirty="0">
+                <a:solidFill>
+                  <a:schemeClr val="tx1"/>
+                </a:solidFill>
+                <a:latin typeface="Times New Roman" panose="02020603050405020304" pitchFamily="18" charset="0"/>
+                <a:cs typeface="Times New Roman" panose="02020603050405020304" pitchFamily="18" charset="0"/>
+              </a:rPr>
+              <a:t>T</a:t>
+            </a:r>
+            <a:r>
+              <a:rPr lang="pt-BR" sz="2800" b="1" dirty="0">
+                <a:solidFill>
+                  <a:schemeClr val="tx1"/>
+                </a:solidFill>
+                <a:latin typeface="Times New Roman" panose="02020603050405020304" pitchFamily="18" charset="0"/>
+                <a:cs typeface="Times New Roman" panose="02020603050405020304" pitchFamily="18" charset="0"/>
+              </a:rPr>
+              <a:t>ipos de Tradutores</a:t>
+            </a:r>
+          </a:p>
+          <a:p>
+            <a:pPr marL="0" indent="0" algn="just">
+              <a:buNone/>
+            </a:pPr>
+            <a:endParaRPr lang="pt-BR" sz="2800" dirty="0">
+              <a:solidFill>
+                <a:schemeClr val="tx1"/>
+              </a:solidFill>
+              <a:latin typeface="Times New Roman" panose="02020603050405020304" pitchFamily="18" charset="0"/>
+              <a:cs typeface="Times New Roman" panose="02020603050405020304" pitchFamily="18" charset="0"/>
+            </a:endParaRPr>
+          </a:p>
+          <a:p>
+            <a:pPr marL="0" indent="0" algn="just">
+              <a:buNone/>
+            </a:pPr>
+            <a:r>
+              <a:rPr lang="pt-BR" sz="2800" b="1" dirty="0">
+                <a:solidFill>
+                  <a:srgbClr val="FF0000"/>
+                </a:solidFill>
+                <a:latin typeface="Times New Roman" panose="02020603050405020304" pitchFamily="18" charset="0"/>
+                <a:cs typeface="Times New Roman" panose="02020603050405020304" pitchFamily="18" charset="0"/>
+              </a:rPr>
+              <a:t>Compiladores</a:t>
+            </a:r>
+            <a:r>
+              <a:rPr lang="pt-BR" sz="2800" dirty="0">
+                <a:solidFill>
+                  <a:schemeClr val="tx1"/>
+                </a:solidFill>
+                <a:latin typeface="Times New Roman" panose="02020603050405020304" pitchFamily="18" charset="0"/>
+                <a:cs typeface="Times New Roman" panose="02020603050405020304" pitchFamily="18" charset="0"/>
+              </a:rPr>
+              <a:t> e </a:t>
+            </a:r>
+            <a:r>
+              <a:rPr lang="pt-BR" sz="2800" b="1" dirty="0">
+                <a:solidFill>
+                  <a:srgbClr val="FF0000"/>
+                </a:solidFill>
+                <a:latin typeface="Times New Roman" panose="02020603050405020304" pitchFamily="18" charset="0"/>
+                <a:cs typeface="Times New Roman" panose="02020603050405020304" pitchFamily="18" charset="0"/>
+              </a:rPr>
+              <a:t>interpretadores</a:t>
+            </a:r>
+            <a:r>
+              <a:rPr lang="pt-BR" sz="2800" dirty="0">
+                <a:solidFill>
+                  <a:schemeClr val="tx1"/>
+                </a:solidFill>
+                <a:latin typeface="Times New Roman" panose="02020603050405020304" pitchFamily="18" charset="0"/>
+                <a:cs typeface="Times New Roman" panose="02020603050405020304" pitchFamily="18" charset="0"/>
+              </a:rPr>
+              <a:t> são formas de tradução de um código geralmente de alto nível para um código que o computador (a </a:t>
+            </a:r>
+            <a:r>
+              <a:rPr lang="pt-BR" sz="2800" b="1" dirty="0">
+                <a:solidFill>
+                  <a:schemeClr val="tx1"/>
+                </a:solidFill>
+                <a:latin typeface="Times New Roman" panose="02020603050405020304" pitchFamily="18" charset="0"/>
+                <a:cs typeface="Times New Roman" panose="02020603050405020304" pitchFamily="18" charset="0"/>
+              </a:rPr>
+              <a:t>máquina</a:t>
+            </a:r>
+            <a:r>
+              <a:rPr lang="pt-BR" sz="2800" dirty="0">
+                <a:solidFill>
+                  <a:schemeClr val="tx1"/>
+                </a:solidFill>
+                <a:latin typeface="Times New Roman" panose="02020603050405020304" pitchFamily="18" charset="0"/>
+                <a:cs typeface="Times New Roman" panose="02020603050405020304" pitchFamily="18" charset="0"/>
+              </a:rPr>
+              <a:t>) interprete. </a:t>
+            </a:r>
+          </a:p>
+          <a:p>
+            <a:pPr marL="0" indent="0" algn="just">
+              <a:buNone/>
+            </a:pPr>
+            <a:endParaRPr lang="pt-BR" sz="2800" dirty="0">
+              <a:solidFill>
+                <a:schemeClr val="tx1"/>
+              </a:solidFill>
+              <a:latin typeface="Times New Roman" panose="02020603050405020304" pitchFamily="18" charset="0"/>
+              <a:cs typeface="Times New Roman" panose="02020603050405020304" pitchFamily="18" charset="0"/>
+            </a:endParaRPr>
+          </a:p>
+          <a:p>
+            <a:pPr marL="0" indent="0" algn="just">
+              <a:buNone/>
+            </a:pPr>
+            <a:r>
+              <a:rPr lang="pt-BR" dirty="0">
+                <a:solidFill>
+                  <a:schemeClr val="tx1"/>
+                </a:solidFill>
+                <a:latin typeface="Times New Roman" panose="02020603050405020304" pitchFamily="18" charset="0"/>
+                <a:cs typeface="Times New Roman" panose="02020603050405020304" pitchFamily="18" charset="0"/>
+              </a:rPr>
+              <a:t>	</a:t>
+            </a:r>
+            <a:r>
+              <a:rPr lang="pt-BR" sz="2800" dirty="0">
+                <a:solidFill>
+                  <a:schemeClr val="tx1"/>
+                </a:solidFill>
+                <a:latin typeface="Times New Roman" panose="02020603050405020304" pitchFamily="18" charset="0"/>
+                <a:cs typeface="Times New Roman" panose="02020603050405020304" pitchFamily="18" charset="0"/>
+              </a:rPr>
+              <a:t>Este </a:t>
+            </a:r>
+            <a:r>
+              <a:rPr lang="pt-BR" sz="2800" b="1" dirty="0">
+                <a:solidFill>
+                  <a:schemeClr val="tx1"/>
+                </a:solidFill>
+                <a:latin typeface="Times New Roman" panose="02020603050405020304" pitchFamily="18" charset="0"/>
+                <a:cs typeface="Times New Roman" panose="02020603050405020304" pitchFamily="18" charset="0"/>
+              </a:rPr>
+              <a:t>tradutor</a:t>
+            </a:r>
+            <a:r>
+              <a:rPr lang="pt-BR" sz="2800" dirty="0">
+                <a:solidFill>
+                  <a:schemeClr val="tx1"/>
+                </a:solidFill>
+                <a:latin typeface="Times New Roman" panose="02020603050405020304" pitchFamily="18" charset="0"/>
+                <a:cs typeface="Times New Roman" panose="02020603050405020304" pitchFamily="18" charset="0"/>
+              </a:rPr>
+              <a:t> tem a função de </a:t>
+            </a:r>
+            <a:r>
+              <a:rPr lang="pt-BR" sz="2800" b="1" dirty="0">
+                <a:solidFill>
+                  <a:srgbClr val="FF0000"/>
+                </a:solidFill>
+                <a:latin typeface="Times New Roman" panose="02020603050405020304" pitchFamily="18" charset="0"/>
+                <a:cs typeface="Times New Roman" panose="02020603050405020304" pitchFamily="18" charset="0"/>
+              </a:rPr>
+              <a:t>traduzir uma linguagem abstrata</a:t>
+            </a:r>
+            <a:r>
+              <a:rPr lang="pt-BR" sz="2800" dirty="0">
+                <a:solidFill>
+                  <a:schemeClr val="tx1"/>
+                </a:solidFill>
+                <a:latin typeface="Times New Roman" panose="02020603050405020304" pitchFamily="18" charset="0"/>
+                <a:cs typeface="Times New Roman" panose="02020603050405020304" pitchFamily="18" charset="0"/>
+              </a:rPr>
+              <a:t> para uma </a:t>
+            </a:r>
+            <a:r>
+              <a:rPr lang="pt-BR" sz="2800" b="1" dirty="0">
+                <a:solidFill>
+                  <a:schemeClr val="tx1"/>
+                </a:solidFill>
+                <a:latin typeface="Times New Roman" panose="02020603050405020304" pitchFamily="18" charset="0"/>
+                <a:cs typeface="Times New Roman" panose="02020603050405020304" pitchFamily="18" charset="0"/>
+              </a:rPr>
+              <a:t>linguagem binária</a:t>
+            </a:r>
+            <a:r>
+              <a:rPr lang="pt-BR" sz="2800" dirty="0">
+                <a:solidFill>
+                  <a:schemeClr val="tx1"/>
+                </a:solidFill>
+                <a:latin typeface="Times New Roman" panose="02020603050405020304" pitchFamily="18" charset="0"/>
+                <a:cs typeface="Times New Roman" panose="02020603050405020304" pitchFamily="18" charset="0"/>
+              </a:rPr>
+              <a:t>.</a:t>
+            </a:r>
+            <a:endParaRPr lang="pt-BR" dirty="0">
+              <a:solidFill>
+                <a:schemeClr val="tx1"/>
+              </a:solidFill>
+              <a:latin typeface="Times New Roman" panose="02020603050405020304" pitchFamily="18" charset="0"/>
+              <a:cs typeface="Times New Roman" panose="02020603050405020304" pitchFamily="18" charset="0"/>
+            </a:endParaRPr>
+          </a:p>
+        </p:txBody>
+      </p:sp>
+    </p:spTree>
+    <p:extLst>
+      <p:ext uri="{BB962C8B-B14F-4D97-AF65-F5344CB8AC3E}">
+        <p14:creationId xmlns:p14="http://schemas.microsoft.com/office/powerpoint/2010/main" val="2931979824"/>
+      </p:ext>
+    </p:extLst>
+  </p:cSld>
+  <p:clrMapOvr>
+    <a:masterClrMapping/>
+  </p:clrMapOvr>
+  <p:transition spd="med"/>
+</p:sld>
+</file>
+
+<file path=ppt/slides/slide9.xml><?xml version="1.0" encoding="utf-8"?>
+<p:sld xmlns:a="http://schemas.openxmlformats.org/drawingml/2006/main" xmlns:r="http://schemas.openxmlformats.org/officeDocument/2006/relationships" xmlns:p="http://schemas.openxmlformats.org/presentationml/2006/main">
+  <p:cSld>
+    <p:spTree>
+      <p:nvGrpSpPr>
+        <p:cNvPr id="1" name=""/>
+        <p:cNvGrpSpPr/>
+        <p:nvPr/>
+      </p:nvGrpSpPr>
+      <p:grpSpPr>
+        <a:xfrm>
+          <a:off x="0" y="0"/>
+          <a:ext cx="0" cy="0"/>
+          <a:chOff x="0" y="0"/>
+          <a:chExt cx="0" cy="0"/>
+        </a:xfrm>
+      </p:grpSpPr>
+      <p:sp>
+        <p:nvSpPr>
+          <p:cNvPr id="6" name="Title 1"/>
+          <p:cNvSpPr>
+            <a:spLocks noGrp="1"/>
+          </p:cNvSpPr>
+          <p:nvPr>
+            <p:ph type="title"/>
+          </p:nvPr>
+        </p:nvSpPr>
+        <p:spPr>
+          <a:xfrm>
+            <a:off x="457200" y="205980"/>
+            <a:ext cx="8229600" cy="857251"/>
+          </a:xfrm>
+        </p:spPr>
+        <p:txBody>
+          <a:bodyPr>
+            <a:normAutofit/>
+          </a:bodyPr>
+          <a:lstStyle/>
+          <a:p>
+            <a:r>
+              <a:rPr lang="en-US" b="1" dirty="0" err="1">
+                <a:solidFill>
+                  <a:srgbClr val="0070C0"/>
+                </a:solidFill>
+              </a:rPr>
+              <a:t>Linguagens</a:t>
+            </a:r>
+            <a:r>
+              <a:rPr lang="en-US" b="1" dirty="0">
+                <a:solidFill>
+                  <a:srgbClr val="0070C0"/>
+                </a:solidFill>
+              </a:rPr>
+              <a:t> de </a:t>
+            </a:r>
+            <a:r>
+              <a:rPr lang="en-US" b="1" dirty="0" err="1">
+                <a:solidFill>
+                  <a:srgbClr val="0070C0"/>
+                </a:solidFill>
+              </a:rPr>
+              <a:t>Programação</a:t>
+            </a:r>
+            <a:endParaRPr lang="en-US" b="1" dirty="0">
+              <a:solidFill>
+                <a:srgbClr val="0070C0"/>
+              </a:solidFill>
+            </a:endParaRPr>
+          </a:p>
+        </p:txBody>
+      </p:sp>
+      <p:sp>
+        <p:nvSpPr>
+          <p:cNvPr id="8" name="Text Placeholder 2"/>
+          <p:cNvSpPr>
+            <a:spLocks noGrp="1"/>
+          </p:cNvSpPr>
+          <p:nvPr>
+            <p:ph type="body" sz="half" idx="1"/>
+          </p:nvPr>
+        </p:nvSpPr>
+        <p:spPr>
+          <a:xfrm>
+            <a:off x="142865" y="1200151"/>
+            <a:ext cx="8865056" cy="3872890"/>
+          </a:xfrm>
+        </p:spPr>
+        <p:txBody>
+          <a:bodyPr>
+            <a:noAutofit/>
+          </a:bodyPr>
+          <a:lstStyle/>
+          <a:p>
+            <a:pPr marL="0" indent="0" algn="just">
+              <a:buNone/>
+            </a:pPr>
+            <a:r>
+              <a:rPr lang="pt-BR" b="1" dirty="0">
+                <a:solidFill>
+                  <a:schemeClr val="tx1"/>
+                </a:solidFill>
+                <a:latin typeface="Times New Roman" panose="02020603050405020304" pitchFamily="18" charset="0"/>
+                <a:cs typeface="Times New Roman" panose="02020603050405020304" pitchFamily="18" charset="0"/>
+              </a:rPr>
+              <a:t>T</a:t>
+            </a:r>
+            <a:r>
+              <a:rPr lang="pt-BR" sz="2800" b="1" dirty="0">
+                <a:solidFill>
+                  <a:schemeClr val="tx1"/>
+                </a:solidFill>
+                <a:latin typeface="Times New Roman" panose="02020603050405020304" pitchFamily="18" charset="0"/>
+                <a:cs typeface="Times New Roman" panose="02020603050405020304" pitchFamily="18" charset="0"/>
+              </a:rPr>
+              <a:t>ipos de Tradutores</a:t>
+            </a:r>
+          </a:p>
+          <a:p>
+            <a:pPr marL="0" indent="0" algn="just">
+              <a:buNone/>
+            </a:pPr>
+            <a:endParaRPr lang="pt-BR" sz="2800" dirty="0">
+              <a:solidFill>
+                <a:schemeClr val="tx1"/>
+              </a:solidFill>
+              <a:latin typeface="Times New Roman" panose="02020603050405020304" pitchFamily="18" charset="0"/>
+              <a:cs typeface="Times New Roman" panose="02020603050405020304" pitchFamily="18" charset="0"/>
+            </a:endParaRPr>
+          </a:p>
+          <a:p>
+            <a:pPr marL="0" indent="0" algn="just">
+              <a:buNone/>
+            </a:pPr>
+            <a:r>
+              <a:rPr lang="pt-BR" sz="2800" b="1" dirty="0">
+                <a:solidFill>
+                  <a:schemeClr val="tx1"/>
+                </a:solidFill>
+                <a:latin typeface="Times New Roman" panose="02020603050405020304" pitchFamily="18" charset="0"/>
+                <a:cs typeface="Times New Roman" panose="02020603050405020304" pitchFamily="18" charset="0"/>
+              </a:rPr>
+              <a:t>Interpretadores</a:t>
+            </a:r>
+            <a:r>
+              <a:rPr lang="pt-BR" sz="2800" dirty="0">
+                <a:solidFill>
+                  <a:schemeClr val="tx1"/>
+                </a:solidFill>
+                <a:latin typeface="Times New Roman" panose="02020603050405020304" pitchFamily="18" charset="0"/>
+                <a:cs typeface="Times New Roman" panose="02020603050405020304" pitchFamily="18" charset="0"/>
+              </a:rPr>
+              <a:t>: Executa cada instrução, passo a passo, e.g.:, Perl, PHP, Python, </a:t>
+            </a:r>
+            <a:r>
+              <a:rPr lang="pt-BR" sz="2800" dirty="0" err="1">
+                <a:solidFill>
+                  <a:schemeClr val="tx1"/>
+                </a:solidFill>
+                <a:latin typeface="Times New Roman" panose="02020603050405020304" pitchFamily="18" charset="0"/>
+                <a:cs typeface="Times New Roman" panose="02020603050405020304" pitchFamily="18" charset="0"/>
+              </a:rPr>
+              <a:t>MatLAB</a:t>
+            </a:r>
+            <a:r>
+              <a:rPr lang="pt-BR" sz="2800" dirty="0">
+                <a:solidFill>
+                  <a:schemeClr val="tx1"/>
+                </a:solidFill>
+                <a:latin typeface="Times New Roman" panose="02020603050405020304" pitchFamily="18" charset="0"/>
+                <a:cs typeface="Times New Roman" panose="02020603050405020304" pitchFamily="18" charset="0"/>
+              </a:rPr>
+              <a:t>, </a:t>
+            </a:r>
+            <a:r>
+              <a:rPr lang="pt-BR" sz="2800" dirty="0" err="1">
+                <a:solidFill>
+                  <a:schemeClr val="tx1"/>
+                </a:solidFill>
+                <a:latin typeface="Times New Roman" panose="02020603050405020304" pitchFamily="18" charset="0"/>
+                <a:cs typeface="Times New Roman" panose="02020603050405020304" pitchFamily="18" charset="0"/>
+              </a:rPr>
+              <a:t>ECMAScript</a:t>
+            </a:r>
+            <a:r>
+              <a:rPr lang="pt-BR" sz="2800" dirty="0">
+                <a:solidFill>
+                  <a:schemeClr val="tx1"/>
+                </a:solidFill>
+                <a:latin typeface="Times New Roman" panose="02020603050405020304" pitchFamily="18" charset="0"/>
+                <a:cs typeface="Times New Roman" panose="02020603050405020304" pitchFamily="18" charset="0"/>
+              </a:rPr>
+              <a:t>, </a:t>
+            </a:r>
+            <a:r>
+              <a:rPr lang="pt-BR" sz="2800" dirty="0" err="1">
+                <a:solidFill>
+                  <a:schemeClr val="tx1"/>
+                </a:solidFill>
+                <a:latin typeface="Times New Roman" panose="02020603050405020304" pitchFamily="18" charset="0"/>
+                <a:cs typeface="Times New Roman" panose="02020603050405020304" pitchFamily="18" charset="0"/>
+              </a:rPr>
+              <a:t>etc</a:t>
+            </a:r>
+            <a:endParaRPr lang="pt-BR" sz="2800" dirty="0">
+              <a:solidFill>
+                <a:schemeClr val="tx1"/>
+              </a:solidFill>
+              <a:latin typeface="Times New Roman" panose="02020603050405020304" pitchFamily="18" charset="0"/>
+              <a:cs typeface="Times New Roman" panose="02020603050405020304" pitchFamily="18" charset="0"/>
+            </a:endParaRPr>
+          </a:p>
+          <a:p>
+            <a:pPr marL="0" indent="0" algn="just">
+              <a:buNone/>
+            </a:pPr>
+            <a:endParaRPr lang="pt-BR" dirty="0">
+              <a:solidFill>
+                <a:schemeClr val="tx1"/>
+              </a:solidFill>
+              <a:latin typeface="Times New Roman" panose="02020603050405020304" pitchFamily="18" charset="0"/>
+              <a:cs typeface="Times New Roman" panose="02020603050405020304" pitchFamily="18" charset="0"/>
+            </a:endParaRPr>
+          </a:p>
+          <a:p>
+            <a:pPr marL="0" indent="0" algn="just">
+              <a:buNone/>
+            </a:pPr>
+            <a:r>
+              <a:rPr lang="pt-BR" sz="2800" b="1" dirty="0">
+                <a:solidFill>
+                  <a:schemeClr val="tx1"/>
+                </a:solidFill>
+                <a:latin typeface="Times New Roman" panose="02020603050405020304" pitchFamily="18" charset="0"/>
+                <a:cs typeface="Times New Roman" panose="02020603050405020304" pitchFamily="18" charset="0"/>
+              </a:rPr>
+              <a:t>Compiladores</a:t>
+            </a:r>
+            <a:r>
+              <a:rPr lang="pt-BR" sz="2800" dirty="0">
+                <a:solidFill>
+                  <a:schemeClr val="tx1"/>
+                </a:solidFill>
+                <a:latin typeface="Times New Roman" panose="02020603050405020304" pitchFamily="18" charset="0"/>
+                <a:cs typeface="Times New Roman" panose="02020603050405020304" pitchFamily="18" charset="0"/>
+              </a:rPr>
+              <a:t>: processo de "tradução" do programa escrito em uma linguagem de programação para um formato no qual o computador entenda, </a:t>
+            </a:r>
+            <a:r>
+              <a:rPr lang="pt-BR" sz="2800" dirty="0" err="1">
+                <a:solidFill>
+                  <a:schemeClr val="tx1"/>
+                </a:solidFill>
+                <a:latin typeface="Times New Roman" panose="02020603050405020304" pitchFamily="18" charset="0"/>
+                <a:cs typeface="Times New Roman" panose="02020603050405020304" pitchFamily="18" charset="0"/>
+              </a:rPr>
+              <a:t>eg</a:t>
+            </a:r>
+            <a:r>
+              <a:rPr lang="pt-BR" sz="2800" dirty="0">
+                <a:solidFill>
+                  <a:schemeClr val="tx1"/>
+                </a:solidFill>
+                <a:latin typeface="Times New Roman" panose="02020603050405020304" pitchFamily="18" charset="0"/>
+                <a:cs typeface="Times New Roman" panose="02020603050405020304" pitchFamily="18" charset="0"/>
+              </a:rPr>
+              <a:t>.:, Java, C#, Delphi, </a:t>
+            </a:r>
+            <a:r>
+              <a:rPr lang="pt-BR" sz="2800" dirty="0" err="1">
+                <a:solidFill>
+                  <a:schemeClr val="tx1"/>
+                </a:solidFill>
+                <a:latin typeface="Times New Roman" panose="02020603050405020304" pitchFamily="18" charset="0"/>
+                <a:cs typeface="Times New Roman" panose="02020603050405020304" pitchFamily="18" charset="0"/>
+              </a:rPr>
+              <a:t>etc</a:t>
+            </a:r>
+            <a:endParaRPr lang="pt-BR" dirty="0">
+              <a:solidFill>
+                <a:schemeClr val="tx1"/>
+              </a:solidFill>
+              <a:latin typeface="Times New Roman" panose="02020603050405020304" pitchFamily="18" charset="0"/>
+              <a:cs typeface="Times New Roman" panose="02020603050405020304" pitchFamily="18" charset="0"/>
+            </a:endParaRPr>
+          </a:p>
+        </p:txBody>
+      </p:sp>
+    </p:spTree>
+    <p:extLst>
+      <p:ext uri="{BB962C8B-B14F-4D97-AF65-F5344CB8AC3E}">
+        <p14:creationId xmlns:p14="http://schemas.microsoft.com/office/powerpoint/2010/main" val="1566838904"/>
+      </p:ext>
+    </p:extLst>
   </p:cSld>
   <p:clrMapOvr>
     <a:masterClrMapping/>

--- a/01 Classes/Aula 03 Teoria de Compiladores - Linguagens de programação.pptx
+++ b/01 Classes/Aula 03 Teoria de Compiladores - Linguagens de programação.pptx
@@ -6773,14 +6773,24 @@
               <a:buNone/>
             </a:pPr>
             <a:r>
-              <a:rPr lang="pt-BR" dirty="0">
+              <a:rPr lang="pt-BR" sz="2400" dirty="0">
                 <a:solidFill>
                   <a:schemeClr val="tx1"/>
                 </a:solidFill>
                 <a:latin typeface="Times New Roman" panose="02020603050405020304" pitchFamily="18" charset="0"/>
                 <a:cs typeface="Times New Roman" panose="02020603050405020304" pitchFamily="18" charset="0"/>
               </a:rPr>
-              <a:t> </a:t>
+              <a:t>- </a:t>
+            </a:r>
+            <a:r>
+              <a:rPr lang="pt-BR" sz="2400" b="1" dirty="0">
+                <a:solidFill>
+                  <a:schemeClr val="tx1"/>
+                </a:solidFill>
+                <a:latin typeface="Times New Roman" panose="02020603050405020304" pitchFamily="18" charset="0"/>
+                <a:cs typeface="Times New Roman" panose="02020603050405020304" pitchFamily="18" charset="0"/>
+              </a:rPr>
+              <a:t>Vídeo</a:t>
             </a:r>
           </a:p>
           <a:p>
@@ -6788,31 +6798,27 @@
               <a:buNone/>
             </a:pPr>
             <a:r>
-              <a:rPr lang="pt-BR" dirty="0">
+              <a:rPr lang="pt-BR" sz="2400" dirty="0">
                 <a:solidFill>
                   <a:schemeClr val="tx1"/>
                 </a:solidFill>
                 <a:latin typeface="Times New Roman" panose="02020603050405020304" pitchFamily="18" charset="0"/>
                 <a:cs typeface="Times New Roman" panose="02020603050405020304" pitchFamily="18" charset="0"/>
               </a:rPr>
-              <a:t>- </a:t>
-            </a:r>
-            <a:r>
-              <a:rPr lang="pt-BR" b="1" dirty="0">
+              <a:t>	</a:t>
+            </a:r>
+            <a:r>
+              <a:rPr lang="pt-BR" sz="2400" dirty="0">
                 <a:solidFill>
                   <a:schemeClr val="tx1"/>
                 </a:solidFill>
                 <a:latin typeface="Times New Roman" panose="02020603050405020304" pitchFamily="18" charset="0"/>
                 <a:cs typeface="Times New Roman" panose="02020603050405020304" pitchFamily="18" charset="0"/>
-              </a:rPr>
-              <a:t>Vídeo</a:t>
-            </a:r>
-          </a:p>
-          <a:p>
-            <a:pPr marL="0" indent="0" algn="just">
-              <a:buNone/>
-            </a:pPr>
-            <a:endParaRPr lang="pt-BR" dirty="0">
+                <a:hlinkClick r:id="rId3"/>
+              </a:rPr>
+              <a:t>https://www.targethd.net/a-evolucao-das-linguagens-de-programacao-entre-1965-e-2019/</a:t>
+            </a:r>
+            <a:endParaRPr lang="pt-BR" sz="2400" dirty="0">
               <a:solidFill>
                 <a:schemeClr val="tx1"/>
               </a:solidFill>
@@ -6824,28 +6830,7 @@
             <a:pPr marL="0" indent="0" algn="just">
               <a:buNone/>
             </a:pPr>
-            <a:r>
-              <a:rPr lang="pt-BR" dirty="0">
-                <a:solidFill>
-                  <a:schemeClr val="tx1"/>
-                </a:solidFill>
-                <a:latin typeface="Times New Roman" panose="02020603050405020304" pitchFamily="18" charset="0"/>
-                <a:cs typeface="Times New Roman" panose="02020603050405020304" pitchFamily="18" charset="0"/>
-              </a:rPr>
-              <a:t>	</a:t>
-            </a:r>
-            <a:r>
-              <a:rPr lang="pt-BR" dirty="0">
-                <a:solidFill>
-                  <a:schemeClr val="tx1"/>
-                </a:solidFill>
-                <a:latin typeface="Times New Roman" panose="02020603050405020304" pitchFamily="18" charset="0"/>
-                <a:cs typeface="Times New Roman" panose="02020603050405020304" pitchFamily="18" charset="0"/>
-                <a:hlinkClick r:id="rId3"/>
-              </a:rPr>
-              <a:t>https://www.targethd.net/a-evolucao-das-linguagens-de-programacao-entre-1965-e-2019/</a:t>
-            </a:r>
-            <a:endParaRPr lang="pt-BR" dirty="0">
+            <a:endParaRPr lang="pt-BR" sz="2400" dirty="0">
               <a:solidFill>
                 <a:schemeClr val="tx1"/>
               </a:solidFill>
@@ -6857,13 +6842,104 @@
             <a:pPr marL="0" indent="0" algn="just">
               <a:buNone/>
             </a:pPr>
-            <a:endParaRPr lang="pt-BR" dirty="0">
+            <a:r>
+              <a:rPr lang="pt-BR" sz="2400" dirty="0">
+                <a:solidFill>
+                  <a:schemeClr val="tx1"/>
+                </a:solidFill>
+                <a:latin typeface="Times New Roman" panose="02020603050405020304" pitchFamily="18" charset="0"/>
+                <a:cs typeface="Times New Roman" panose="02020603050405020304" pitchFamily="18" charset="0"/>
+              </a:rPr>
+              <a:t>- Alan Turing – Pai da Computação (</a:t>
+            </a:r>
+            <a:r>
+              <a:rPr lang="pt-BR" sz="2400" b="1" dirty="0">
+                <a:solidFill>
+                  <a:schemeClr val="tx1"/>
+                </a:solidFill>
+                <a:latin typeface="Times New Roman" panose="02020603050405020304" pitchFamily="18" charset="0"/>
+                <a:cs typeface="Times New Roman" panose="02020603050405020304" pitchFamily="18" charset="0"/>
+              </a:rPr>
+              <a:t>Software</a:t>
+            </a:r>
+            <a:r>
+              <a:rPr lang="pt-BR" sz="2400" dirty="0">
+                <a:solidFill>
+                  <a:schemeClr val="tx1"/>
+                </a:solidFill>
+                <a:latin typeface="Times New Roman" panose="02020603050405020304" pitchFamily="18" charset="0"/>
+                <a:cs typeface="Times New Roman" panose="02020603050405020304" pitchFamily="18" charset="0"/>
+              </a:rPr>
+              <a:t>)</a:t>
+            </a:r>
+          </a:p>
+          <a:p>
+            <a:pPr marL="0" indent="0" algn="just">
+              <a:buNone/>
+            </a:pPr>
+            <a:r>
+              <a:rPr lang="pt-BR" sz="2400" dirty="0">
+                <a:solidFill>
+                  <a:schemeClr val="tx1"/>
+                </a:solidFill>
+                <a:latin typeface="Times New Roman" panose="02020603050405020304" pitchFamily="18" charset="0"/>
+                <a:cs typeface="Times New Roman" panose="02020603050405020304" pitchFamily="18" charset="0"/>
+              </a:rPr>
+              <a:t>	</a:t>
+            </a:r>
+            <a:r>
+              <a:rPr lang="pt-BR" sz="2400" dirty="0">
+                <a:solidFill>
+                  <a:schemeClr val="tx1"/>
+                </a:solidFill>
+                <a:latin typeface="Times New Roman" panose="02020603050405020304" pitchFamily="18" charset="0"/>
+                <a:cs typeface="Times New Roman" panose="02020603050405020304" pitchFamily="18" charset="0"/>
+                <a:hlinkClick r:id="rId4"/>
+              </a:rPr>
+              <a:t>https://www.youtube.com/watch?v=5jAq6yU8bxg</a:t>
+            </a:r>
+            <a:endParaRPr lang="pt-BR" sz="2400" dirty="0">
               <a:solidFill>
                 <a:schemeClr val="tx1"/>
               </a:solidFill>
               <a:latin typeface="Times New Roman" panose="02020603050405020304" pitchFamily="18" charset="0"/>
               <a:cs typeface="Times New Roman" panose="02020603050405020304" pitchFamily="18" charset="0"/>
             </a:endParaRPr>
+          </a:p>
+          <a:p>
+            <a:pPr marL="0" indent="0" algn="just">
+              <a:buNone/>
+            </a:pPr>
+            <a:r>
+              <a:rPr lang="pt-BR" sz="2400" dirty="0">
+                <a:solidFill>
+                  <a:schemeClr val="tx1"/>
+                </a:solidFill>
+                <a:latin typeface="Times New Roman" panose="02020603050405020304" pitchFamily="18" charset="0"/>
+                <a:cs typeface="Times New Roman" panose="02020603050405020304" pitchFamily="18" charset="0"/>
+              </a:rPr>
+              <a:t>- John Von Neumann – Arquitetura de Computador (</a:t>
+            </a:r>
+            <a:r>
+              <a:rPr lang="pt-BR" sz="2400" b="1" dirty="0">
+                <a:solidFill>
+                  <a:schemeClr val="tx1"/>
+                </a:solidFill>
+                <a:latin typeface="Times New Roman" panose="02020603050405020304" pitchFamily="18" charset="0"/>
+                <a:cs typeface="Times New Roman" panose="02020603050405020304" pitchFamily="18" charset="0"/>
+              </a:rPr>
+              <a:t>Hardware</a:t>
+            </a:r>
+            <a:r>
+              <a:rPr lang="pt-BR" sz="2400" dirty="0">
+                <a:solidFill>
+                  <a:schemeClr val="tx1"/>
+                </a:solidFill>
+                <a:latin typeface="Times New Roman" panose="02020603050405020304" pitchFamily="18" charset="0"/>
+                <a:cs typeface="Times New Roman" panose="02020603050405020304" pitchFamily="18" charset="0"/>
+              </a:rPr>
+              <a:t>)</a:t>
+            </a:r>
           </a:p>
         </p:txBody>
       </p:sp>
@@ -7267,7 +7343,7 @@
                   <a:schemeClr val="bg1"/>
                 </a:solidFill>
               </a:rPr>
-              <a:t>Aula 03</a:t>
+              <a:t>Aula </a:t>
             </a:r>
             <a:br>
               <a:rPr lang="pt-BR" b="1" dirty="0">

--- a/01 Classes/Aula 03 Teoria de Compiladores - Linguagens de programação.pptx
+++ b/01 Classes/Aula 03 Teoria de Compiladores - Linguagens de programação.pptx
@@ -7338,12 +7338,12 @@
               </a:rPr>
             </a:br>
             <a:r>
-              <a:rPr lang="pt-BR" b="1" dirty="0">
+              <a:rPr lang="pt-BR" b="1">
                 <a:solidFill>
                   <a:schemeClr val="bg1"/>
                 </a:solidFill>
               </a:rPr>
-              <a:t>Aula </a:t>
+              <a:t>Aula 03</a:t>
             </a:r>
             <a:br>
               <a:rPr lang="pt-BR" b="1" dirty="0">
